--- a/DocumentationsProjet/Jacques.Lemoine-Présentation.pptx
+++ b/DocumentationsProjet/Jacques.Lemoine-Présentation.pptx
@@ -5,7 +5,7 @@
     <p:sldMasterId id="2147483660" r:id="rId1"/>
   </p:sldMasterIdLst>
   <p:notesMasterIdLst>
-    <p:notesMasterId r:id="rId18"/>
+    <p:notesMasterId r:id="rId35"/>
   </p:notesMasterIdLst>
   <p:sldIdLst>
     <p:sldId id="256" r:id="rId2"/>
@@ -24,6 +24,23 @@
     <p:sldId id="269" r:id="rId15"/>
     <p:sldId id="270" r:id="rId16"/>
     <p:sldId id="271" r:id="rId17"/>
+    <p:sldId id="272" r:id="rId18"/>
+    <p:sldId id="273" r:id="rId19"/>
+    <p:sldId id="274" r:id="rId20"/>
+    <p:sldId id="275" r:id="rId21"/>
+    <p:sldId id="276" r:id="rId22"/>
+    <p:sldId id="277" r:id="rId23"/>
+    <p:sldId id="278" r:id="rId24"/>
+    <p:sldId id="279" r:id="rId25"/>
+    <p:sldId id="280" r:id="rId26"/>
+    <p:sldId id="281" r:id="rId27"/>
+    <p:sldId id="282" r:id="rId28"/>
+    <p:sldId id="283" r:id="rId29"/>
+    <p:sldId id="284" r:id="rId30"/>
+    <p:sldId id="285" r:id="rId31"/>
+    <p:sldId id="286" r:id="rId32"/>
+    <p:sldId id="287" r:id="rId33"/>
+    <p:sldId id="288" r:id="rId34"/>
   </p:sldIdLst>
   <p:sldSz cx="9144000" cy="6858000" type="screen4x3"/>
   <p:notesSz cx="6858000" cy="9144000"/>
@@ -124,7 +141,7 @@
   </p:defaultTextStyle>
   <p:extLst>
     <p:ext uri="{EFAFB233-063F-42B5-8137-9DF3F51BA10A}">
-      <p15:sldGuideLst xmlns:p15="http://schemas.microsoft.com/office/powerpoint/2012/main">
+      <p15:sldGuideLst xmlns="" xmlns:p15="http://schemas.microsoft.com/office/powerpoint/2012/main">
         <p15:guide id="1" orient="horz" pos="2160">
           <p15:clr>
             <a:srgbClr val="A4A3A4"/>
@@ -223,6 +240,7 @@
           <a:p>
             <a:fld id="{88D3DD92-9F27-4AF3-813B-B5261619014E}" type="datetimeFigureOut">
               <a:rPr lang="fr-FR" smtClean="0"/>
+              <a:pPr/>
               <a:t>26/04/2022</a:t>
             </a:fld>
             <a:endParaRPr lang="fr-FR"/>
@@ -384,6 +402,7 @@
           <a:p>
             <a:fld id="{800AB572-7352-4D09-A6CC-2794387F5F96}" type="slidenum">
               <a:rPr lang="fr-FR" smtClean="0"/>
+              <a:pPr/>
               <a:t>‹N°›</a:t>
             </a:fld>
             <a:endParaRPr lang="fr-FR"/>
@@ -620,6 +639,7 @@
           <a:p>
             <a:fld id="{73392AF4-EFA3-4C15-AD36-2EE234262E1C}" type="datetime1">
               <a:rPr lang="fr-FR" smtClean="0"/>
+              <a:pPr/>
               <a:t>26/04/2022</a:t>
             </a:fld>
             <a:endParaRPr lang="fr-FR"/>
@@ -666,6 +686,7 @@
           <a:p>
             <a:fld id="{5780601A-1CED-45F7-A451-A2385C792580}" type="slidenum">
               <a:rPr lang="fr-FR" smtClean="0"/>
+              <a:pPr/>
               <a:t>‹N°›</a:t>
             </a:fld>
             <a:endParaRPr lang="fr-FR"/>
@@ -923,6 +944,7 @@
           <a:p>
             <a:fld id="{FF03CE53-ECD2-4E2D-9342-D035846EFB1A}" type="datetime1">
               <a:rPr lang="fr-FR" smtClean="0"/>
+              <a:pPr/>
               <a:t>26/04/2022</a:t>
             </a:fld>
             <a:endParaRPr lang="fr-FR"/>
@@ -969,6 +991,7 @@
           <a:p>
             <a:fld id="{5780601A-1CED-45F7-A451-A2385C792580}" type="slidenum">
               <a:rPr lang="fr-FR" smtClean="0"/>
+              <a:pPr/>
               <a:t>‹N°›</a:t>
             </a:fld>
             <a:endParaRPr lang="fr-FR"/>
@@ -1102,6 +1125,7 @@
           <a:p>
             <a:fld id="{EF0EDC5C-D9B8-4AFA-9021-2BBCB187F325}" type="datetime1">
               <a:rPr lang="fr-FR" smtClean="0"/>
+              <a:pPr/>
               <a:t>26/04/2022</a:t>
             </a:fld>
             <a:endParaRPr lang="fr-FR"/>
@@ -1148,6 +1172,7 @@
           <a:p>
             <a:fld id="{5780601A-1CED-45F7-A451-A2385C792580}" type="slidenum">
               <a:rPr lang="fr-FR" smtClean="0"/>
+              <a:pPr/>
               <a:t>‹N°›</a:t>
             </a:fld>
             <a:endParaRPr lang="fr-FR"/>
@@ -1271,6 +1296,7 @@
           <a:p>
             <a:fld id="{2E54E41F-A0E9-494D-AC25-7D97453954F1}" type="datetime1">
               <a:rPr lang="fr-FR" smtClean="0"/>
+              <a:pPr/>
               <a:t>26/04/2022</a:t>
             </a:fld>
             <a:endParaRPr lang="fr-FR"/>
@@ -1317,6 +1343,7 @@
           <a:p>
             <a:fld id="{5780601A-1CED-45F7-A451-A2385C792580}" type="slidenum">
               <a:rPr lang="fr-FR" smtClean="0"/>
+              <a:pPr/>
               <a:t>‹N°›</a:t>
             </a:fld>
             <a:endParaRPr lang="fr-FR"/>
@@ -1535,6 +1562,7 @@
           <a:p>
             <a:fld id="{EDE61E34-53A1-4A47-8981-04DDB1F1A0DE}" type="datetime1">
               <a:rPr lang="fr-FR" smtClean="0"/>
+              <a:pPr/>
               <a:t>26/04/2022</a:t>
             </a:fld>
             <a:endParaRPr lang="fr-FR"/>
@@ -1581,6 +1609,7 @@
           <a:p>
             <a:fld id="{5780601A-1CED-45F7-A451-A2385C792580}" type="slidenum">
               <a:rPr lang="fr-FR" smtClean="0"/>
+              <a:pPr/>
               <a:t>‹N°›</a:t>
             </a:fld>
             <a:endParaRPr lang="fr-FR"/>
@@ -1993,6 +2022,7 @@
           <a:p>
             <a:fld id="{117D0F5A-A062-4495-87CA-678425BC11FB}" type="datetime1">
               <a:rPr lang="fr-FR" smtClean="0"/>
+              <a:pPr/>
               <a:t>26/04/2022</a:t>
             </a:fld>
             <a:endParaRPr lang="fr-FR"/>
@@ -2039,6 +2069,7 @@
           <a:p>
             <a:fld id="{5780601A-1CED-45F7-A451-A2385C792580}" type="slidenum">
               <a:rPr lang="fr-FR" smtClean="0"/>
+              <a:pPr/>
               <a:t>‹N°›</a:t>
             </a:fld>
             <a:endParaRPr lang="fr-FR"/>
@@ -2480,6 +2511,7 @@
           <a:p>
             <a:fld id="{9BF0B571-9BC5-4D45-BC0A-7C979A3E27F1}" type="datetime1">
               <a:rPr lang="fr-FR" smtClean="0"/>
+              <a:pPr/>
               <a:t>26/04/2022</a:t>
             </a:fld>
             <a:endParaRPr lang="fr-FR"/>
@@ -2526,6 +2558,7 @@
           <a:p>
             <a:fld id="{5780601A-1CED-45F7-A451-A2385C792580}" type="slidenum">
               <a:rPr lang="fr-FR" smtClean="0"/>
+              <a:pPr/>
               <a:t>‹N°›</a:t>
             </a:fld>
             <a:endParaRPr lang="fr-FR"/>
@@ -2602,6 +2635,7 @@
           <a:p>
             <a:fld id="{FA9A55F5-3799-4BD7-B0A6-75A5FC051C03}" type="datetime1">
               <a:rPr lang="fr-FR" smtClean="0"/>
+              <a:pPr/>
               <a:t>26/04/2022</a:t>
             </a:fld>
             <a:endParaRPr lang="fr-FR"/>
@@ -2648,6 +2682,7 @@
           <a:p>
             <a:fld id="{5780601A-1CED-45F7-A451-A2385C792580}" type="slidenum">
               <a:rPr lang="fr-FR" smtClean="0"/>
+              <a:pPr/>
               <a:t>‹N°›</a:t>
             </a:fld>
             <a:endParaRPr lang="fr-FR"/>
@@ -2742,6 +2777,7 @@
           <a:p>
             <a:fld id="{1870D7F8-E848-4998-A93B-2281E1B917C5}" type="datetime1">
               <a:rPr lang="fr-FR" smtClean="0"/>
+              <a:pPr/>
               <a:t>26/04/2022</a:t>
             </a:fld>
             <a:endParaRPr lang="fr-FR"/>
@@ -2788,6 +2824,7 @@
           <a:p>
             <a:fld id="{5780601A-1CED-45F7-A451-A2385C792580}" type="slidenum">
               <a:rPr lang="fr-FR" smtClean="0"/>
+              <a:pPr/>
               <a:t>‹N°›</a:t>
             </a:fld>
             <a:endParaRPr lang="fr-FR"/>
@@ -3060,6 +3097,7 @@
           <a:p>
             <a:fld id="{27A83D58-F497-4C11-9887-991EFF5C67CF}" type="datetime1">
               <a:rPr lang="fr-FR" smtClean="0"/>
+              <a:pPr/>
               <a:t>26/04/2022</a:t>
             </a:fld>
             <a:endParaRPr lang="fr-FR"/>
@@ -3106,6 +3144,7 @@
           <a:p>
             <a:fld id="{5780601A-1CED-45F7-A451-A2385C792580}" type="slidenum">
               <a:rPr lang="fr-FR" smtClean="0"/>
+              <a:pPr/>
               <a:t>‹N°›</a:t>
             </a:fld>
             <a:endParaRPr lang="fr-FR"/>
@@ -3192,6 +3231,7 @@
           <a:p>
             <a:fld id="{229D86BF-04B6-4172-8FC0-57E40292CAC4}" type="datetime1">
               <a:rPr lang="fr-FR" smtClean="0"/>
+              <a:pPr/>
               <a:t>26/04/2022</a:t>
             </a:fld>
             <a:endParaRPr lang="fr-FR"/>
@@ -3238,6 +3278,7 @@
           <a:p>
             <a:fld id="{5780601A-1CED-45F7-A451-A2385C792580}" type="slidenum">
               <a:rPr lang="fr-FR" smtClean="0"/>
+              <a:pPr/>
               <a:t>‹N°›</a:t>
             </a:fld>
             <a:endParaRPr lang="fr-FR"/>
@@ -3554,7 +3595,7 @@
     <p:bg>
       <p:bgPr>
         <a:blipFill dpi="0" rotWithShape="1">
-          <a:blip r:embed="rId13">
+          <a:blip r:embed="rId13" cstate="print">
             <a:alphaModFix amt="94000"/>
             <a:duotone>
               <a:schemeClr val="accent4">
@@ -3969,6 +4010,7 @@
           <a:p>
             <a:fld id="{A37FFE8B-46B8-48F0-92A7-D9133214D04C}" type="datetime1">
               <a:rPr lang="fr-FR" smtClean="0"/>
+              <a:pPr/>
               <a:t>26/04/2022</a:t>
             </a:fld>
             <a:endParaRPr lang="fr-FR"/>
@@ -4057,6 +4099,7 @@
           <a:p>
             <a:fld id="{5780601A-1CED-45F7-A451-A2385C792580}" type="slidenum">
               <a:rPr lang="fr-FR" smtClean="0"/>
+              <a:pPr/>
               <a:t>‹N°›</a:t>
             </a:fld>
             <a:endParaRPr lang="fr-FR"/>
@@ -4477,7 +4520,7 @@
           <p:nvPr/>
         </p:nvPicPr>
         <p:blipFill>
-          <a:blip r:embed="rId2">
+          <a:blip r:embed="rId2" cstate="print">
             <a:lum bright="10000"/>
           </a:blip>
           <a:stretch>
@@ -4563,7 +4606,7 @@
           <p:nvPr/>
         </p:nvPicPr>
         <p:blipFill>
-          <a:blip r:embed="rId3"/>
+          <a:blip r:embed="rId3" cstate="print"/>
           <a:stretch>
             <a:fillRect/>
           </a:stretch>
@@ -4851,7 +4894,7 @@
           <p:nvPr/>
         </p:nvPicPr>
         <p:blipFill>
-          <a:blip r:embed="rId3"/>
+          <a:blip r:embed="rId3" cstate="print"/>
           <a:srcRect/>
           <a:stretch>
             <a:fillRect/>
@@ -4923,7 +4966,7 @@
           <p:nvPr/>
         </p:nvPicPr>
         <p:blipFill>
-          <a:blip r:embed="rId4"/>
+          <a:blip r:embed="rId4" cstate="print"/>
           <a:srcRect/>
           <a:stretch>
             <a:fillRect/>
@@ -5114,7 +5157,7 @@
           <p:nvPr/>
         </p:nvPicPr>
         <p:blipFill>
-          <a:blip r:embed="rId3"/>
+          <a:blip r:embed="rId3" cstate="print"/>
           <a:srcRect/>
           <a:stretch>
             <a:fillRect/>
@@ -5186,7 +5229,7 @@
           <p:nvPr/>
         </p:nvPicPr>
         <p:blipFill>
-          <a:blip r:embed="rId4"/>
+          <a:blip r:embed="rId4" cstate="print"/>
           <a:srcRect/>
           <a:stretch>
             <a:fillRect/>
@@ -5212,10 +5255,10 @@
           <p:nvPr/>
         </p:nvPicPr>
         <p:blipFill>
-          <a:blip r:embed="rId5">
+          <a:blip r:embed="rId5" cstate="print">
             <a:extLst>
               <a:ext uri="{28A0092B-C50C-407E-A947-70E740481C1C}">
-                <a14:useLocalDpi xmlns:a14="http://schemas.microsoft.com/office/drawing/2010/main" val="0"/>
+                <a14:useLocalDpi xmlns="" xmlns:a14="http://schemas.microsoft.com/office/drawing/2010/main" val="0"/>
               </a:ext>
             </a:extLst>
           </a:blip>
@@ -5522,7 +5565,7 @@
           <p:nvPr/>
         </p:nvPicPr>
         <p:blipFill>
-          <a:blip r:embed="rId3"/>
+          <a:blip r:embed="rId3" cstate="print"/>
           <a:srcRect/>
           <a:stretch>
             <a:fillRect/>
@@ -5596,10 +5639,10 @@
           <p:nvPr/>
         </p:nvPicPr>
         <p:blipFill>
-          <a:blip r:embed="rId4">
+          <a:blip r:embed="rId4" cstate="print">
             <a:extLst>
               <a:ext uri="{28A0092B-C50C-407E-A947-70E740481C1C}">
-                <a14:useLocalDpi xmlns:a14="http://schemas.microsoft.com/office/drawing/2010/main" val="0"/>
+                <a14:useLocalDpi xmlns="" xmlns:a14="http://schemas.microsoft.com/office/drawing/2010/main" val="0"/>
               </a:ext>
             </a:extLst>
           </a:blip>
@@ -5801,7 +5844,7 @@
           <p:nvPr/>
         </p:nvPicPr>
         <p:blipFill>
-          <a:blip r:embed="rId3"/>
+          <a:blip r:embed="rId3" cstate="print"/>
           <a:srcRect/>
           <a:stretch>
             <a:fillRect/>
@@ -5873,7 +5916,7 @@
           <p:nvPr/>
         </p:nvPicPr>
         <p:blipFill>
-          <a:blip r:embed="rId4"/>
+          <a:blip r:embed="rId4" cstate="print"/>
           <a:srcRect/>
           <a:stretch>
             <a:fillRect/>
@@ -5987,23 +6030,7 @@
             </a:r>
             <a:r>
               <a:rPr lang="fr-FR" sz="2400" b="1" dirty="0" smtClean="0"/>
-              <a:t> Diagramme </a:t>
-            </a:r>
-            <a:r>
-              <a:rPr lang="fr-FR" sz="2400" b="1" dirty="0" smtClean="0"/>
-              <a:t>d’</a:t>
-            </a:r>
-            <a:r>
-              <a:rPr lang="fr-FR" sz="2400" b="1" dirty="0" err="1" smtClean="0"/>
-              <a:t>activite</a:t>
-            </a:r>
-            <a:r>
-              <a:rPr lang="fr-FR" sz="2400" b="1" dirty="0" smtClean="0"/>
-              <a:t> </a:t>
-            </a:r>
-            <a:r>
-              <a:rPr lang="fr-FR" sz="2400" b="1" dirty="0" smtClean="0"/>
-              <a:t>Modification De Contenu</a:t>
+              <a:t> Diagramme d’activité Modification de Contenu</a:t>
             </a:r>
             <a:endParaRPr lang="fr-FR" sz="2400" dirty="0" smtClean="0"/>
           </a:p>
@@ -6080,7 +6107,7 @@
           <p:nvPr/>
         </p:nvPicPr>
         <p:blipFill>
-          <a:blip r:embed="rId3"/>
+          <a:blip r:embed="rId3" cstate="print"/>
           <a:srcRect/>
           <a:stretch>
             <a:fillRect/>
@@ -6152,7 +6179,7 @@
           <p:nvPr/>
         </p:nvPicPr>
         <p:blipFill>
-          <a:blip r:embed="rId4"/>
+          <a:blip r:embed="rId4" cstate="print"/>
           <a:srcRect/>
           <a:stretch>
             <a:fillRect/>
@@ -6210,10 +6237,10 @@
           <p:nvPr/>
         </p:nvPicPr>
         <p:blipFill>
-          <a:blip r:embed="rId2">
+          <a:blip r:embed="rId2" cstate="print">
             <a:extLst>
               <a:ext uri="{28A0092B-C50C-407E-A947-70E740481C1C}">
-                <a14:useLocalDpi xmlns:a14="http://schemas.microsoft.com/office/drawing/2010/main" val="0"/>
+                <a14:useLocalDpi xmlns="" xmlns:a14="http://schemas.microsoft.com/office/drawing/2010/main" val="0"/>
               </a:ext>
             </a:extLst>
           </a:blip>
@@ -6238,7 +6265,7 @@
           <p:nvPr/>
         </p:nvPicPr>
         <p:blipFill>
-          <a:blip r:embed="rId3"/>
+          <a:blip r:embed="rId3" cstate="print"/>
           <a:srcRect/>
           <a:stretch>
             <a:fillRect/>
@@ -6354,7 +6381,7 @@
           <p:nvPr/>
         </p:nvPicPr>
         <p:blipFill>
-          <a:blip r:embed="rId5"/>
+          <a:blip r:embed="rId5" cstate="print"/>
           <a:srcRect/>
           <a:stretch>
             <a:fillRect/>
@@ -6427,8 +6454,8 @@
         </p:nvSpPr>
         <p:spPr>
           <a:xfrm>
-            <a:off x="2143108" y="1571612"/>
-            <a:ext cx="4572000" cy="584775"/>
+            <a:off x="2143108" y="1500174"/>
+            <a:ext cx="4572000" cy="707886"/>
           </a:xfrm>
           <a:prstGeom prst="rect">
             <a:avLst/>
@@ -6441,10 +6468,10 @@
           <a:lstStyle/>
           <a:p>
             <a:r>
-              <a:rPr lang="fr-FR" sz="1600" b="1" dirty="0"/>
-              <a:t>Front-End </a:t>
-            </a:r>
-            <a:endParaRPr lang="fr-FR" sz="1600" dirty="0"/>
+              <a:rPr lang="fr-FR" sz="2400" b="1" dirty="0" smtClean="0"/>
+              <a:t>Front-end </a:t>
+            </a:r>
+            <a:endParaRPr lang="fr-FR" sz="2400" dirty="0"/>
           </a:p>
           <a:p>
             <a:pPr>
@@ -6461,7 +6488,7 @@
           <p:nvPr/>
         </p:nvPicPr>
         <p:blipFill>
-          <a:blip r:embed="rId6"/>
+          <a:blip r:embed="rId6" cstate="print"/>
           <a:srcRect/>
           <a:stretch>
             <a:fillRect/>
@@ -6485,7 +6512,7 @@
           <p:nvPr/>
         </p:nvPicPr>
         <p:blipFill>
-          <a:blip r:embed="rId7"/>
+          <a:blip r:embed="rId7" cstate="print"/>
           <a:srcRect/>
           <a:stretch>
             <a:fillRect/>
@@ -6509,7 +6536,7 @@
           <p:nvPr/>
         </p:nvPicPr>
         <p:blipFill>
-          <a:blip r:embed="rId8"/>
+          <a:blip r:embed="rId8" cstate="print"/>
           <a:srcRect/>
           <a:stretch>
             <a:fillRect/>
@@ -6547,7 +6574,7 @@
         </p:spPr>
         <p:txBody>
           <a:bodyPr spcFirstLastPara="1" wrap="square" lIns="91425" tIns="45700" rIns="91425" bIns="45700" anchor="t" anchorCtr="0">
-            <a:normAutofit/>
+            <a:normAutofit lnSpcReduction="10000"/>
           </a:bodyPr>
           <a:lstStyle/>
           <a:p>
@@ -6606,7 +6633,7 @@
                 <a:cs typeface="Spartan"/>
                 <a:sym typeface="Spartan"/>
               </a:rPr>
-              <a:t>responsive, </a:t>
+              <a:t>responsive</a:t>
             </a:r>
             <a:endParaRPr dirty="0">
               <a:latin typeface="+mj-lt"/>
@@ -6637,7 +6664,7 @@
           <a:p>
             <a:pPr marR="0" lvl="0" algn="l" rtl="0">
               <a:spcBef>
-                <a:spcPts val="1000"/>
+                <a:spcPts val="600"/>
               </a:spcBef>
               <a:spcAft>
                 <a:spcPts val="0"/>
@@ -6654,7 +6681,66 @@
                 <a:cs typeface="Spartan"/>
                 <a:sym typeface="Spartan"/>
               </a:rPr>
-              <a:t>Utilisation du  SAAS pour compiler mes CSS</a:t>
+              <a:t>Utilisation du </a:t>
+            </a:r>
+            <a:r>
+              <a:rPr lang="fr-FR" sz="1800" dirty="0" smtClean="0">
+                <a:latin typeface="+mj-lt"/>
+                <a:ea typeface="Spartan"/>
+                <a:cs typeface="Spartan"/>
+                <a:sym typeface="Spartan"/>
+              </a:rPr>
+              <a:t>SASS </a:t>
+            </a:r>
+            <a:r>
+              <a:rPr lang="fr-FR" sz="1800" dirty="0">
+                <a:latin typeface="+mj-lt"/>
+                <a:ea typeface="Spartan"/>
+                <a:cs typeface="Spartan"/>
+                <a:sym typeface="Spartan"/>
+              </a:rPr>
+              <a:t>pour </a:t>
+            </a:r>
+            <a:r>
+              <a:rPr lang="fr-FR" sz="1800" dirty="0" smtClean="0">
+                <a:latin typeface="+mj-lt"/>
+                <a:ea typeface="Spartan"/>
+                <a:cs typeface="Spartan"/>
+                <a:sym typeface="Spartan"/>
+              </a:rPr>
+              <a:t>compiler</a:t>
+            </a:r>
+          </a:p>
+          <a:p>
+            <a:pPr marR="0" lvl="0" algn="l" rtl="0">
+              <a:spcBef>
+                <a:spcPts val="600"/>
+              </a:spcBef>
+              <a:spcAft>
+                <a:spcPts val="0"/>
+              </a:spcAft>
+              <a:buClr>
+                <a:schemeClr val="accent1"/>
+              </a:buClr>
+              <a:buSzPts val="1800"/>
+            </a:pPr>
+            <a:r>
+              <a:rPr lang="fr-FR" sz="1800" dirty="0" smtClean="0">
+                <a:latin typeface="+mj-lt"/>
+                <a:ea typeface="Spartan"/>
+                <a:cs typeface="Spartan"/>
+                <a:sym typeface="Spartan"/>
+              </a:rPr>
+              <a:t> </a:t>
+            </a:r>
+            <a:r>
+              <a:rPr lang="fr-FR" sz="1800" dirty="0">
+                <a:latin typeface="+mj-lt"/>
+                <a:ea typeface="Spartan"/>
+                <a:cs typeface="Spartan"/>
+                <a:sym typeface="Spartan"/>
+              </a:rPr>
+              <a:t>mes CSS</a:t>
             </a:r>
             <a:endParaRPr dirty="0">
               <a:latin typeface="+mj-lt"/>
@@ -6695,39 +6781,15 @@
               </a:buClr>
               <a:buSzPts val="1800"/>
             </a:pPr>
-            <a:r>
-              <a:rPr lang="fr-FR" sz="1800" dirty="0">
-                <a:latin typeface="+mj-lt"/>
-                <a:ea typeface="Spartan"/>
-                <a:cs typeface="Spartan"/>
-                <a:sym typeface="Spartan"/>
-              </a:rPr>
-              <a:t>Utilisation de Google Fonts pour les </a:t>
-            </a:r>
-            <a:r>
-              <a:rPr lang="fr-FR" sz="1800" dirty="0" smtClean="0">
-                <a:latin typeface="+mj-lt"/>
-                <a:ea typeface="Spartan"/>
-                <a:cs typeface="Spartan"/>
-                <a:sym typeface="Spartan"/>
-              </a:rPr>
-              <a:t>p</a:t>
-            </a:r>
-            <a:r>
-              <a:rPr lang="fr-FR" dirty="0" smtClean="0">
-                <a:latin typeface="+mj-lt"/>
-                <a:ea typeface="Spartan"/>
-                <a:cs typeface="Spartan"/>
-                <a:sym typeface="Spartan"/>
-              </a:rPr>
-              <a:t>olices</a:t>
-            </a:r>
+            <a:endParaRPr lang="fr-FR" sz="1800" dirty="0" smtClean="0">
+              <a:latin typeface="+mj-lt"/>
+              <a:ea typeface="Spartan"/>
+              <a:cs typeface="Spartan"/>
+              <a:sym typeface="Spartan"/>
+            </a:endParaRPr>
           </a:p>
           <a:p>
             <a:pPr marR="0" lvl="0" algn="l" rtl="0">
-              <a:spcBef>
-                <a:spcPts val="1000"/>
-              </a:spcBef>
               <a:spcAft>
                 <a:spcPts val="0"/>
               </a:spcAft>
@@ -6737,6 +6799,82 @@
               <a:buSzPts val="1800"/>
             </a:pPr>
             <a:r>
+              <a:rPr lang="fr-FR" sz="1800" dirty="0" smtClean="0">
+                <a:latin typeface="+mj-lt"/>
+                <a:ea typeface="Spartan"/>
+                <a:cs typeface="Spartan"/>
+                <a:sym typeface="Spartan"/>
+              </a:rPr>
+              <a:t>Utilisation </a:t>
+            </a:r>
+            <a:r>
+              <a:rPr lang="fr-FR" sz="1800" dirty="0">
+                <a:latin typeface="+mj-lt"/>
+                <a:ea typeface="Spartan"/>
+                <a:cs typeface="Spartan"/>
+                <a:sym typeface="Spartan"/>
+              </a:rPr>
+              <a:t>de Google Fonts pour </a:t>
+            </a:r>
+            <a:r>
+              <a:rPr lang="fr-FR" sz="1800" dirty="0" smtClean="0">
+                <a:latin typeface="+mj-lt"/>
+                <a:ea typeface="Spartan"/>
+                <a:cs typeface="Spartan"/>
+                <a:sym typeface="Spartan"/>
+              </a:rPr>
+              <a:t>les</a:t>
+            </a:r>
+          </a:p>
+          <a:p>
+            <a:pPr marR="0" lvl="0" algn="l" rtl="0">
+              <a:spcAft>
+                <a:spcPts val="0"/>
+              </a:spcAft>
+              <a:buClr>
+                <a:schemeClr val="accent1"/>
+              </a:buClr>
+              <a:buSzPts val="1800"/>
+            </a:pPr>
+            <a:r>
+              <a:rPr lang="fr-FR" sz="1800" dirty="0" smtClean="0">
+                <a:latin typeface="+mj-lt"/>
+                <a:ea typeface="Spartan"/>
+                <a:cs typeface="Spartan"/>
+                <a:sym typeface="Spartan"/>
+              </a:rPr>
+              <a:t> </a:t>
+            </a:r>
+            <a:r>
+              <a:rPr lang="fr-FR" sz="1800" dirty="0" smtClean="0">
+                <a:latin typeface="+mj-lt"/>
+                <a:ea typeface="Spartan"/>
+                <a:cs typeface="Spartan"/>
+                <a:sym typeface="Spartan"/>
+              </a:rPr>
+              <a:t>p</a:t>
+            </a:r>
+            <a:r>
+              <a:rPr lang="fr-FR" dirty="0" smtClean="0">
+                <a:latin typeface="+mj-lt"/>
+                <a:ea typeface="Spartan"/>
+                <a:cs typeface="Spartan"/>
+                <a:sym typeface="Spartan"/>
+              </a:rPr>
+              <a:t>olices</a:t>
+            </a:r>
+          </a:p>
+          <a:p>
+            <a:pPr marR="0" lvl="0" algn="l" rtl="0">
+              <a:spcAft>
+                <a:spcPts val="0"/>
+              </a:spcAft>
+              <a:buClr>
+                <a:schemeClr val="accent1"/>
+              </a:buClr>
+              <a:buSzPts val="1800"/>
+            </a:pPr>
+            <a:r>
               <a:rPr lang="fr-FR" dirty="0" smtClean="0">
                 <a:latin typeface="+mj-lt"/>
                 <a:sym typeface="Spartan"/>
@@ -6755,7 +6893,7 @@
                 <a:latin typeface="+mj-lt"/>
                 <a:sym typeface="Spartan"/>
               </a:rPr>
-              <a:t> pour les icones</a:t>
+              <a:t> pour les icônes</a:t>
             </a:r>
             <a:endParaRPr dirty="0">
               <a:latin typeface="+mj-lt"/>
@@ -6931,7 +7069,7 @@
           <a:blip r:embed="rId9" cstate="print">
             <a:extLst>
               <a:ext uri="{28A0092B-C50C-407E-A947-70E740481C1C}">
-                <a14:useLocalDpi xmlns:a14="http://schemas.microsoft.com/office/drawing/2010/main" val="0"/>
+                <a14:useLocalDpi xmlns="" xmlns:a14="http://schemas.microsoft.com/office/drawing/2010/main" val="0"/>
               </a:ext>
             </a:extLst>
           </a:blip>
@@ -6943,6 +7081,30 @@
           <a:xfrm>
             <a:off x="1259632" y="4252656"/>
             <a:ext cx="778614" cy="778614"/>
+          </a:xfrm>
+          <a:prstGeom prst="rect">
+            <a:avLst/>
+          </a:prstGeom>
+        </p:spPr>
+      </p:pic>
+      <p:pic>
+        <p:nvPicPr>
+          <p:cNvPr id="21" name="Image 20" descr="P09-Capture.JPG"/>
+          <p:cNvPicPr>
+            <a:picLocks noChangeAspect="1"/>
+          </p:cNvPicPr>
+          <p:nvPr/>
+        </p:nvPicPr>
+        <p:blipFill>
+          <a:blip r:embed="rId10" cstate="print"/>
+          <a:stretch>
+            <a:fillRect/>
+          </a:stretch>
+        </p:blipFill>
+        <p:spPr>
+          <a:xfrm>
+            <a:off x="6516216" y="2485467"/>
+            <a:ext cx="2444696" cy="2696927"/>
           </a:xfrm>
           <a:prstGeom prst="rect">
             <a:avLst/>
@@ -6988,7 +7150,7 @@
           <p:nvPr/>
         </p:nvPicPr>
         <p:blipFill>
-          <a:blip r:embed="rId3" cstate="print"/>
+          <a:blip r:embed="rId2" cstate="print"/>
           <a:stretch>
             <a:fillRect/>
           </a:stretch>
@@ -7031,7 +7193,7 @@
             <a:pPr algn="ctr"/>
             <a:r>
               <a:rPr lang="fr-FR" dirty="0" smtClean="0"/>
-              <a:t>Gestion de projet</a:t>
+              <a:t>Conception Back-end</a:t>
             </a:r>
             <a:endParaRPr lang="fr-FR" dirty="0"/>
           </a:p>
@@ -7068,7 +7230,7 @@
             </a:r>
             <a:r>
               <a:rPr lang="fr-FR" sz="2800" b="1" dirty="0" smtClean="0"/>
-              <a:t>Back End</a:t>
+              <a:t>Back-end</a:t>
             </a:r>
             <a:endParaRPr lang="fr-FR" dirty="0" smtClean="0"/>
           </a:p>
@@ -7123,7 +7285,7 @@
           <p:nvPr/>
         </p:nvPicPr>
         <p:blipFill>
-          <a:blip r:embed="rId4"/>
+          <a:blip r:embed="rId3" cstate="print"/>
           <a:srcRect/>
           <a:stretch>
             <a:fillRect/>
@@ -7195,7 +7357,7 @@
           <p:nvPr/>
         </p:nvPicPr>
         <p:blipFill rotWithShape="1">
-          <a:blip r:embed="rId5">
+          <a:blip r:embed="rId4" cstate="print">
             <a:alphaModFix/>
           </a:blip>
           <a:srcRect/>
@@ -7224,10 +7386,10 @@
           <p:nvPr/>
         </p:nvPicPr>
         <p:blipFill>
-          <a:blip r:embed="rId6">
+          <a:blip r:embed="rId5" cstate="print">
             <a:extLst>
               <a:ext uri="{28A0092B-C50C-407E-A947-70E740481C1C}">
-                <a14:useLocalDpi xmlns:a14="http://schemas.microsoft.com/office/drawing/2010/main" val="0"/>
+                <a14:useLocalDpi xmlns="" xmlns:a14="http://schemas.microsoft.com/office/drawing/2010/main" val="0"/>
               </a:ext>
             </a:extLst>
           </a:blip>
@@ -7247,7 +7409,7 @@
           <a:noFill/>
           <a:extLst>
             <a:ext uri="{909E8E84-426E-40DD-AFC4-6F175D3DCCD1}">
-              <a14:hiddenFill xmlns:a14="http://schemas.microsoft.com/office/drawing/2010/main">
+              <a14:hiddenFill xmlns="" xmlns:a14="http://schemas.microsoft.com/office/drawing/2010/main">
                 <a:solidFill>
                   <a:srgbClr val="FFFFFF"/>
                 </a:solidFill>
@@ -7265,10 +7427,10 @@
           <p:nvPr/>
         </p:nvPicPr>
         <p:blipFill>
-          <a:blip r:embed="rId7">
+          <a:blip r:embed="rId6" cstate="print">
             <a:extLst>
               <a:ext uri="{28A0092B-C50C-407E-A947-70E740481C1C}">
-                <a14:useLocalDpi xmlns:a14="http://schemas.microsoft.com/office/drawing/2010/main" val="0"/>
+                <a14:useLocalDpi xmlns="" xmlns:a14="http://schemas.microsoft.com/office/drawing/2010/main" val="0"/>
               </a:ext>
             </a:extLst>
           </a:blip>
@@ -7288,7 +7450,7 @@
           <a:noFill/>
           <a:extLst>
             <a:ext uri="{909E8E84-426E-40DD-AFC4-6F175D3DCCD1}">
-              <a14:hiddenFill xmlns:a14="http://schemas.microsoft.com/office/drawing/2010/main">
+              <a14:hiddenFill xmlns="" xmlns:a14="http://schemas.microsoft.com/office/drawing/2010/main">
                 <a:solidFill>
                   <a:srgbClr val="FFFFFF"/>
                 </a:solidFill>
@@ -7306,10 +7468,10 @@
           <p:nvPr/>
         </p:nvPicPr>
         <p:blipFill>
-          <a:blip r:embed="rId8">
+          <a:blip r:embed="rId7" cstate="print">
             <a:extLst>
               <a:ext uri="{28A0092B-C50C-407E-A947-70E740481C1C}">
-                <a14:useLocalDpi xmlns:a14="http://schemas.microsoft.com/office/drawing/2010/main" val="0"/>
+                <a14:useLocalDpi xmlns="" xmlns:a14="http://schemas.microsoft.com/office/drawing/2010/main" val="0"/>
               </a:ext>
             </a:extLst>
           </a:blip>
@@ -7329,7 +7491,7 @@
           <a:noFill/>
           <a:extLst>
             <a:ext uri="{909E8E84-426E-40DD-AFC4-6F175D3DCCD1}">
-              <a14:hiddenFill xmlns:a14="http://schemas.microsoft.com/office/drawing/2010/main">
+              <a14:hiddenFill xmlns="" xmlns:a14="http://schemas.microsoft.com/office/drawing/2010/main">
                 <a:solidFill>
                   <a:srgbClr val="FFFFFF"/>
                 </a:solidFill>
@@ -7345,7 +7507,7 @@
           <p:nvPr/>
         </p:nvPicPr>
         <p:blipFill>
-          <a:blip r:embed="rId9" cstate="print"/>
+          <a:blip r:embed="rId8" cstate="print"/>
           <a:srcRect/>
           <a:stretch>
             <a:fillRect/>
@@ -7398,7 +7560,7 @@
             </a:pPr>
             <a:r>
               <a:rPr lang="fr-FR" sz="1800" dirty="0" smtClean="0">
-                <a:latin typeface="Gill Sans MT (Corps)"/>
+                <a:latin typeface="+mj-lt"/>
                 <a:ea typeface="Spartan"/>
                 <a:cs typeface="Spartan"/>
                 <a:sym typeface="Spartan"/>
@@ -7407,7 +7569,7 @@
             </a:r>
             <a:r>
               <a:rPr lang="fr-FR" sz="1800" dirty="0" err="1">
-                <a:latin typeface="Gill Sans MT (Corps)"/>
+                <a:latin typeface="+mj-lt"/>
                 <a:ea typeface="Spartan"/>
                 <a:cs typeface="Spartan"/>
                 <a:sym typeface="Spartan"/>
@@ -7416,7 +7578,7 @@
             </a:r>
             <a:r>
               <a:rPr lang="fr-FR" sz="1800" dirty="0">
-                <a:latin typeface="Gill Sans MT (Corps)"/>
+                <a:latin typeface="+mj-lt"/>
                 <a:ea typeface="Spartan"/>
                 <a:cs typeface="Spartan"/>
                 <a:sym typeface="Spartan"/>
@@ -7425,31 +7587,31 @@
             </a:r>
             <a:r>
               <a:rPr lang="fr-FR" dirty="0">
-                <a:latin typeface="Gill Sans MT (Corps)"/>
+                <a:latin typeface="+mj-lt"/>
               </a:rPr>
               <a:t>(</a:t>
             </a:r>
             <a:r>
               <a:rPr lang="fr-FR" dirty="0" smtClean="0">
-                <a:latin typeface="Gill Sans MT (Corps)"/>
+                <a:latin typeface="+mj-lt"/>
               </a:rPr>
               <a:t>Model-</a:t>
             </a:r>
             <a:r>
               <a:rPr lang="fr-FR" dirty="0" err="1" smtClean="0">
-                <a:latin typeface="Gill Sans MT (Corps)"/>
+                <a:latin typeface="+mj-lt"/>
               </a:rPr>
               <a:t>View</a:t>
             </a:r>
             <a:r>
               <a:rPr lang="fr-FR" dirty="0" smtClean="0">
-                <a:latin typeface="Gill Sans MT (Corps)"/>
+                <a:latin typeface="+mj-lt"/>
               </a:rPr>
               <a:t>-Controller) </a:t>
             </a:r>
             <a:r>
               <a:rPr lang="fr-FR" sz="1800" dirty="0" smtClean="0">
-                <a:latin typeface="Gill Sans MT (Corps)"/>
+                <a:latin typeface="+mj-lt"/>
                 <a:ea typeface="Spartan"/>
                 <a:cs typeface="Spartan"/>
                 <a:sym typeface="Spartan"/>
@@ -7458,7 +7620,7 @@
             </a:r>
             <a:r>
               <a:rPr lang="fr-FR" sz="1800" dirty="0">
-                <a:latin typeface="Gill Sans MT (Corps)"/>
+                <a:latin typeface="+mj-lt"/>
                 <a:ea typeface="Spartan"/>
                 <a:cs typeface="Spartan"/>
                 <a:sym typeface="Spartan"/>
@@ -7467,7 +7629,7 @@
             </a:r>
             <a:r>
               <a:rPr lang="fr-FR" sz="1800" dirty="0" smtClean="0">
-                <a:latin typeface="Gill Sans MT (Corps)"/>
+                <a:latin typeface="+mj-lt"/>
                 <a:ea typeface="Spartan"/>
                 <a:cs typeface="Spartan"/>
                 <a:sym typeface="Spartan"/>
@@ -7476,7 +7638,7 @@
             </a:r>
             <a:r>
               <a:rPr lang="fr-FR" sz="1800" dirty="0" err="1" smtClean="0">
-                <a:latin typeface="Gill Sans MT (Corps)"/>
+                <a:latin typeface="+mj-lt"/>
                 <a:ea typeface="Spartan"/>
                 <a:cs typeface="Spartan"/>
                 <a:sym typeface="Spartan"/>
@@ -7485,7 +7647,7 @@
             </a:r>
             <a:r>
               <a:rPr lang="fr-FR" sz="1800" dirty="0" smtClean="0">
-                <a:latin typeface="Gill Sans MT (Corps)"/>
+                <a:latin typeface="+mj-lt"/>
                 <a:ea typeface="Spartan"/>
                 <a:cs typeface="Spartan"/>
                 <a:sym typeface="Spartan"/>
@@ -7493,7 +7655,7 @@
               <a:t>),</a:t>
             </a:r>
             <a:endParaRPr dirty="0">
-              <a:latin typeface="Gill Sans MT (Corps)"/>
+              <a:latin typeface="+mj-lt"/>
             </a:endParaRPr>
           </a:p>
           <a:p>
@@ -7512,7 +7674,7 @@
               <a:buNone/>
             </a:pPr>
             <a:endParaRPr lang="fr-FR" sz="1800" dirty="0" smtClean="0">
-              <a:latin typeface="Gill Sans MT (Corps)"/>
+              <a:latin typeface="+mj-lt"/>
               <a:ea typeface="Spartan"/>
               <a:cs typeface="Spartan"/>
               <a:sym typeface="Spartan"/>
@@ -7534,7 +7696,7 @@
               <a:buNone/>
             </a:pPr>
             <a:endParaRPr lang="fr-FR" sz="1800" dirty="0" smtClean="0">
-              <a:latin typeface="Gill Sans MT (Corps)"/>
+              <a:latin typeface="+mj-lt"/>
               <a:ea typeface="Spartan"/>
               <a:cs typeface="Spartan"/>
               <a:sym typeface="Spartan"/>
@@ -7556,7 +7718,7 @@
               <a:buNone/>
             </a:pPr>
             <a:endParaRPr sz="1800" dirty="0">
-              <a:latin typeface="Gill Sans MT (Corps)"/>
+              <a:latin typeface="+mj-lt"/>
               <a:ea typeface="Spartan"/>
               <a:cs typeface="Spartan"/>
               <a:sym typeface="Spartan"/>
@@ -7577,7 +7739,7 @@
             </a:pPr>
             <a:r>
               <a:rPr lang="fr-FR" sz="1800" dirty="0">
-                <a:latin typeface="Gill Sans MT (Corps)"/>
+                <a:latin typeface="+mj-lt"/>
                 <a:ea typeface="Spartan"/>
                 <a:cs typeface="Spartan"/>
                 <a:sym typeface="Spartan"/>
@@ -7586,7 +7748,7 @@
             </a:r>
             <a:r>
               <a:rPr lang="fr-FR" sz="1800" dirty="0" err="1">
-                <a:latin typeface="Gill Sans MT (Corps)"/>
+                <a:latin typeface="+mj-lt"/>
                 <a:ea typeface="Spartan"/>
                 <a:cs typeface="Spartan"/>
                 <a:sym typeface="Spartan"/>
@@ -7595,7 +7757,7 @@
             </a:r>
             <a:r>
               <a:rPr lang="fr-FR" sz="1800" dirty="0">
-                <a:latin typeface="Gill Sans MT (Corps)"/>
+                <a:latin typeface="+mj-lt"/>
                 <a:ea typeface="Spartan"/>
                 <a:cs typeface="Spartan"/>
                 <a:sym typeface="Spartan"/>
@@ -7603,7 +7765,7 @@
               <a:t>, </a:t>
             </a:r>
             <a:endParaRPr dirty="0">
-              <a:latin typeface="Gill Sans MT (Corps)"/>
+              <a:latin typeface="+mj-lt"/>
             </a:endParaRPr>
           </a:p>
           <a:p>
@@ -7622,7 +7784,7 @@
               <a:buNone/>
             </a:pPr>
             <a:endParaRPr lang="fr-FR" sz="1800" dirty="0" smtClean="0">
-              <a:latin typeface="Gill Sans MT (Corps)"/>
+              <a:latin typeface="+mj-lt"/>
               <a:ea typeface="Spartan"/>
               <a:cs typeface="Spartan"/>
               <a:sym typeface="Spartan"/>
@@ -7644,7 +7806,7 @@
               <a:buNone/>
             </a:pPr>
             <a:endParaRPr sz="1800" dirty="0">
-              <a:latin typeface="Gill Sans MT (Corps)"/>
+              <a:latin typeface="+mj-lt"/>
               <a:ea typeface="Spartan"/>
               <a:cs typeface="Spartan"/>
               <a:sym typeface="Spartan"/>
@@ -7665,7 +7827,7 @@
             </a:pPr>
             <a:r>
               <a:rPr lang="fr-FR" sz="1800" dirty="0">
-                <a:latin typeface="Gill Sans MT (Corps)"/>
+                <a:latin typeface="+mj-lt"/>
                 <a:ea typeface="Spartan"/>
                 <a:cs typeface="Spartan"/>
                 <a:sym typeface="Spartan"/>
@@ -7674,7 +7836,7 @@
             </a:r>
             <a:r>
               <a:rPr lang="fr-FR" sz="1800" dirty="0" smtClean="0">
-                <a:latin typeface="Gill Sans MT (Corps)"/>
+                <a:latin typeface="+mj-lt"/>
                 <a:ea typeface="Spartan"/>
                 <a:cs typeface="Spartan"/>
                 <a:sym typeface="Spartan"/>
@@ -7683,7 +7845,7 @@
             </a:r>
             <a:r>
               <a:rPr lang="fr-FR" sz="1800" dirty="0">
-                <a:latin typeface="Gill Sans MT (Corps)"/>
+                <a:latin typeface="+mj-lt"/>
                 <a:ea typeface="Spartan"/>
                 <a:cs typeface="Spartan"/>
                 <a:sym typeface="Spartan"/>
@@ -7692,7 +7854,7 @@
             </a:r>
             <a:r>
               <a:rPr lang="fr-FR" dirty="0" err="1" smtClean="0">
-                <a:latin typeface="Gill Sans MT (Corps)"/>
+                <a:latin typeface="+mj-lt"/>
                 <a:ea typeface="Spartan"/>
                 <a:cs typeface="Spartan"/>
                 <a:sym typeface="Spartan"/>
@@ -7701,7 +7863,7 @@
             </a:r>
             <a:r>
               <a:rPr lang="fr-FR" sz="1800" dirty="0" err="1" smtClean="0">
-                <a:latin typeface="Gill Sans MT (Corps)"/>
+                <a:latin typeface="+mj-lt"/>
                 <a:ea typeface="Spartan"/>
                 <a:cs typeface="Spartan"/>
                 <a:sym typeface="Spartan"/>
@@ -7710,7 +7872,7 @@
             </a:r>
             <a:r>
               <a:rPr lang="fr-FR" sz="1800" dirty="0" smtClean="0">
-                <a:latin typeface="Gill Sans MT (Corps)"/>
+                <a:latin typeface="+mj-lt"/>
                 <a:ea typeface="Spartan"/>
                 <a:cs typeface="Spartan"/>
                 <a:sym typeface="Spartan"/>
@@ -7719,7 +7881,7 @@
             </a:r>
             <a:r>
               <a:rPr lang="fr-FR" sz="1800" dirty="0">
-                <a:latin typeface="Gill Sans MT (Corps)"/>
+                <a:latin typeface="+mj-lt"/>
                 <a:ea typeface="Spartan"/>
                 <a:cs typeface="Spartan"/>
                 <a:sym typeface="Spartan"/>
@@ -7727,7 +7889,7 @@
               <a:t>Admin</a:t>
             </a:r>
             <a:endParaRPr dirty="0">
-              <a:latin typeface="Gill Sans MT (Corps)"/>
+              <a:latin typeface="+mj-lt"/>
             </a:endParaRPr>
           </a:p>
           <a:p>
@@ -7749,7 +7911,7 @@
               <a:solidFill>
                 <a:srgbClr val="3F3F3F"/>
               </a:solidFill>
-              <a:latin typeface="Spartan"/>
+              <a:latin typeface="+mj-lt"/>
               <a:ea typeface="Spartan"/>
               <a:cs typeface="Spartan"/>
               <a:sym typeface="Spartan"/>
@@ -7764,7 +7926,7 @@
           <p:nvPr/>
         </p:nvPicPr>
         <p:blipFill>
-          <a:blip r:embed="rId10" cstate="print"/>
+          <a:blip r:embed="rId9" cstate="print"/>
           <a:srcRect/>
           <a:stretch>
             <a:fillRect/>
@@ -7779,6 +7941,1203 @@
             <a:avLst/>
           </a:prstGeom>
           <a:ln/>
+        </p:spPr>
+      </p:pic>
+    </p:spTree>
+  </p:cSld>
+  <p:clrMapOvr>
+    <a:masterClrMapping/>
+  </p:clrMapOvr>
+  <p:timing>
+    <p:tnLst>
+      <p:par>
+        <p:cTn id="1" dur="indefinite" restart="never" nodeType="tmRoot"/>
+      </p:par>
+    </p:tnLst>
+  </p:timing>
+</p:sld>
+</file>
+
+<file path=ppt/slides/slide17.xml><?xml version="1.0" encoding="utf-8"?>
+<p:sld xmlns:a="http://schemas.openxmlformats.org/drawingml/2006/main" xmlns:r="http://schemas.openxmlformats.org/officeDocument/2006/relationships" xmlns:p="http://schemas.openxmlformats.org/presentationml/2006/main">
+  <p:cSld>
+    <p:spTree>
+      <p:nvGrpSpPr>
+        <p:cNvPr id="1" name=""/>
+        <p:cNvGrpSpPr/>
+        <p:nvPr/>
+      </p:nvGrpSpPr>
+      <p:grpSpPr>
+        <a:xfrm>
+          <a:off x="0" y="0"/>
+          <a:ext cx="0" cy="0"/>
+          <a:chOff x="0" y="0"/>
+          <a:chExt cx="0" cy="0"/>
+        </a:xfrm>
+      </p:grpSpPr>
+      <p:pic>
+        <p:nvPicPr>
+          <p:cNvPr id="5" name="Image 4" descr="logo_PaulGreen_2a.jpeg"/>
+          <p:cNvPicPr/>
+          <p:nvPr/>
+        </p:nvPicPr>
+        <p:blipFill>
+          <a:blip r:embed="rId2" cstate="print"/>
+          <a:stretch>
+            <a:fillRect/>
+          </a:stretch>
+        </p:blipFill>
+        <p:spPr>
+          <a:xfrm>
+            <a:off x="1000100" y="0"/>
+            <a:ext cx="1643074" cy="1643074"/>
+          </a:xfrm>
+          <a:prstGeom prst="rect">
+            <a:avLst/>
+          </a:prstGeom>
+        </p:spPr>
+      </p:pic>
+      <p:sp>
+        <p:nvSpPr>
+          <p:cNvPr id="2" name="Titre 1"/>
+          <p:cNvSpPr>
+            <a:spLocks noGrp="1"/>
+          </p:cNvSpPr>
+          <p:nvPr>
+            <p:ph type="title"/>
+          </p:nvPr>
+        </p:nvSpPr>
+        <p:spPr>
+          <a:xfrm>
+            <a:off x="2772000" y="252000"/>
+            <a:ext cx="5040000" cy="720000"/>
+          </a:xfrm>
+          <a:solidFill>
+            <a:srgbClr val="C65806"/>
+          </a:solidFill>
+        </p:spPr>
+        <p:txBody>
+          <a:bodyPr>
+            <a:normAutofit fontScale="90000"/>
+          </a:bodyPr>
+          <a:lstStyle/>
+          <a:p>
+            <a:pPr algn="ctr"/>
+            <a:r>
+              <a:rPr lang="fr-FR" dirty="0" smtClean="0"/>
+              <a:t>Conception Back-end</a:t>
+            </a:r>
+            <a:endParaRPr lang="fr-FR" dirty="0"/>
+          </a:p>
+        </p:txBody>
+      </p:sp>
+      <p:sp>
+        <p:nvSpPr>
+          <p:cNvPr id="3" name="Espace réservé du contenu 2"/>
+          <p:cNvSpPr>
+            <a:spLocks noGrp="1"/>
+          </p:cNvSpPr>
+          <p:nvPr>
+            <p:ph idx="1"/>
+          </p:nvPr>
+        </p:nvSpPr>
+        <p:spPr>
+          <a:xfrm>
+            <a:off x="1645920" y="1484784"/>
+            <a:ext cx="7498080" cy="549612"/>
+          </a:xfrm>
+        </p:spPr>
+        <p:txBody>
+          <a:bodyPr>
+            <a:normAutofit lnSpcReduction="10000"/>
+          </a:bodyPr>
+          <a:lstStyle/>
+          <a:p>
+            <a:pPr>
+              <a:buNone/>
+            </a:pPr>
+            <a:r>
+              <a:rPr lang="fr-FR" b="1" dirty="0" smtClean="0">
+                <a:latin typeface="+mj-lt"/>
+              </a:rPr>
+              <a:t>	</a:t>
+            </a:r>
+            <a:r>
+              <a:rPr lang="fr-FR" b="1" dirty="0" smtClean="0">
+                <a:latin typeface="+mj-lt"/>
+              </a:rPr>
+              <a:t>La </a:t>
+            </a:r>
+            <a:r>
+              <a:rPr lang="fr-FR" sz="2800" b="1" dirty="0" smtClean="0">
+                <a:latin typeface="+mj-lt"/>
+              </a:rPr>
+              <a:t>Base de données</a:t>
+            </a:r>
+            <a:endParaRPr lang="fr-FR" dirty="0" smtClean="0">
+              <a:latin typeface="+mj-lt"/>
+            </a:endParaRPr>
+          </a:p>
+          <a:p>
+            <a:pPr>
+              <a:buNone/>
+            </a:pPr>
+            <a:endParaRPr lang="fr-FR" sz="2200" dirty="0">
+              <a:latin typeface="+mj-lt"/>
+            </a:endParaRPr>
+          </a:p>
+        </p:txBody>
+      </p:sp>
+      <p:sp>
+        <p:nvSpPr>
+          <p:cNvPr id="4" name="Espace réservé du pied de page 3"/>
+          <p:cNvSpPr>
+            <a:spLocks noGrp="1"/>
+          </p:cNvSpPr>
+          <p:nvPr>
+            <p:ph type="ftr" sz="quarter" idx="11"/>
+          </p:nvPr>
+        </p:nvSpPr>
+        <p:spPr>
+          <a:xfrm>
+            <a:off x="1043608" y="6381328"/>
+            <a:ext cx="8100392" cy="400472"/>
+          </a:xfrm>
+        </p:spPr>
+        <p:txBody>
+          <a:bodyPr/>
+          <a:lstStyle/>
+          <a:p>
+            <a:pPr algn="ctr"/>
+            <a:r>
+              <a:rPr lang="fr-FR" sz="1400" dirty="0" smtClean="0">
+                <a:latin typeface="+mj-lt"/>
+              </a:rPr>
+              <a:t>Jacques LEMOINE –</a:t>
+            </a:r>
+            <a:r>
+              <a:rPr lang="fr-FR" sz="1400" dirty="0" err="1" smtClean="0">
+                <a:latin typeface="+mj-lt"/>
+              </a:rPr>
+              <a:t>Arinfo</a:t>
+            </a:r>
+            <a:r>
+              <a:rPr lang="fr-FR" sz="1400" dirty="0" smtClean="0">
+                <a:latin typeface="+mj-lt"/>
+              </a:rPr>
+              <a:t> – Promotion Novembre 2021 - Avril 2022</a:t>
+            </a:r>
+            <a:endParaRPr lang="fr-FR" sz="1400" dirty="0">
+              <a:latin typeface="+mj-lt"/>
+            </a:endParaRPr>
+          </a:p>
+        </p:txBody>
+      </p:sp>
+      <p:pic>
+        <p:nvPicPr>
+          <p:cNvPr id="7" name="image2.png"/>
+          <p:cNvPicPr/>
+          <p:nvPr/>
+        </p:nvPicPr>
+        <p:blipFill>
+          <a:blip r:embed="rId3" cstate="print"/>
+          <a:srcRect/>
+          <a:stretch>
+            <a:fillRect/>
+          </a:stretch>
+        </p:blipFill>
+        <p:spPr>
+          <a:xfrm>
+            <a:off x="8045746" y="171953"/>
+            <a:ext cx="952500" cy="866775"/>
+          </a:xfrm>
+          <a:prstGeom prst="rect">
+            <a:avLst/>
+          </a:prstGeom>
+          <a:ln/>
+        </p:spPr>
+      </p:pic>
+      <p:sp>
+        <p:nvSpPr>
+          <p:cNvPr id="35" name="Google Shape;323;p20"/>
+          <p:cNvSpPr txBox="1"/>
+          <p:nvPr/>
+        </p:nvSpPr>
+        <p:spPr>
+          <a:xfrm>
+            <a:off x="1187624" y="1988840"/>
+            <a:ext cx="7708728" cy="870765"/>
+          </a:xfrm>
+          <a:prstGeom prst="rect">
+            <a:avLst/>
+          </a:prstGeom>
+          <a:noFill/>
+          <a:ln>
+            <a:noFill/>
+          </a:ln>
+        </p:spPr>
+        <p:txBody>
+          <a:bodyPr spcFirstLastPara="1" wrap="square" lIns="91425" tIns="45700" rIns="91425" bIns="45700" anchor="t" anchorCtr="0">
+            <a:normAutofit/>
+          </a:bodyPr>
+          <a:lstStyle/>
+          <a:p>
+            <a:pPr marR="0" lvl="0" algn="l" rtl="0">
+              <a:spcBef>
+                <a:spcPts val="1000"/>
+              </a:spcBef>
+              <a:spcAft>
+                <a:spcPts val="0"/>
+              </a:spcAft>
+              <a:buClr>
+                <a:schemeClr val="accent1"/>
+              </a:buClr>
+              <a:buSzPts val="1800"/>
+            </a:pPr>
+            <a:r>
+              <a:rPr lang="fr-FR" sz="1800" dirty="0" smtClean="0">
+                <a:latin typeface="+mj-lt"/>
+                <a:ea typeface="Spartan"/>
+                <a:cs typeface="Spartan"/>
+                <a:sym typeface="Spartan"/>
+              </a:rPr>
+              <a:t>La création et la gestion de la base de donnée se fait par l’intermédiaire de Doctrine qui nous permet de manipuler les données.</a:t>
+            </a:r>
+            <a:endParaRPr dirty="0">
+              <a:latin typeface="+mj-lt"/>
+            </a:endParaRPr>
+          </a:p>
+          <a:p>
+            <a:pPr marL="0" marR="0" lvl="0" indent="0" algn="l" rtl="0">
+              <a:spcBef>
+                <a:spcPts val="1000"/>
+              </a:spcBef>
+              <a:spcAft>
+                <a:spcPts val="0"/>
+              </a:spcAft>
+              <a:buClr>
+                <a:schemeClr val="accent1"/>
+              </a:buClr>
+              <a:buSzPts val="1800"/>
+              <a:buFont typeface="Noto Sans Symbols"/>
+              <a:buNone/>
+            </a:pPr>
+            <a:endParaRPr sz="1800" dirty="0">
+              <a:solidFill>
+                <a:srgbClr val="3F3F3F"/>
+              </a:solidFill>
+              <a:latin typeface="+mj-lt"/>
+              <a:ea typeface="Spartan"/>
+              <a:cs typeface="Spartan"/>
+              <a:sym typeface="Spartan"/>
+            </a:endParaRPr>
+          </a:p>
+        </p:txBody>
+      </p:sp>
+      <p:sp>
+        <p:nvSpPr>
+          <p:cNvPr id="15" name="Rectangle 14"/>
+          <p:cNvSpPr/>
+          <p:nvPr/>
+        </p:nvSpPr>
+        <p:spPr>
+          <a:xfrm>
+            <a:off x="1115616" y="2852936"/>
+            <a:ext cx="4572000" cy="400110"/>
+          </a:xfrm>
+          <a:prstGeom prst="rect">
+            <a:avLst/>
+          </a:prstGeom>
+        </p:spPr>
+        <p:txBody>
+          <a:bodyPr wrap="square">
+            <a:spAutoFit/>
+          </a:bodyPr>
+          <a:lstStyle/>
+          <a:p>
+            <a:pPr lvl="0">
+              <a:spcBef>
+                <a:spcPts val="1000"/>
+              </a:spcBef>
+              <a:buClr>
+                <a:schemeClr val="accent1"/>
+              </a:buClr>
+              <a:buSzPts val="1800"/>
+            </a:pPr>
+            <a:r>
+              <a:rPr lang="fr-FR" sz="2000" dirty="0" smtClean="0">
+                <a:latin typeface="+mj-lt"/>
+                <a:ea typeface="Spartan"/>
+                <a:cs typeface="Spartan"/>
+                <a:sym typeface="Spartan"/>
+              </a:rPr>
+              <a:t>Création de la Base </a:t>
+            </a:r>
+            <a:r>
+              <a:rPr lang="fr-FR" sz="2000" dirty="0" smtClean="0">
+                <a:latin typeface="+mj-lt"/>
+                <a:ea typeface="Spartan"/>
+                <a:cs typeface="Spartan"/>
+                <a:sym typeface="Spartan"/>
+              </a:rPr>
+              <a:t>de données </a:t>
+            </a:r>
+            <a:endParaRPr lang="fr-FR" dirty="0">
+              <a:latin typeface="+mj-lt"/>
+              <a:ea typeface="Spartan"/>
+              <a:cs typeface="Spartan"/>
+              <a:sym typeface="Spartan"/>
+            </a:endParaRPr>
+          </a:p>
+        </p:txBody>
+      </p:sp>
+      <p:sp>
+        <p:nvSpPr>
+          <p:cNvPr id="16" name="Rectangle 15"/>
+          <p:cNvSpPr/>
+          <p:nvPr/>
+        </p:nvSpPr>
+        <p:spPr>
+          <a:xfrm>
+            <a:off x="1475656" y="3284984"/>
+            <a:ext cx="4572000" cy="369332"/>
+          </a:xfrm>
+          <a:prstGeom prst="rect">
+            <a:avLst/>
+          </a:prstGeom>
+          <a:solidFill>
+            <a:schemeClr val="tx1"/>
+          </a:solidFill>
+        </p:spPr>
+        <p:txBody>
+          <a:bodyPr>
+            <a:spAutoFit/>
+          </a:bodyPr>
+          <a:lstStyle/>
+          <a:p>
+            <a:pPr lvl="0">
+              <a:spcBef>
+                <a:spcPts val="1000"/>
+              </a:spcBef>
+              <a:buClr>
+                <a:schemeClr val="accent1"/>
+              </a:buClr>
+              <a:buSzPts val="1800"/>
+            </a:pPr>
+            <a:r>
+              <a:rPr lang="fr-FR" dirty="0" err="1" smtClean="0">
+                <a:solidFill>
+                  <a:schemeClr val="bg1"/>
+                </a:solidFill>
+                <a:latin typeface="+mj-lt"/>
+                <a:ea typeface="Spartan"/>
+                <a:cs typeface="Spartan"/>
+                <a:sym typeface="Spartan"/>
+              </a:rPr>
+              <a:t>php</a:t>
+            </a:r>
+            <a:r>
+              <a:rPr lang="fr-FR" dirty="0" smtClean="0">
+                <a:solidFill>
+                  <a:schemeClr val="bg1"/>
+                </a:solidFill>
+                <a:latin typeface="+mj-lt"/>
+                <a:ea typeface="Spartan"/>
+                <a:cs typeface="Spartan"/>
+                <a:sym typeface="Spartan"/>
+              </a:rPr>
+              <a:t> </a:t>
+            </a:r>
+            <a:r>
+              <a:rPr lang="fr-FR" dirty="0" err="1" smtClean="0">
+                <a:solidFill>
+                  <a:schemeClr val="bg1"/>
+                </a:solidFill>
+                <a:latin typeface="+mj-lt"/>
+                <a:ea typeface="Spartan"/>
+                <a:cs typeface="Spartan"/>
+                <a:sym typeface="Spartan"/>
+              </a:rPr>
+              <a:t>bin</a:t>
+            </a:r>
+            <a:r>
+              <a:rPr lang="fr-FR" dirty="0" smtClean="0">
+                <a:solidFill>
+                  <a:schemeClr val="bg1"/>
+                </a:solidFill>
+                <a:latin typeface="+mj-lt"/>
+                <a:ea typeface="Spartan"/>
+                <a:cs typeface="Spartan"/>
+                <a:sym typeface="Spartan"/>
+              </a:rPr>
+              <a:t>/console </a:t>
+            </a:r>
+            <a:r>
+              <a:rPr lang="fr-FR" dirty="0" err="1" smtClean="0">
+                <a:solidFill>
+                  <a:schemeClr val="bg1"/>
+                </a:solidFill>
+                <a:latin typeface="+mj-lt"/>
+                <a:ea typeface="Spartan"/>
+                <a:cs typeface="Spartan"/>
+                <a:sym typeface="Spartan"/>
+              </a:rPr>
+              <a:t>doctrine:database:create</a:t>
+            </a:r>
+            <a:endParaRPr lang="fr-FR" dirty="0" smtClean="0">
+              <a:solidFill>
+                <a:schemeClr val="bg1"/>
+              </a:solidFill>
+              <a:latin typeface="+mj-lt"/>
+            </a:endParaRPr>
+          </a:p>
+        </p:txBody>
+      </p:sp>
+      <p:sp>
+        <p:nvSpPr>
+          <p:cNvPr id="17" name="Rectangle 16"/>
+          <p:cNvSpPr/>
+          <p:nvPr/>
+        </p:nvSpPr>
+        <p:spPr>
+          <a:xfrm>
+            <a:off x="1115616" y="3717032"/>
+            <a:ext cx="4572000" cy="400110"/>
+          </a:xfrm>
+          <a:prstGeom prst="rect">
+            <a:avLst/>
+          </a:prstGeom>
+        </p:spPr>
+        <p:txBody>
+          <a:bodyPr>
+            <a:spAutoFit/>
+          </a:bodyPr>
+          <a:lstStyle/>
+          <a:p>
+            <a:pPr lvl="0">
+              <a:spcBef>
+                <a:spcPts val="1000"/>
+              </a:spcBef>
+              <a:buClr>
+                <a:schemeClr val="accent1"/>
+              </a:buClr>
+              <a:buSzPts val="1800"/>
+            </a:pPr>
+            <a:r>
+              <a:rPr lang="fr-FR" sz="2000" dirty="0" smtClean="0">
+                <a:latin typeface="+mj-lt"/>
+                <a:ea typeface="Spartan"/>
+                <a:cs typeface="Spartan"/>
+                <a:sym typeface="Spartan"/>
+              </a:rPr>
+              <a:t>Création </a:t>
+            </a:r>
+            <a:r>
+              <a:rPr lang="fr-FR" sz="2000" dirty="0" smtClean="0">
+                <a:latin typeface="+mj-lt"/>
+                <a:ea typeface="Spartan"/>
+                <a:cs typeface="Spartan"/>
+                <a:sym typeface="Spartan"/>
+              </a:rPr>
+              <a:t>des </a:t>
+            </a:r>
+            <a:r>
+              <a:rPr lang="fr-FR" sz="2000" dirty="0" smtClean="0">
+                <a:latin typeface="+mj-lt"/>
+                <a:ea typeface="Spartan"/>
+                <a:cs typeface="Spartan"/>
+                <a:sym typeface="Spartan"/>
+              </a:rPr>
+              <a:t>entités</a:t>
+            </a:r>
+            <a:endParaRPr lang="fr-FR" dirty="0">
+              <a:latin typeface="+mj-lt"/>
+              <a:ea typeface="Spartan"/>
+              <a:cs typeface="Spartan"/>
+              <a:sym typeface="Spartan"/>
+            </a:endParaRPr>
+          </a:p>
+        </p:txBody>
+      </p:sp>
+      <p:sp>
+        <p:nvSpPr>
+          <p:cNvPr id="18" name="Rectangle 17"/>
+          <p:cNvSpPr/>
+          <p:nvPr/>
+        </p:nvSpPr>
+        <p:spPr>
+          <a:xfrm>
+            <a:off x="1547664" y="4077072"/>
+            <a:ext cx="4572000" cy="369332"/>
+          </a:xfrm>
+          <a:prstGeom prst="rect">
+            <a:avLst/>
+          </a:prstGeom>
+          <a:solidFill>
+            <a:schemeClr val="tx1"/>
+          </a:solidFill>
+        </p:spPr>
+        <p:txBody>
+          <a:bodyPr>
+            <a:spAutoFit/>
+          </a:bodyPr>
+          <a:lstStyle/>
+          <a:p>
+            <a:pPr lvl="0">
+              <a:spcBef>
+                <a:spcPts val="1000"/>
+              </a:spcBef>
+              <a:buClr>
+                <a:schemeClr val="accent1"/>
+              </a:buClr>
+              <a:buSzPts val="1800"/>
+            </a:pPr>
+            <a:r>
+              <a:rPr lang="fr-FR" dirty="0" err="1" smtClean="0">
+                <a:solidFill>
+                  <a:schemeClr val="bg1"/>
+                </a:solidFill>
+                <a:latin typeface="+mj-lt"/>
+                <a:ea typeface="Spartan"/>
+                <a:cs typeface="Spartan"/>
+                <a:sym typeface="Spartan"/>
+              </a:rPr>
+              <a:t>php</a:t>
+            </a:r>
+            <a:r>
+              <a:rPr lang="fr-FR" dirty="0" smtClean="0">
+                <a:solidFill>
+                  <a:schemeClr val="bg1"/>
+                </a:solidFill>
+                <a:latin typeface="+mj-lt"/>
+                <a:ea typeface="Spartan"/>
+                <a:cs typeface="Spartan"/>
+                <a:sym typeface="Spartan"/>
+              </a:rPr>
+              <a:t> </a:t>
+            </a:r>
+            <a:r>
+              <a:rPr lang="fr-FR" dirty="0" err="1" smtClean="0">
+                <a:solidFill>
+                  <a:schemeClr val="bg1"/>
+                </a:solidFill>
+                <a:latin typeface="+mj-lt"/>
+                <a:ea typeface="Spartan"/>
+                <a:cs typeface="Spartan"/>
+                <a:sym typeface="Spartan"/>
+              </a:rPr>
+              <a:t>bin</a:t>
+            </a:r>
+            <a:r>
+              <a:rPr lang="fr-FR" dirty="0" smtClean="0">
+                <a:solidFill>
+                  <a:schemeClr val="bg1"/>
+                </a:solidFill>
+                <a:latin typeface="+mj-lt"/>
+                <a:ea typeface="Spartan"/>
+                <a:cs typeface="Spartan"/>
+                <a:sym typeface="Spartan"/>
+              </a:rPr>
+              <a:t>/console </a:t>
+            </a:r>
+            <a:r>
+              <a:rPr lang="fr-FR" dirty="0" err="1" smtClean="0">
+                <a:solidFill>
+                  <a:schemeClr val="bg1"/>
+                </a:solidFill>
+                <a:latin typeface="+mj-lt"/>
+                <a:ea typeface="Spartan"/>
+                <a:cs typeface="Spartan"/>
+                <a:sym typeface="Spartan"/>
+              </a:rPr>
+              <a:t>make:entity</a:t>
+            </a:r>
+            <a:endParaRPr lang="fr-FR" dirty="0" smtClean="0">
+              <a:solidFill>
+                <a:schemeClr val="bg1"/>
+              </a:solidFill>
+              <a:latin typeface="+mj-lt"/>
+            </a:endParaRPr>
+          </a:p>
+        </p:txBody>
+      </p:sp>
+      <p:sp>
+        <p:nvSpPr>
+          <p:cNvPr id="21" name="Rectangle 20"/>
+          <p:cNvSpPr/>
+          <p:nvPr/>
+        </p:nvSpPr>
+        <p:spPr>
+          <a:xfrm>
+            <a:off x="1115616" y="4581128"/>
+            <a:ext cx="8028384" cy="400110"/>
+          </a:xfrm>
+          <a:prstGeom prst="rect">
+            <a:avLst/>
+          </a:prstGeom>
+        </p:spPr>
+        <p:txBody>
+          <a:bodyPr wrap="square">
+            <a:spAutoFit/>
+          </a:bodyPr>
+          <a:lstStyle/>
+          <a:p>
+            <a:pPr lvl="0">
+              <a:spcBef>
+                <a:spcPts val="1000"/>
+              </a:spcBef>
+              <a:buClr>
+                <a:schemeClr val="accent1"/>
+              </a:buClr>
+              <a:buSzPts val="1800"/>
+            </a:pPr>
+            <a:r>
+              <a:rPr lang="fr-FR" sz="2000" dirty="0" smtClean="0">
+                <a:latin typeface="+mj-lt"/>
+                <a:ea typeface="Spartan"/>
+                <a:cs typeface="Spartan"/>
+                <a:sym typeface="Spartan"/>
+              </a:rPr>
+              <a:t>Puis la migration afin de créer les entités dans la base de données</a:t>
+            </a:r>
+            <a:endParaRPr lang="fr-FR" dirty="0">
+              <a:latin typeface="+mj-lt"/>
+              <a:ea typeface="Spartan"/>
+              <a:cs typeface="Spartan"/>
+              <a:sym typeface="Spartan"/>
+            </a:endParaRPr>
+          </a:p>
+        </p:txBody>
+      </p:sp>
+      <p:sp>
+        <p:nvSpPr>
+          <p:cNvPr id="23" name="Rectangle 22"/>
+          <p:cNvSpPr/>
+          <p:nvPr/>
+        </p:nvSpPr>
+        <p:spPr>
+          <a:xfrm>
+            <a:off x="1475656" y="5013176"/>
+            <a:ext cx="4572000" cy="369332"/>
+          </a:xfrm>
+          <a:prstGeom prst="rect">
+            <a:avLst/>
+          </a:prstGeom>
+          <a:solidFill>
+            <a:schemeClr val="tx1"/>
+          </a:solidFill>
+        </p:spPr>
+        <p:txBody>
+          <a:bodyPr>
+            <a:spAutoFit/>
+          </a:bodyPr>
+          <a:lstStyle/>
+          <a:p>
+            <a:pPr lvl="0">
+              <a:spcBef>
+                <a:spcPts val="1000"/>
+              </a:spcBef>
+              <a:buClr>
+                <a:schemeClr val="accent1"/>
+              </a:buClr>
+              <a:buSzPts val="1800"/>
+            </a:pPr>
+            <a:r>
+              <a:rPr lang="fr-FR" dirty="0" err="1" smtClean="0">
+                <a:solidFill>
+                  <a:schemeClr val="bg1"/>
+                </a:solidFill>
+                <a:latin typeface="+mj-lt"/>
+              </a:rPr>
+              <a:t>php</a:t>
+            </a:r>
+            <a:r>
+              <a:rPr lang="fr-FR" dirty="0" smtClean="0">
+                <a:solidFill>
+                  <a:schemeClr val="bg1"/>
+                </a:solidFill>
+                <a:latin typeface="+mj-lt"/>
+              </a:rPr>
+              <a:t> </a:t>
+            </a:r>
+            <a:r>
+              <a:rPr lang="fr-FR" dirty="0" err="1" smtClean="0">
+                <a:solidFill>
+                  <a:schemeClr val="bg1"/>
+                </a:solidFill>
+                <a:latin typeface="+mj-lt"/>
+              </a:rPr>
+              <a:t>bin</a:t>
+            </a:r>
+            <a:r>
+              <a:rPr lang="fr-FR" dirty="0" smtClean="0">
+                <a:solidFill>
+                  <a:schemeClr val="bg1"/>
+                </a:solidFill>
+                <a:latin typeface="+mj-lt"/>
+              </a:rPr>
+              <a:t>/console </a:t>
+            </a:r>
+            <a:r>
+              <a:rPr lang="fr-FR" dirty="0" err="1" smtClean="0">
+                <a:solidFill>
+                  <a:schemeClr val="bg1"/>
+                </a:solidFill>
+                <a:latin typeface="+mj-lt"/>
+              </a:rPr>
+              <a:t>make:migration</a:t>
+            </a:r>
+            <a:endParaRPr lang="fr-FR" dirty="0" smtClean="0">
+              <a:solidFill>
+                <a:schemeClr val="bg1"/>
+              </a:solidFill>
+              <a:latin typeface="+mj-lt"/>
+            </a:endParaRPr>
+          </a:p>
+        </p:txBody>
+      </p:sp>
+      <p:sp>
+        <p:nvSpPr>
+          <p:cNvPr id="24" name="Rectangle 23"/>
+          <p:cNvSpPr/>
+          <p:nvPr/>
+        </p:nvSpPr>
+        <p:spPr>
+          <a:xfrm>
+            <a:off x="1475656" y="5517232"/>
+            <a:ext cx="4572000" cy="369332"/>
+          </a:xfrm>
+          <a:prstGeom prst="rect">
+            <a:avLst/>
+          </a:prstGeom>
+          <a:solidFill>
+            <a:schemeClr val="tx1"/>
+          </a:solidFill>
+        </p:spPr>
+        <p:txBody>
+          <a:bodyPr>
+            <a:spAutoFit/>
+          </a:bodyPr>
+          <a:lstStyle/>
+          <a:p>
+            <a:pPr lvl="0">
+              <a:spcBef>
+                <a:spcPts val="1000"/>
+              </a:spcBef>
+              <a:buClr>
+                <a:schemeClr val="accent1"/>
+              </a:buClr>
+              <a:buSzPts val="1800"/>
+            </a:pPr>
+            <a:r>
+              <a:rPr lang="fr-FR" dirty="0" err="1" smtClean="0">
+                <a:solidFill>
+                  <a:schemeClr val="bg1"/>
+                </a:solidFill>
+              </a:rPr>
+              <a:t>php</a:t>
+            </a:r>
+            <a:r>
+              <a:rPr lang="fr-FR" dirty="0" smtClean="0">
+                <a:solidFill>
+                  <a:schemeClr val="bg1"/>
+                </a:solidFill>
+              </a:rPr>
+              <a:t> </a:t>
+            </a:r>
+            <a:r>
+              <a:rPr lang="fr-FR" dirty="0" err="1" smtClean="0">
+                <a:solidFill>
+                  <a:schemeClr val="bg1"/>
+                </a:solidFill>
+              </a:rPr>
+              <a:t>bin</a:t>
+            </a:r>
+            <a:r>
+              <a:rPr lang="fr-FR" dirty="0" smtClean="0">
+                <a:solidFill>
+                  <a:schemeClr val="bg1"/>
+                </a:solidFill>
+              </a:rPr>
+              <a:t>/console </a:t>
+            </a:r>
+            <a:r>
+              <a:rPr lang="fr-FR" dirty="0" err="1" smtClean="0">
+                <a:solidFill>
+                  <a:schemeClr val="bg1"/>
+                </a:solidFill>
+              </a:rPr>
+              <a:t>doctrine:migrations</a:t>
+            </a:r>
+            <a:r>
+              <a:rPr lang="fr-FR" dirty="0" smtClean="0">
+                <a:solidFill>
+                  <a:schemeClr val="bg1"/>
+                </a:solidFill>
+              </a:rPr>
+              <a:t>:</a:t>
+            </a:r>
+            <a:r>
+              <a:rPr lang="fr-FR" dirty="0" err="1" smtClean="0">
+                <a:solidFill>
+                  <a:schemeClr val="bg1"/>
+                </a:solidFill>
+              </a:rPr>
+              <a:t>migrate</a:t>
+            </a:r>
+            <a:endParaRPr lang="fr-FR" dirty="0" smtClean="0">
+              <a:solidFill>
+                <a:schemeClr val="bg1"/>
+              </a:solidFill>
+              <a:latin typeface="+mj-lt"/>
+            </a:endParaRPr>
+          </a:p>
+        </p:txBody>
+      </p:sp>
+    </p:spTree>
+  </p:cSld>
+  <p:clrMapOvr>
+    <a:masterClrMapping/>
+  </p:clrMapOvr>
+  <p:timing>
+    <p:tnLst>
+      <p:par>
+        <p:cTn id="1" dur="indefinite" restart="never" nodeType="tmRoot"/>
+      </p:par>
+    </p:tnLst>
+  </p:timing>
+</p:sld>
+</file>
+
+<file path=ppt/slides/slide18.xml><?xml version="1.0" encoding="utf-8"?>
+<p:sld xmlns:a="http://schemas.openxmlformats.org/drawingml/2006/main" xmlns:r="http://schemas.openxmlformats.org/officeDocument/2006/relationships" xmlns:p="http://schemas.openxmlformats.org/presentationml/2006/main">
+  <p:cSld>
+    <p:spTree>
+      <p:nvGrpSpPr>
+        <p:cNvPr id="1" name=""/>
+        <p:cNvGrpSpPr/>
+        <p:nvPr/>
+      </p:nvGrpSpPr>
+      <p:grpSpPr>
+        <a:xfrm>
+          <a:off x="0" y="0"/>
+          <a:ext cx="0" cy="0"/>
+          <a:chOff x="0" y="0"/>
+          <a:chExt cx="0" cy="0"/>
+        </a:xfrm>
+      </p:grpSpPr>
+      <p:pic>
+        <p:nvPicPr>
+          <p:cNvPr id="5" name="Image 4" descr="logo_PaulGreen_2a.jpeg"/>
+          <p:cNvPicPr/>
+          <p:nvPr/>
+        </p:nvPicPr>
+        <p:blipFill>
+          <a:blip r:embed="rId2" cstate="print"/>
+          <a:stretch>
+            <a:fillRect/>
+          </a:stretch>
+        </p:blipFill>
+        <p:spPr>
+          <a:xfrm>
+            <a:off x="1000100" y="0"/>
+            <a:ext cx="1643074" cy="1643074"/>
+          </a:xfrm>
+          <a:prstGeom prst="rect">
+            <a:avLst/>
+          </a:prstGeom>
+        </p:spPr>
+      </p:pic>
+      <p:sp>
+        <p:nvSpPr>
+          <p:cNvPr id="2" name="Titre 1"/>
+          <p:cNvSpPr>
+            <a:spLocks noGrp="1"/>
+          </p:cNvSpPr>
+          <p:nvPr>
+            <p:ph type="title"/>
+          </p:nvPr>
+        </p:nvSpPr>
+        <p:spPr>
+          <a:xfrm>
+            <a:off x="2772000" y="252000"/>
+            <a:ext cx="5040000" cy="720000"/>
+          </a:xfrm>
+          <a:solidFill>
+            <a:srgbClr val="C65806"/>
+          </a:solidFill>
+        </p:spPr>
+        <p:txBody>
+          <a:bodyPr>
+            <a:normAutofit fontScale="90000"/>
+          </a:bodyPr>
+          <a:lstStyle/>
+          <a:p>
+            <a:pPr algn="ctr"/>
+            <a:r>
+              <a:rPr lang="fr-FR" dirty="0" smtClean="0"/>
+              <a:t>Conception Back-end</a:t>
+            </a:r>
+            <a:endParaRPr lang="fr-FR" dirty="0"/>
+          </a:p>
+        </p:txBody>
+      </p:sp>
+      <p:sp>
+        <p:nvSpPr>
+          <p:cNvPr id="4" name="Espace réservé du pied de page 3"/>
+          <p:cNvSpPr>
+            <a:spLocks noGrp="1"/>
+          </p:cNvSpPr>
+          <p:nvPr>
+            <p:ph type="ftr" sz="quarter" idx="11"/>
+          </p:nvPr>
+        </p:nvSpPr>
+        <p:spPr>
+          <a:xfrm>
+            <a:off x="1043608" y="6381328"/>
+            <a:ext cx="8100392" cy="400472"/>
+          </a:xfrm>
+        </p:spPr>
+        <p:txBody>
+          <a:bodyPr/>
+          <a:lstStyle/>
+          <a:p>
+            <a:pPr algn="ctr"/>
+            <a:r>
+              <a:rPr lang="fr-FR" sz="1400" dirty="0" smtClean="0"/>
+              <a:t>Jacques LEMOINE –</a:t>
+            </a:r>
+            <a:r>
+              <a:rPr lang="fr-FR" sz="1400" dirty="0" err="1" smtClean="0"/>
+              <a:t>Arinfo</a:t>
+            </a:r>
+            <a:r>
+              <a:rPr lang="fr-FR" sz="1400" dirty="0" smtClean="0"/>
+              <a:t> – Promotion Novembre 2021 - Avril 2022</a:t>
+            </a:r>
+            <a:endParaRPr lang="fr-FR" sz="1400" dirty="0"/>
+          </a:p>
+        </p:txBody>
+      </p:sp>
+      <p:pic>
+        <p:nvPicPr>
+          <p:cNvPr id="7" name="image2.png"/>
+          <p:cNvPicPr/>
+          <p:nvPr/>
+        </p:nvPicPr>
+        <p:blipFill>
+          <a:blip r:embed="rId3" cstate="print"/>
+          <a:srcRect/>
+          <a:stretch>
+            <a:fillRect/>
+          </a:stretch>
+        </p:blipFill>
+        <p:spPr>
+          <a:xfrm>
+            <a:off x="8045746" y="171953"/>
+            <a:ext cx="952500" cy="866775"/>
+          </a:xfrm>
+          <a:prstGeom prst="rect">
+            <a:avLst/>
+          </a:prstGeom>
+          <a:ln/>
+        </p:spPr>
+      </p:pic>
+      <p:pic>
+        <p:nvPicPr>
+          <p:cNvPr id="20" name="Image 19" descr="P00-entityCapture.JPG"/>
+          <p:cNvPicPr>
+            <a:picLocks noChangeAspect="1"/>
+          </p:cNvPicPr>
+          <p:nvPr/>
+        </p:nvPicPr>
+        <p:blipFill>
+          <a:blip r:embed="rId4" cstate="print"/>
+          <a:stretch>
+            <a:fillRect/>
+          </a:stretch>
+        </p:blipFill>
+        <p:spPr>
+          <a:xfrm>
+            <a:off x="2267744" y="1412776"/>
+            <a:ext cx="5930929" cy="4968552"/>
+          </a:xfrm>
+          <a:prstGeom prst="rect">
+            <a:avLst/>
+          </a:prstGeom>
+        </p:spPr>
+      </p:pic>
+    </p:spTree>
+  </p:cSld>
+  <p:clrMapOvr>
+    <a:masterClrMapping/>
+  </p:clrMapOvr>
+  <p:timing>
+    <p:tnLst>
+      <p:par>
+        <p:cTn id="1" dur="indefinite" restart="never" nodeType="tmRoot"/>
+      </p:par>
+    </p:tnLst>
+  </p:timing>
+</p:sld>
+</file>
+
+<file path=ppt/slides/slide19.xml><?xml version="1.0" encoding="utf-8"?>
+<p:sld xmlns:a="http://schemas.openxmlformats.org/drawingml/2006/main" xmlns:r="http://schemas.openxmlformats.org/officeDocument/2006/relationships" xmlns:p="http://schemas.openxmlformats.org/presentationml/2006/main">
+  <p:cSld>
+    <p:spTree>
+      <p:nvGrpSpPr>
+        <p:cNvPr id="1" name=""/>
+        <p:cNvGrpSpPr/>
+        <p:nvPr/>
+      </p:nvGrpSpPr>
+      <p:grpSpPr>
+        <a:xfrm>
+          <a:off x="0" y="0"/>
+          <a:ext cx="0" cy="0"/>
+          <a:chOff x="0" y="0"/>
+          <a:chExt cx="0" cy="0"/>
+        </a:xfrm>
+      </p:grpSpPr>
+      <p:pic>
+        <p:nvPicPr>
+          <p:cNvPr id="5" name="Image 4" descr="logo_PaulGreen_2a.jpeg"/>
+          <p:cNvPicPr/>
+          <p:nvPr/>
+        </p:nvPicPr>
+        <p:blipFill>
+          <a:blip r:embed="rId2" cstate="print"/>
+          <a:stretch>
+            <a:fillRect/>
+          </a:stretch>
+        </p:blipFill>
+        <p:spPr>
+          <a:xfrm>
+            <a:off x="1000100" y="0"/>
+            <a:ext cx="1643074" cy="1643074"/>
+          </a:xfrm>
+          <a:prstGeom prst="rect">
+            <a:avLst/>
+          </a:prstGeom>
+        </p:spPr>
+      </p:pic>
+      <p:sp>
+        <p:nvSpPr>
+          <p:cNvPr id="2" name="Titre 1"/>
+          <p:cNvSpPr>
+            <a:spLocks noGrp="1"/>
+          </p:cNvSpPr>
+          <p:nvPr>
+            <p:ph type="title"/>
+          </p:nvPr>
+        </p:nvSpPr>
+        <p:spPr>
+          <a:xfrm>
+            <a:off x="2772000" y="252000"/>
+            <a:ext cx="5040000" cy="720000"/>
+          </a:xfrm>
+          <a:solidFill>
+            <a:srgbClr val="C65806"/>
+          </a:solidFill>
+        </p:spPr>
+        <p:txBody>
+          <a:bodyPr>
+            <a:normAutofit fontScale="90000"/>
+          </a:bodyPr>
+          <a:lstStyle/>
+          <a:p>
+            <a:pPr algn="ctr"/>
+            <a:r>
+              <a:rPr lang="fr-FR" dirty="0" smtClean="0"/>
+              <a:t>Conception Back-end</a:t>
+            </a:r>
+            <a:endParaRPr lang="fr-FR" dirty="0"/>
+          </a:p>
+        </p:txBody>
+      </p:sp>
+      <p:sp>
+        <p:nvSpPr>
+          <p:cNvPr id="4" name="Espace réservé du pied de page 3"/>
+          <p:cNvSpPr>
+            <a:spLocks noGrp="1"/>
+          </p:cNvSpPr>
+          <p:nvPr>
+            <p:ph type="ftr" sz="quarter" idx="11"/>
+          </p:nvPr>
+        </p:nvSpPr>
+        <p:spPr>
+          <a:xfrm>
+            <a:off x="1043608" y="6381328"/>
+            <a:ext cx="8100392" cy="400472"/>
+          </a:xfrm>
+        </p:spPr>
+        <p:txBody>
+          <a:bodyPr/>
+          <a:lstStyle/>
+          <a:p>
+            <a:pPr algn="ctr"/>
+            <a:r>
+              <a:rPr lang="fr-FR" sz="1400" dirty="0" smtClean="0"/>
+              <a:t>Jacques LEMOINE –</a:t>
+            </a:r>
+            <a:r>
+              <a:rPr lang="fr-FR" sz="1400" dirty="0" err="1" smtClean="0"/>
+              <a:t>Arinfo</a:t>
+            </a:r>
+            <a:r>
+              <a:rPr lang="fr-FR" sz="1400" dirty="0" smtClean="0"/>
+              <a:t> – Promotion Novembre 2021 - Avril 2022</a:t>
+            </a:r>
+            <a:endParaRPr lang="fr-FR" sz="1400" dirty="0"/>
+          </a:p>
+        </p:txBody>
+      </p:sp>
+      <p:pic>
+        <p:nvPicPr>
+          <p:cNvPr id="7" name="image2.png"/>
+          <p:cNvPicPr/>
+          <p:nvPr/>
+        </p:nvPicPr>
+        <p:blipFill>
+          <a:blip r:embed="rId3" cstate="print"/>
+          <a:srcRect/>
+          <a:stretch>
+            <a:fillRect/>
+          </a:stretch>
+        </p:blipFill>
+        <p:spPr>
+          <a:xfrm>
+            <a:off x="8045746" y="171953"/>
+            <a:ext cx="952500" cy="866775"/>
+          </a:xfrm>
+          <a:prstGeom prst="rect">
+            <a:avLst/>
+          </a:prstGeom>
+          <a:ln/>
+        </p:spPr>
+      </p:pic>
+      <p:pic>
+        <p:nvPicPr>
+          <p:cNvPr id="10" name="Image 9" descr="p01Capture.JPG"/>
+          <p:cNvPicPr>
+            <a:picLocks noChangeAspect="1"/>
+          </p:cNvPicPr>
+          <p:nvPr/>
+        </p:nvPicPr>
+        <p:blipFill>
+          <a:blip r:embed="rId4" cstate="print"/>
+          <a:stretch>
+            <a:fillRect/>
+          </a:stretch>
+        </p:blipFill>
+        <p:spPr>
+          <a:xfrm>
+            <a:off x="1763688" y="1484784"/>
+            <a:ext cx="6626074" cy="4923284"/>
+          </a:xfrm>
+          <a:prstGeom prst="rect">
+            <a:avLst/>
+          </a:prstGeom>
         </p:spPr>
       </p:pic>
     </p:spTree>
@@ -7909,28 +9268,15 @@
             </a:br>
             <a:r>
               <a:rPr lang="fr-FR" dirty="0" smtClean="0"/>
-              <a:t>DUT </a:t>
-            </a:r>
-            <a:r>
-              <a:rPr lang="fr-FR" dirty="0" smtClean="0"/>
-              <a:t>Génie Electrique &amp; Informatique Industrielle à </a:t>
-            </a:r>
-            <a:r>
-              <a:rPr lang="fr-FR" dirty="0" smtClean="0"/>
-              <a:t>Nantes </a:t>
+              <a:t>DUT Génie Electrique &amp; Informatique Industrielle à Nantes </a:t>
             </a:r>
             <a:br>
               <a:rPr lang="fr-FR" dirty="0" smtClean="0"/>
             </a:br>
             <a:r>
               <a:rPr lang="fr-FR" dirty="0" smtClean="0"/>
-              <a:t>Développeur informatique 20 ans sur </a:t>
-            </a:r>
-            <a:r>
-              <a:rPr lang="fr-FR" dirty="0" smtClean="0"/>
-              <a:t>site</a:t>
-            </a:r>
-            <a:endParaRPr lang="fr-FR" dirty="0" smtClean="0"/>
+              <a:t>Développeur informatique 20 ans sur site</a:t>
+            </a:r>
           </a:p>
           <a:p>
             <a:pPr fontAlgn="base">
@@ -7983,42 +9329,6 @@
             <a:pPr>
               <a:buNone/>
             </a:pPr>
-            <a:endParaRPr lang="fr-FR" dirty="0"/>
-          </a:p>
-        </p:txBody>
-      </p:sp>
-      <p:sp>
-        <p:nvSpPr>
-          <p:cNvPr id="4" name="Espace réservé du pied de page 3"/>
-          <p:cNvSpPr>
-            <a:spLocks noGrp="1"/>
-          </p:cNvSpPr>
-          <p:nvPr>
-            <p:ph type="ftr" sz="quarter" idx="11"/>
-          </p:nvPr>
-        </p:nvSpPr>
-        <p:spPr>
-          <a:xfrm>
-            <a:off x="3124200" y="6305550"/>
-            <a:ext cx="4464000" cy="476250"/>
-          </a:xfrm>
-        </p:spPr>
-        <p:txBody>
-          <a:bodyPr/>
-          <a:lstStyle/>
-          <a:p>
-            <a:r>
-              <a:rPr lang="fr-FR" dirty="0" smtClean="0"/>
-              <a:t>Jacques LEMOINE –</a:t>
-            </a:r>
-            <a:r>
-              <a:rPr lang="fr-FR" dirty="0" err="1" smtClean="0"/>
-              <a:t>Arinfo</a:t>
-            </a:r>
-            <a:r>
-              <a:rPr lang="fr-FR" dirty="0" smtClean="0"/>
-              <a:t> – Promotion Novembre 2021 - Avril 2022</a:t>
-            </a:r>
             <a:endParaRPr lang="fr-FR" dirty="0"/>
           </a:p>
         </p:txBody>
@@ -8052,7 +9362,7 @@
           <p:nvPr/>
         </p:nvPicPr>
         <p:blipFill>
-          <a:blip r:embed="rId3"/>
+          <a:blip r:embed="rId3" cstate="print"/>
           <a:srcRect/>
           <a:stretch>
             <a:fillRect/>
@@ -8067,6 +9377,4230 @@
             <a:avLst/>
           </a:prstGeom>
           <a:ln/>
+        </p:spPr>
+      </p:pic>
+      <p:sp>
+        <p:nvSpPr>
+          <p:cNvPr id="7" name="Espace réservé du pied de page 3"/>
+          <p:cNvSpPr>
+            <a:spLocks noGrp="1"/>
+          </p:cNvSpPr>
+          <p:nvPr>
+            <p:ph type="ftr" sz="quarter" idx="11"/>
+          </p:nvPr>
+        </p:nvSpPr>
+        <p:spPr>
+          <a:xfrm>
+            <a:off x="1000100" y="6500834"/>
+            <a:ext cx="8143900" cy="280966"/>
+          </a:xfrm>
+        </p:spPr>
+        <p:txBody>
+          <a:bodyPr/>
+          <a:lstStyle/>
+          <a:p>
+            <a:pPr algn="ctr"/>
+            <a:r>
+              <a:rPr lang="fr-FR" dirty="0" smtClean="0"/>
+              <a:t>Jacques LEMOINE –</a:t>
+            </a:r>
+            <a:r>
+              <a:rPr lang="fr-FR" dirty="0" err="1" smtClean="0"/>
+              <a:t>Arinfo</a:t>
+            </a:r>
+            <a:r>
+              <a:rPr lang="fr-FR" dirty="0" smtClean="0"/>
+              <a:t> – Promotion Novembre 2021 - Avril 2022</a:t>
+            </a:r>
+            <a:endParaRPr lang="fr-FR" dirty="0"/>
+          </a:p>
+        </p:txBody>
+      </p:sp>
+      <p:pic>
+        <p:nvPicPr>
+          <p:cNvPr id="8" name="Picture 5" descr="E:\images pour des genialy\oral.png"/>
+          <p:cNvPicPr>
+            <a:picLocks noChangeAspect="1" noChangeArrowheads="1"/>
+          </p:cNvPicPr>
+          <p:nvPr/>
+        </p:nvPicPr>
+        <p:blipFill>
+          <a:blip r:embed="rId4" cstate="print"/>
+          <a:srcRect/>
+          <a:stretch>
+            <a:fillRect/>
+          </a:stretch>
+        </p:blipFill>
+        <p:spPr bwMode="auto">
+          <a:xfrm>
+            <a:off x="5652120" y="1124744"/>
+            <a:ext cx="1237851" cy="1368152"/>
+          </a:xfrm>
+          <a:prstGeom prst="rect">
+            <a:avLst/>
+          </a:prstGeom>
+          <a:noFill/>
+        </p:spPr>
+      </p:pic>
+    </p:spTree>
+  </p:cSld>
+  <p:clrMapOvr>
+    <a:masterClrMapping/>
+  </p:clrMapOvr>
+  <p:timing>
+    <p:tnLst>
+      <p:par>
+        <p:cTn id="1" dur="indefinite" restart="never" nodeType="tmRoot">
+          <p:childTnLst>
+            <p:seq concurrent="1" nextAc="seek">
+              <p:cTn id="2" dur="indefinite" nodeType="mainSeq">
+                <p:childTnLst>
+                  <p:par>
+                    <p:cTn id="3" fill="hold">
+                      <p:stCondLst>
+                        <p:cond delay="indefinite"/>
+                        <p:cond evt="onBegin" delay="0">
+                          <p:tn val="2"/>
+                        </p:cond>
+                      </p:stCondLst>
+                      <p:childTnLst>
+                        <p:par>
+                          <p:cTn id="4" fill="hold">
+                            <p:stCondLst>
+                              <p:cond delay="0"/>
+                            </p:stCondLst>
+                            <p:childTnLst>
+                              <p:par>
+                                <p:cTn id="5" presetID="2" presetClass="entr" presetSubtype="4" fill="hold" grpId="0" nodeType="afterEffect">
+                                  <p:stCondLst>
+                                    <p:cond delay="0"/>
+                                  </p:stCondLst>
+                                  <p:childTnLst>
+                                    <p:set>
+                                      <p:cBhvr>
+                                        <p:cTn id="6" dur="1" fill="hold">
+                                          <p:stCondLst>
+                                            <p:cond delay="0"/>
+                                          </p:stCondLst>
+                                        </p:cTn>
+                                        <p:tgtEl>
+                                          <p:spTgt spid="3">
+                                            <p:txEl>
+                                              <p:pRg st="0" end="0"/>
+                                            </p:txEl>
+                                          </p:spTgt>
+                                        </p:tgtEl>
+                                        <p:attrNameLst>
+                                          <p:attrName>style.visibility</p:attrName>
+                                        </p:attrNameLst>
+                                      </p:cBhvr>
+                                      <p:to>
+                                        <p:strVal val="visible"/>
+                                      </p:to>
+                                    </p:set>
+                                    <p:anim calcmode="lin" valueType="num">
+                                      <p:cBhvr additive="base">
+                                        <p:cTn id="7" dur="500" fill="hold"/>
+                                        <p:tgtEl>
+                                          <p:spTgt spid="3">
+                                            <p:txEl>
+                                              <p:pRg st="0" end="0"/>
+                                            </p:txEl>
+                                          </p:spTgt>
+                                        </p:tgtEl>
+                                        <p:attrNameLst>
+                                          <p:attrName>ppt_x</p:attrName>
+                                        </p:attrNameLst>
+                                      </p:cBhvr>
+                                      <p:tavLst>
+                                        <p:tav tm="0">
+                                          <p:val>
+                                            <p:strVal val="#ppt_x"/>
+                                          </p:val>
+                                        </p:tav>
+                                        <p:tav tm="100000">
+                                          <p:val>
+                                            <p:strVal val="#ppt_x"/>
+                                          </p:val>
+                                        </p:tav>
+                                      </p:tavLst>
+                                    </p:anim>
+                                    <p:anim calcmode="lin" valueType="num">
+                                      <p:cBhvr additive="base">
+                                        <p:cTn id="8" dur="500" fill="hold"/>
+                                        <p:tgtEl>
+                                          <p:spTgt spid="3">
+                                            <p:txEl>
+                                              <p:pRg st="0" end="0"/>
+                                            </p:txEl>
+                                          </p:spTgt>
+                                        </p:tgtEl>
+                                        <p:attrNameLst>
+                                          <p:attrName>ppt_y</p:attrName>
+                                        </p:attrNameLst>
+                                      </p:cBhvr>
+                                      <p:tavLst>
+                                        <p:tav tm="0">
+                                          <p:val>
+                                            <p:strVal val="1+#ppt_h/2"/>
+                                          </p:val>
+                                        </p:tav>
+                                        <p:tav tm="100000">
+                                          <p:val>
+                                            <p:strVal val="#ppt_y"/>
+                                          </p:val>
+                                        </p:tav>
+                                      </p:tavLst>
+                                    </p:anim>
+                                  </p:childTnLst>
+                                </p:cTn>
+                              </p:par>
+                            </p:childTnLst>
+                          </p:cTn>
+                        </p:par>
+                        <p:par>
+                          <p:cTn id="9" fill="hold">
+                            <p:stCondLst>
+                              <p:cond delay="500"/>
+                            </p:stCondLst>
+                            <p:childTnLst>
+                              <p:par>
+                                <p:cTn id="10" presetID="2" presetClass="entr" presetSubtype="4" fill="hold" grpId="0" nodeType="afterEffect">
+                                  <p:stCondLst>
+                                    <p:cond delay="0"/>
+                                  </p:stCondLst>
+                                  <p:childTnLst>
+                                    <p:set>
+                                      <p:cBhvr>
+                                        <p:cTn id="11" dur="1" fill="hold">
+                                          <p:stCondLst>
+                                            <p:cond delay="0"/>
+                                          </p:stCondLst>
+                                        </p:cTn>
+                                        <p:tgtEl>
+                                          <p:spTgt spid="3">
+                                            <p:txEl>
+                                              <p:pRg st="1" end="1"/>
+                                            </p:txEl>
+                                          </p:spTgt>
+                                        </p:tgtEl>
+                                        <p:attrNameLst>
+                                          <p:attrName>style.visibility</p:attrName>
+                                        </p:attrNameLst>
+                                      </p:cBhvr>
+                                      <p:to>
+                                        <p:strVal val="visible"/>
+                                      </p:to>
+                                    </p:set>
+                                    <p:anim calcmode="lin" valueType="num">
+                                      <p:cBhvr additive="base">
+                                        <p:cTn id="12" dur="500" fill="hold"/>
+                                        <p:tgtEl>
+                                          <p:spTgt spid="3">
+                                            <p:txEl>
+                                              <p:pRg st="1" end="1"/>
+                                            </p:txEl>
+                                          </p:spTgt>
+                                        </p:tgtEl>
+                                        <p:attrNameLst>
+                                          <p:attrName>ppt_x</p:attrName>
+                                        </p:attrNameLst>
+                                      </p:cBhvr>
+                                      <p:tavLst>
+                                        <p:tav tm="0">
+                                          <p:val>
+                                            <p:strVal val="#ppt_x"/>
+                                          </p:val>
+                                        </p:tav>
+                                        <p:tav tm="100000">
+                                          <p:val>
+                                            <p:strVal val="#ppt_x"/>
+                                          </p:val>
+                                        </p:tav>
+                                      </p:tavLst>
+                                    </p:anim>
+                                    <p:anim calcmode="lin" valueType="num">
+                                      <p:cBhvr additive="base">
+                                        <p:cTn id="13" dur="500" fill="hold"/>
+                                        <p:tgtEl>
+                                          <p:spTgt spid="3">
+                                            <p:txEl>
+                                              <p:pRg st="1" end="1"/>
+                                            </p:txEl>
+                                          </p:spTgt>
+                                        </p:tgtEl>
+                                        <p:attrNameLst>
+                                          <p:attrName>ppt_y</p:attrName>
+                                        </p:attrNameLst>
+                                      </p:cBhvr>
+                                      <p:tavLst>
+                                        <p:tav tm="0">
+                                          <p:val>
+                                            <p:strVal val="1+#ppt_h/2"/>
+                                          </p:val>
+                                        </p:tav>
+                                        <p:tav tm="100000">
+                                          <p:val>
+                                            <p:strVal val="#ppt_y"/>
+                                          </p:val>
+                                        </p:tav>
+                                      </p:tavLst>
+                                    </p:anim>
+                                  </p:childTnLst>
+                                </p:cTn>
+                              </p:par>
+                            </p:childTnLst>
+                          </p:cTn>
+                        </p:par>
+                        <p:par>
+                          <p:cTn id="14" fill="hold">
+                            <p:stCondLst>
+                              <p:cond delay="1000"/>
+                            </p:stCondLst>
+                            <p:childTnLst>
+                              <p:par>
+                                <p:cTn id="15" presetID="2" presetClass="entr" presetSubtype="4" fill="hold" grpId="0" nodeType="afterEffect">
+                                  <p:stCondLst>
+                                    <p:cond delay="0"/>
+                                  </p:stCondLst>
+                                  <p:childTnLst>
+                                    <p:set>
+                                      <p:cBhvr>
+                                        <p:cTn id="16" dur="1" fill="hold">
+                                          <p:stCondLst>
+                                            <p:cond delay="0"/>
+                                          </p:stCondLst>
+                                        </p:cTn>
+                                        <p:tgtEl>
+                                          <p:spTgt spid="3">
+                                            <p:txEl>
+                                              <p:pRg st="2" end="2"/>
+                                            </p:txEl>
+                                          </p:spTgt>
+                                        </p:tgtEl>
+                                        <p:attrNameLst>
+                                          <p:attrName>style.visibility</p:attrName>
+                                        </p:attrNameLst>
+                                      </p:cBhvr>
+                                      <p:to>
+                                        <p:strVal val="visible"/>
+                                      </p:to>
+                                    </p:set>
+                                    <p:anim calcmode="lin" valueType="num">
+                                      <p:cBhvr additive="base">
+                                        <p:cTn id="17" dur="500" fill="hold"/>
+                                        <p:tgtEl>
+                                          <p:spTgt spid="3">
+                                            <p:txEl>
+                                              <p:pRg st="2" end="2"/>
+                                            </p:txEl>
+                                          </p:spTgt>
+                                        </p:tgtEl>
+                                        <p:attrNameLst>
+                                          <p:attrName>ppt_x</p:attrName>
+                                        </p:attrNameLst>
+                                      </p:cBhvr>
+                                      <p:tavLst>
+                                        <p:tav tm="0">
+                                          <p:val>
+                                            <p:strVal val="#ppt_x"/>
+                                          </p:val>
+                                        </p:tav>
+                                        <p:tav tm="100000">
+                                          <p:val>
+                                            <p:strVal val="#ppt_x"/>
+                                          </p:val>
+                                        </p:tav>
+                                      </p:tavLst>
+                                    </p:anim>
+                                    <p:anim calcmode="lin" valueType="num">
+                                      <p:cBhvr additive="base">
+                                        <p:cTn id="18" dur="500" fill="hold"/>
+                                        <p:tgtEl>
+                                          <p:spTgt spid="3">
+                                            <p:txEl>
+                                              <p:pRg st="2" end="2"/>
+                                            </p:txEl>
+                                          </p:spTgt>
+                                        </p:tgtEl>
+                                        <p:attrNameLst>
+                                          <p:attrName>ppt_y</p:attrName>
+                                        </p:attrNameLst>
+                                      </p:cBhvr>
+                                      <p:tavLst>
+                                        <p:tav tm="0">
+                                          <p:val>
+                                            <p:strVal val="1+#ppt_h/2"/>
+                                          </p:val>
+                                        </p:tav>
+                                        <p:tav tm="100000">
+                                          <p:val>
+                                            <p:strVal val="#ppt_y"/>
+                                          </p:val>
+                                        </p:tav>
+                                      </p:tavLst>
+                                    </p:anim>
+                                  </p:childTnLst>
+                                </p:cTn>
+                              </p:par>
+                            </p:childTnLst>
+                          </p:cTn>
+                        </p:par>
+                        <p:par>
+                          <p:cTn id="19" fill="hold">
+                            <p:stCondLst>
+                              <p:cond delay="1500"/>
+                            </p:stCondLst>
+                            <p:childTnLst>
+                              <p:par>
+                                <p:cTn id="20" presetID="2" presetClass="entr" presetSubtype="4" fill="hold" grpId="0" nodeType="afterEffect">
+                                  <p:stCondLst>
+                                    <p:cond delay="0"/>
+                                  </p:stCondLst>
+                                  <p:childTnLst>
+                                    <p:set>
+                                      <p:cBhvr>
+                                        <p:cTn id="21" dur="1" fill="hold">
+                                          <p:stCondLst>
+                                            <p:cond delay="0"/>
+                                          </p:stCondLst>
+                                        </p:cTn>
+                                        <p:tgtEl>
+                                          <p:spTgt spid="3">
+                                            <p:txEl>
+                                              <p:pRg st="4" end="4"/>
+                                            </p:txEl>
+                                          </p:spTgt>
+                                        </p:tgtEl>
+                                        <p:attrNameLst>
+                                          <p:attrName>style.visibility</p:attrName>
+                                        </p:attrNameLst>
+                                      </p:cBhvr>
+                                      <p:to>
+                                        <p:strVal val="visible"/>
+                                      </p:to>
+                                    </p:set>
+                                    <p:anim calcmode="lin" valueType="num">
+                                      <p:cBhvr additive="base">
+                                        <p:cTn id="22" dur="500" fill="hold"/>
+                                        <p:tgtEl>
+                                          <p:spTgt spid="3">
+                                            <p:txEl>
+                                              <p:pRg st="4" end="4"/>
+                                            </p:txEl>
+                                          </p:spTgt>
+                                        </p:tgtEl>
+                                        <p:attrNameLst>
+                                          <p:attrName>ppt_x</p:attrName>
+                                        </p:attrNameLst>
+                                      </p:cBhvr>
+                                      <p:tavLst>
+                                        <p:tav tm="0">
+                                          <p:val>
+                                            <p:strVal val="#ppt_x"/>
+                                          </p:val>
+                                        </p:tav>
+                                        <p:tav tm="100000">
+                                          <p:val>
+                                            <p:strVal val="#ppt_x"/>
+                                          </p:val>
+                                        </p:tav>
+                                      </p:tavLst>
+                                    </p:anim>
+                                    <p:anim calcmode="lin" valueType="num">
+                                      <p:cBhvr additive="base">
+                                        <p:cTn id="23" dur="500" fill="hold"/>
+                                        <p:tgtEl>
+                                          <p:spTgt spid="3">
+                                            <p:txEl>
+                                              <p:pRg st="4" end="4"/>
+                                            </p:txEl>
+                                          </p:spTgt>
+                                        </p:tgtEl>
+                                        <p:attrNameLst>
+                                          <p:attrName>ppt_y</p:attrName>
+                                        </p:attrNameLst>
+                                      </p:cBhvr>
+                                      <p:tavLst>
+                                        <p:tav tm="0">
+                                          <p:val>
+                                            <p:strVal val="1+#ppt_h/2"/>
+                                          </p:val>
+                                        </p:tav>
+                                        <p:tav tm="100000">
+                                          <p:val>
+                                            <p:strVal val="#ppt_y"/>
+                                          </p:val>
+                                        </p:tav>
+                                      </p:tavLst>
+                                    </p:anim>
+                                  </p:childTnLst>
+                                </p:cTn>
+                              </p:par>
+                            </p:childTnLst>
+                          </p:cTn>
+                        </p:par>
+                        <p:par>
+                          <p:cTn id="24" fill="hold">
+                            <p:stCondLst>
+                              <p:cond delay="2000"/>
+                            </p:stCondLst>
+                            <p:childTnLst>
+                              <p:par>
+                                <p:cTn id="25" presetID="2" presetClass="entr" presetSubtype="4" fill="hold" grpId="0" nodeType="afterEffect">
+                                  <p:stCondLst>
+                                    <p:cond delay="0"/>
+                                  </p:stCondLst>
+                                  <p:childTnLst>
+                                    <p:set>
+                                      <p:cBhvr>
+                                        <p:cTn id="26" dur="1" fill="hold">
+                                          <p:stCondLst>
+                                            <p:cond delay="0"/>
+                                          </p:stCondLst>
+                                        </p:cTn>
+                                        <p:tgtEl>
+                                          <p:spTgt spid="3">
+                                            <p:txEl>
+                                              <p:pRg st="5" end="5"/>
+                                            </p:txEl>
+                                          </p:spTgt>
+                                        </p:tgtEl>
+                                        <p:attrNameLst>
+                                          <p:attrName>style.visibility</p:attrName>
+                                        </p:attrNameLst>
+                                      </p:cBhvr>
+                                      <p:to>
+                                        <p:strVal val="visible"/>
+                                      </p:to>
+                                    </p:set>
+                                    <p:anim calcmode="lin" valueType="num">
+                                      <p:cBhvr additive="base">
+                                        <p:cTn id="27" dur="500" fill="hold"/>
+                                        <p:tgtEl>
+                                          <p:spTgt spid="3">
+                                            <p:txEl>
+                                              <p:pRg st="5" end="5"/>
+                                            </p:txEl>
+                                          </p:spTgt>
+                                        </p:tgtEl>
+                                        <p:attrNameLst>
+                                          <p:attrName>ppt_x</p:attrName>
+                                        </p:attrNameLst>
+                                      </p:cBhvr>
+                                      <p:tavLst>
+                                        <p:tav tm="0">
+                                          <p:val>
+                                            <p:strVal val="#ppt_x"/>
+                                          </p:val>
+                                        </p:tav>
+                                        <p:tav tm="100000">
+                                          <p:val>
+                                            <p:strVal val="#ppt_x"/>
+                                          </p:val>
+                                        </p:tav>
+                                      </p:tavLst>
+                                    </p:anim>
+                                    <p:anim calcmode="lin" valueType="num">
+                                      <p:cBhvr additive="base">
+                                        <p:cTn id="28" dur="500" fill="hold"/>
+                                        <p:tgtEl>
+                                          <p:spTgt spid="3">
+                                            <p:txEl>
+                                              <p:pRg st="5" end="5"/>
+                                            </p:txEl>
+                                          </p:spTgt>
+                                        </p:tgtEl>
+                                        <p:attrNameLst>
+                                          <p:attrName>ppt_y</p:attrName>
+                                        </p:attrNameLst>
+                                      </p:cBhvr>
+                                      <p:tavLst>
+                                        <p:tav tm="0">
+                                          <p:val>
+                                            <p:strVal val="1+#ppt_h/2"/>
+                                          </p:val>
+                                        </p:tav>
+                                        <p:tav tm="100000">
+                                          <p:val>
+                                            <p:strVal val="#ppt_y"/>
+                                          </p:val>
+                                        </p:tav>
+                                      </p:tavLst>
+                                    </p:anim>
+                                  </p:childTnLst>
+                                </p:cTn>
+                              </p:par>
+                            </p:childTnLst>
+                          </p:cTn>
+                        </p:par>
+                      </p:childTnLst>
+                    </p:cTn>
+                  </p:par>
+                </p:childTnLst>
+              </p:cTn>
+              <p:prevCondLst>
+                <p:cond evt="onPrev" delay="0">
+                  <p:tgtEl>
+                    <p:sldTgt/>
+                  </p:tgtEl>
+                </p:cond>
+              </p:prevCondLst>
+              <p:nextCondLst>
+                <p:cond evt="onNext" delay="0">
+                  <p:tgtEl>
+                    <p:sldTgt/>
+                  </p:tgtEl>
+                </p:cond>
+              </p:nextCondLst>
+            </p:seq>
+          </p:childTnLst>
+        </p:cTn>
+      </p:par>
+    </p:tnLst>
+    <p:bldLst>
+      <p:bldP spid="3" grpId="0" build="p"/>
+    </p:bldLst>
+  </p:timing>
+</p:sld>
+</file>
+
+<file path=ppt/slides/slide20.xml><?xml version="1.0" encoding="utf-8"?>
+<p:sld xmlns:a="http://schemas.openxmlformats.org/drawingml/2006/main" xmlns:r="http://schemas.openxmlformats.org/officeDocument/2006/relationships" xmlns:p="http://schemas.openxmlformats.org/presentationml/2006/main">
+  <p:cSld>
+    <p:spTree>
+      <p:nvGrpSpPr>
+        <p:cNvPr id="1" name=""/>
+        <p:cNvGrpSpPr/>
+        <p:nvPr/>
+      </p:nvGrpSpPr>
+      <p:grpSpPr>
+        <a:xfrm>
+          <a:off x="0" y="0"/>
+          <a:ext cx="0" cy="0"/>
+          <a:chOff x="0" y="0"/>
+          <a:chExt cx="0" cy="0"/>
+        </a:xfrm>
+      </p:grpSpPr>
+      <p:pic>
+        <p:nvPicPr>
+          <p:cNvPr id="5" name="Image 4" descr="logo_PaulGreen_2a.jpeg"/>
+          <p:cNvPicPr/>
+          <p:nvPr/>
+        </p:nvPicPr>
+        <p:blipFill>
+          <a:blip r:embed="rId2" cstate="print"/>
+          <a:stretch>
+            <a:fillRect/>
+          </a:stretch>
+        </p:blipFill>
+        <p:spPr>
+          <a:xfrm>
+            <a:off x="1000100" y="0"/>
+            <a:ext cx="1643074" cy="1643074"/>
+          </a:xfrm>
+          <a:prstGeom prst="rect">
+            <a:avLst/>
+          </a:prstGeom>
+        </p:spPr>
+      </p:pic>
+      <p:sp>
+        <p:nvSpPr>
+          <p:cNvPr id="2" name="Titre 1"/>
+          <p:cNvSpPr>
+            <a:spLocks noGrp="1"/>
+          </p:cNvSpPr>
+          <p:nvPr>
+            <p:ph type="title"/>
+          </p:nvPr>
+        </p:nvSpPr>
+        <p:spPr>
+          <a:xfrm>
+            <a:off x="2772000" y="252000"/>
+            <a:ext cx="5040000" cy="720000"/>
+          </a:xfrm>
+          <a:solidFill>
+            <a:srgbClr val="C65806"/>
+          </a:solidFill>
+        </p:spPr>
+        <p:txBody>
+          <a:bodyPr>
+            <a:normAutofit fontScale="90000"/>
+          </a:bodyPr>
+          <a:lstStyle/>
+          <a:p>
+            <a:pPr algn="ctr"/>
+            <a:r>
+              <a:rPr lang="fr-FR" dirty="0" smtClean="0"/>
+              <a:t>Conception Back-end</a:t>
+            </a:r>
+            <a:endParaRPr lang="fr-FR" dirty="0"/>
+          </a:p>
+        </p:txBody>
+      </p:sp>
+      <p:sp>
+        <p:nvSpPr>
+          <p:cNvPr id="4" name="Espace réservé du pied de page 3"/>
+          <p:cNvSpPr>
+            <a:spLocks noGrp="1"/>
+          </p:cNvSpPr>
+          <p:nvPr>
+            <p:ph type="ftr" sz="quarter" idx="11"/>
+          </p:nvPr>
+        </p:nvSpPr>
+        <p:spPr>
+          <a:xfrm>
+            <a:off x="1043608" y="6381328"/>
+            <a:ext cx="8100392" cy="400472"/>
+          </a:xfrm>
+        </p:spPr>
+        <p:txBody>
+          <a:bodyPr/>
+          <a:lstStyle/>
+          <a:p>
+            <a:pPr algn="ctr"/>
+            <a:r>
+              <a:rPr lang="fr-FR" sz="1400" dirty="0" smtClean="0"/>
+              <a:t>Jacques LEMOINE –</a:t>
+            </a:r>
+            <a:r>
+              <a:rPr lang="fr-FR" sz="1400" dirty="0" err="1" smtClean="0"/>
+              <a:t>Arinfo</a:t>
+            </a:r>
+            <a:r>
+              <a:rPr lang="fr-FR" sz="1400" dirty="0" smtClean="0"/>
+              <a:t> – Promotion Novembre 2021 - Avril 2022</a:t>
+            </a:r>
+            <a:endParaRPr lang="fr-FR" sz="1400" dirty="0"/>
+          </a:p>
+        </p:txBody>
+      </p:sp>
+      <p:pic>
+        <p:nvPicPr>
+          <p:cNvPr id="7" name="image2.png"/>
+          <p:cNvPicPr/>
+          <p:nvPr/>
+        </p:nvPicPr>
+        <p:blipFill>
+          <a:blip r:embed="rId3" cstate="print"/>
+          <a:srcRect/>
+          <a:stretch>
+            <a:fillRect/>
+          </a:stretch>
+        </p:blipFill>
+        <p:spPr>
+          <a:xfrm>
+            <a:off x="8045746" y="171953"/>
+            <a:ext cx="952500" cy="866775"/>
+          </a:xfrm>
+          <a:prstGeom prst="rect">
+            <a:avLst/>
+          </a:prstGeom>
+          <a:ln/>
+        </p:spPr>
+      </p:pic>
+      <p:sp>
+        <p:nvSpPr>
+          <p:cNvPr id="9" name="Rectangle 8"/>
+          <p:cNvSpPr/>
+          <p:nvPr/>
+        </p:nvSpPr>
+        <p:spPr>
+          <a:xfrm>
+            <a:off x="1115616" y="1772816"/>
+            <a:ext cx="8028384" cy="707886"/>
+          </a:xfrm>
+          <a:prstGeom prst="rect">
+            <a:avLst/>
+          </a:prstGeom>
+        </p:spPr>
+        <p:txBody>
+          <a:bodyPr wrap="square">
+            <a:spAutoFit/>
+          </a:bodyPr>
+          <a:lstStyle/>
+          <a:p>
+            <a:pPr lvl="0">
+              <a:spcBef>
+                <a:spcPts val="1000"/>
+              </a:spcBef>
+              <a:buClr>
+                <a:schemeClr val="accent1"/>
+              </a:buClr>
+              <a:buSzPts val="1800"/>
+            </a:pPr>
+            <a:r>
+              <a:rPr lang="fr-FR" sz="2000" dirty="0" smtClean="0">
+                <a:latin typeface="+mj-lt"/>
+                <a:ea typeface="Spartan"/>
+                <a:cs typeface="Spartan"/>
+                <a:sym typeface="Spartan"/>
+              </a:rPr>
+              <a:t>Puis la manipulation des données se fait par le CRUD (</a:t>
+            </a:r>
+            <a:r>
+              <a:rPr lang="fr-FR" sz="2000" dirty="0" err="1" smtClean="0">
+                <a:latin typeface="+mj-lt"/>
+                <a:ea typeface="Spartan"/>
+                <a:cs typeface="Spartan"/>
+                <a:sym typeface="Spartan"/>
+              </a:rPr>
+              <a:t>Created</a:t>
+            </a:r>
+            <a:r>
+              <a:rPr lang="fr-FR" sz="2000" dirty="0" smtClean="0">
+                <a:latin typeface="+mj-lt"/>
+                <a:ea typeface="Spartan"/>
+                <a:cs typeface="Spartan"/>
+                <a:sym typeface="Spartan"/>
+              </a:rPr>
+              <a:t>, Read, Update, </a:t>
+            </a:r>
+            <a:r>
+              <a:rPr lang="fr-FR" sz="2000" dirty="0" err="1" smtClean="0">
+                <a:latin typeface="+mj-lt"/>
+                <a:ea typeface="Spartan"/>
+                <a:cs typeface="Spartan"/>
+                <a:sym typeface="Spartan"/>
+              </a:rPr>
+              <a:t>Delete</a:t>
+            </a:r>
+            <a:r>
+              <a:rPr lang="fr-FR" sz="2000" dirty="0" smtClean="0">
+                <a:latin typeface="+mj-lt"/>
+                <a:ea typeface="Spartan"/>
+                <a:cs typeface="Spartan"/>
+                <a:sym typeface="Spartan"/>
+              </a:rPr>
+              <a:t>) à partir d’une entité.</a:t>
+            </a:r>
+            <a:endParaRPr lang="fr-FR" dirty="0">
+              <a:latin typeface="+mj-lt"/>
+              <a:ea typeface="Spartan"/>
+              <a:cs typeface="Spartan"/>
+              <a:sym typeface="Spartan"/>
+            </a:endParaRPr>
+          </a:p>
+        </p:txBody>
+      </p:sp>
+      <p:sp>
+        <p:nvSpPr>
+          <p:cNvPr id="11" name="Rectangle 10"/>
+          <p:cNvSpPr/>
+          <p:nvPr/>
+        </p:nvSpPr>
+        <p:spPr>
+          <a:xfrm>
+            <a:off x="1475656" y="2492896"/>
+            <a:ext cx="4572000" cy="369332"/>
+          </a:xfrm>
+          <a:prstGeom prst="rect">
+            <a:avLst/>
+          </a:prstGeom>
+          <a:solidFill>
+            <a:schemeClr val="tx1"/>
+          </a:solidFill>
+        </p:spPr>
+        <p:txBody>
+          <a:bodyPr>
+            <a:spAutoFit/>
+          </a:bodyPr>
+          <a:lstStyle/>
+          <a:p>
+            <a:pPr lvl="0">
+              <a:spcBef>
+                <a:spcPts val="1000"/>
+              </a:spcBef>
+              <a:buClr>
+                <a:schemeClr val="accent1"/>
+              </a:buClr>
+              <a:buSzPts val="1800"/>
+            </a:pPr>
+            <a:r>
+              <a:rPr lang="fr-FR" dirty="0" err="1" smtClean="0">
+                <a:solidFill>
+                  <a:schemeClr val="bg1"/>
+                </a:solidFill>
+                <a:latin typeface="+mj-lt"/>
+              </a:rPr>
+              <a:t>php</a:t>
+            </a:r>
+            <a:r>
+              <a:rPr lang="fr-FR" dirty="0" smtClean="0">
+                <a:solidFill>
+                  <a:schemeClr val="bg1"/>
+                </a:solidFill>
+                <a:latin typeface="+mj-lt"/>
+              </a:rPr>
+              <a:t> </a:t>
+            </a:r>
+            <a:r>
+              <a:rPr lang="fr-FR" dirty="0" err="1" smtClean="0">
+                <a:solidFill>
+                  <a:schemeClr val="bg1"/>
+                </a:solidFill>
+                <a:latin typeface="+mj-lt"/>
+              </a:rPr>
+              <a:t>bin</a:t>
+            </a:r>
+            <a:r>
+              <a:rPr lang="fr-FR" dirty="0" smtClean="0">
+                <a:solidFill>
+                  <a:schemeClr val="bg1"/>
+                </a:solidFill>
+                <a:latin typeface="+mj-lt"/>
+              </a:rPr>
+              <a:t>/console </a:t>
+            </a:r>
+            <a:r>
+              <a:rPr lang="fr-FR" dirty="0" err="1" smtClean="0">
+                <a:solidFill>
+                  <a:schemeClr val="bg1"/>
+                </a:solidFill>
+                <a:latin typeface="+mj-lt"/>
+              </a:rPr>
+              <a:t>make:crud</a:t>
+            </a:r>
+            <a:endParaRPr lang="fr-FR" dirty="0" smtClean="0">
+              <a:solidFill>
+                <a:schemeClr val="bg1"/>
+              </a:solidFill>
+              <a:latin typeface="+mj-lt"/>
+            </a:endParaRPr>
+          </a:p>
+        </p:txBody>
+      </p:sp>
+      <p:sp>
+        <p:nvSpPr>
+          <p:cNvPr id="12" name="Rectangle 11"/>
+          <p:cNvSpPr/>
+          <p:nvPr/>
+        </p:nvSpPr>
+        <p:spPr>
+          <a:xfrm>
+            <a:off x="1115616" y="2924944"/>
+            <a:ext cx="8028384" cy="707886"/>
+          </a:xfrm>
+          <a:prstGeom prst="rect">
+            <a:avLst/>
+          </a:prstGeom>
+        </p:spPr>
+        <p:txBody>
+          <a:bodyPr wrap="square">
+            <a:spAutoFit/>
+          </a:bodyPr>
+          <a:lstStyle/>
+          <a:p>
+            <a:pPr lvl="0">
+              <a:spcBef>
+                <a:spcPts val="1000"/>
+              </a:spcBef>
+              <a:buClr>
+                <a:schemeClr val="accent1"/>
+              </a:buClr>
+              <a:buSzPts val="1800"/>
+            </a:pPr>
+            <a:r>
+              <a:rPr lang="fr-FR" sz="2000" dirty="0" smtClean="0">
+                <a:latin typeface="+mj-lt"/>
+                <a:ea typeface="Spartan"/>
+                <a:cs typeface="Spartan"/>
+                <a:sym typeface="Spartan"/>
+              </a:rPr>
+              <a:t>La commande nous génère les formulaires suivants, ainsi que des méthodes dans le </a:t>
+            </a:r>
+            <a:r>
+              <a:rPr lang="fr-FR" sz="2000" dirty="0" err="1" smtClean="0">
+                <a:latin typeface="+mj-lt"/>
+                <a:ea typeface="Spartan"/>
+                <a:cs typeface="Spartan"/>
+                <a:sym typeface="Spartan"/>
+              </a:rPr>
+              <a:t>controller</a:t>
+            </a:r>
+            <a:r>
+              <a:rPr lang="fr-FR" sz="2000" dirty="0" smtClean="0">
+                <a:latin typeface="+mj-lt"/>
+                <a:ea typeface="Spartan"/>
+                <a:cs typeface="Spartan"/>
+                <a:sym typeface="Spartan"/>
+              </a:rPr>
+              <a:t>, le </a:t>
+            </a:r>
+            <a:r>
+              <a:rPr lang="fr-FR" sz="2000" dirty="0" err="1" smtClean="0">
+                <a:latin typeface="+mj-lt"/>
+                <a:ea typeface="Spartan"/>
+                <a:cs typeface="Spartan"/>
+                <a:sym typeface="Spartan"/>
+              </a:rPr>
+              <a:t>form</a:t>
+            </a:r>
+            <a:r>
+              <a:rPr lang="fr-FR" sz="2000" dirty="0" smtClean="0">
+                <a:latin typeface="+mj-lt"/>
+                <a:ea typeface="Spartan"/>
+                <a:cs typeface="Spartan"/>
+                <a:sym typeface="Spartan"/>
+              </a:rPr>
+              <a:t> :</a:t>
+            </a:r>
+            <a:endParaRPr lang="fr-FR" dirty="0">
+              <a:latin typeface="+mj-lt"/>
+              <a:ea typeface="Spartan"/>
+              <a:cs typeface="Spartan"/>
+              <a:sym typeface="Spartan"/>
+            </a:endParaRPr>
+          </a:p>
+        </p:txBody>
+      </p:sp>
+      <p:pic>
+        <p:nvPicPr>
+          <p:cNvPr id="14" name="Image 13" descr="P02Capture.JPG"/>
+          <p:cNvPicPr>
+            <a:picLocks noChangeAspect="1"/>
+          </p:cNvPicPr>
+          <p:nvPr/>
+        </p:nvPicPr>
+        <p:blipFill>
+          <a:blip r:embed="rId4" cstate="print"/>
+          <a:stretch>
+            <a:fillRect/>
+          </a:stretch>
+        </p:blipFill>
+        <p:spPr>
+          <a:xfrm>
+            <a:off x="3131840" y="3861048"/>
+            <a:ext cx="2609850" cy="1504950"/>
+          </a:xfrm>
+          <a:prstGeom prst="rect">
+            <a:avLst/>
+          </a:prstGeom>
+        </p:spPr>
+      </p:pic>
+    </p:spTree>
+  </p:cSld>
+  <p:clrMapOvr>
+    <a:masterClrMapping/>
+  </p:clrMapOvr>
+  <p:timing>
+    <p:tnLst>
+      <p:par>
+        <p:cTn id="1" dur="indefinite" restart="never" nodeType="tmRoot"/>
+      </p:par>
+    </p:tnLst>
+  </p:timing>
+</p:sld>
+</file>
+
+<file path=ppt/slides/slide21.xml><?xml version="1.0" encoding="utf-8"?>
+<p:sld xmlns:a="http://schemas.openxmlformats.org/drawingml/2006/main" xmlns:r="http://schemas.openxmlformats.org/officeDocument/2006/relationships" xmlns:p="http://schemas.openxmlformats.org/presentationml/2006/main">
+  <p:cSld>
+    <p:spTree>
+      <p:nvGrpSpPr>
+        <p:cNvPr id="1" name=""/>
+        <p:cNvGrpSpPr/>
+        <p:nvPr/>
+      </p:nvGrpSpPr>
+      <p:grpSpPr>
+        <a:xfrm>
+          <a:off x="0" y="0"/>
+          <a:ext cx="0" cy="0"/>
+          <a:chOff x="0" y="0"/>
+          <a:chExt cx="0" cy="0"/>
+        </a:xfrm>
+      </p:grpSpPr>
+      <p:pic>
+        <p:nvPicPr>
+          <p:cNvPr id="5" name="Image 4" descr="logo_PaulGreen_2a.jpeg"/>
+          <p:cNvPicPr/>
+          <p:nvPr/>
+        </p:nvPicPr>
+        <p:blipFill>
+          <a:blip r:embed="rId2" cstate="print"/>
+          <a:stretch>
+            <a:fillRect/>
+          </a:stretch>
+        </p:blipFill>
+        <p:spPr>
+          <a:xfrm>
+            <a:off x="1000100" y="0"/>
+            <a:ext cx="1643074" cy="1643074"/>
+          </a:xfrm>
+          <a:prstGeom prst="rect">
+            <a:avLst/>
+          </a:prstGeom>
+        </p:spPr>
+      </p:pic>
+      <p:sp>
+        <p:nvSpPr>
+          <p:cNvPr id="2" name="Titre 1"/>
+          <p:cNvSpPr>
+            <a:spLocks noGrp="1"/>
+          </p:cNvSpPr>
+          <p:nvPr>
+            <p:ph type="title"/>
+          </p:nvPr>
+        </p:nvSpPr>
+        <p:spPr>
+          <a:xfrm>
+            <a:off x="2772000" y="252000"/>
+            <a:ext cx="5040000" cy="720000"/>
+          </a:xfrm>
+          <a:solidFill>
+            <a:srgbClr val="C65806"/>
+          </a:solidFill>
+        </p:spPr>
+        <p:txBody>
+          <a:bodyPr>
+            <a:normAutofit fontScale="90000"/>
+          </a:bodyPr>
+          <a:lstStyle/>
+          <a:p>
+            <a:pPr algn="ctr"/>
+            <a:r>
+              <a:rPr lang="fr-FR" dirty="0" smtClean="0"/>
+              <a:t>Conception Back-end</a:t>
+            </a:r>
+            <a:endParaRPr lang="fr-FR" dirty="0"/>
+          </a:p>
+        </p:txBody>
+      </p:sp>
+      <p:sp>
+        <p:nvSpPr>
+          <p:cNvPr id="4" name="Espace réservé du pied de page 3"/>
+          <p:cNvSpPr>
+            <a:spLocks noGrp="1"/>
+          </p:cNvSpPr>
+          <p:nvPr>
+            <p:ph type="ftr" sz="quarter" idx="11"/>
+          </p:nvPr>
+        </p:nvSpPr>
+        <p:spPr>
+          <a:xfrm>
+            <a:off x="1043608" y="6381328"/>
+            <a:ext cx="8100392" cy="400472"/>
+          </a:xfrm>
+        </p:spPr>
+        <p:txBody>
+          <a:bodyPr/>
+          <a:lstStyle/>
+          <a:p>
+            <a:pPr algn="ctr"/>
+            <a:r>
+              <a:rPr lang="fr-FR" sz="1400" dirty="0" smtClean="0"/>
+              <a:t>Jacques LEMOINE –</a:t>
+            </a:r>
+            <a:r>
+              <a:rPr lang="fr-FR" sz="1400" dirty="0" err="1" smtClean="0"/>
+              <a:t>Arinfo</a:t>
+            </a:r>
+            <a:r>
+              <a:rPr lang="fr-FR" sz="1400" dirty="0" smtClean="0"/>
+              <a:t> – Promotion Novembre 2021 - Avril 2022</a:t>
+            </a:r>
+            <a:endParaRPr lang="fr-FR" sz="1400" dirty="0"/>
+          </a:p>
+        </p:txBody>
+      </p:sp>
+      <p:pic>
+        <p:nvPicPr>
+          <p:cNvPr id="7" name="image2.png"/>
+          <p:cNvPicPr/>
+          <p:nvPr/>
+        </p:nvPicPr>
+        <p:blipFill>
+          <a:blip r:embed="rId3" cstate="print"/>
+          <a:srcRect/>
+          <a:stretch>
+            <a:fillRect/>
+          </a:stretch>
+        </p:blipFill>
+        <p:spPr>
+          <a:xfrm>
+            <a:off x="8045746" y="171953"/>
+            <a:ext cx="952500" cy="866775"/>
+          </a:xfrm>
+          <a:prstGeom prst="rect">
+            <a:avLst/>
+          </a:prstGeom>
+          <a:ln/>
+        </p:spPr>
+      </p:pic>
+      <p:pic>
+        <p:nvPicPr>
+          <p:cNvPr id="10" name="Image 9" descr="P03-Capture.JPG"/>
+          <p:cNvPicPr>
+            <a:picLocks noChangeAspect="1"/>
+          </p:cNvPicPr>
+          <p:nvPr/>
+        </p:nvPicPr>
+        <p:blipFill>
+          <a:blip r:embed="rId4" cstate="print"/>
+          <a:stretch>
+            <a:fillRect/>
+          </a:stretch>
+        </p:blipFill>
+        <p:spPr>
+          <a:xfrm>
+            <a:off x="1763688" y="1484784"/>
+            <a:ext cx="6429375" cy="4857750"/>
+          </a:xfrm>
+          <a:prstGeom prst="rect">
+            <a:avLst/>
+          </a:prstGeom>
+        </p:spPr>
+      </p:pic>
+    </p:spTree>
+  </p:cSld>
+  <p:clrMapOvr>
+    <a:masterClrMapping/>
+  </p:clrMapOvr>
+  <p:timing>
+    <p:tnLst>
+      <p:par>
+        <p:cTn id="1" dur="indefinite" restart="never" nodeType="tmRoot"/>
+      </p:par>
+    </p:tnLst>
+  </p:timing>
+</p:sld>
+</file>
+
+<file path=ppt/slides/slide22.xml><?xml version="1.0" encoding="utf-8"?>
+<p:sld xmlns:a="http://schemas.openxmlformats.org/drawingml/2006/main" xmlns:r="http://schemas.openxmlformats.org/officeDocument/2006/relationships" xmlns:p="http://schemas.openxmlformats.org/presentationml/2006/main">
+  <p:cSld>
+    <p:spTree>
+      <p:nvGrpSpPr>
+        <p:cNvPr id="1" name=""/>
+        <p:cNvGrpSpPr/>
+        <p:nvPr/>
+      </p:nvGrpSpPr>
+      <p:grpSpPr>
+        <a:xfrm>
+          <a:off x="0" y="0"/>
+          <a:ext cx="0" cy="0"/>
+          <a:chOff x="0" y="0"/>
+          <a:chExt cx="0" cy="0"/>
+        </a:xfrm>
+      </p:grpSpPr>
+      <p:pic>
+        <p:nvPicPr>
+          <p:cNvPr id="5" name="Image 4" descr="logo_PaulGreen_2a.jpeg"/>
+          <p:cNvPicPr/>
+          <p:nvPr/>
+        </p:nvPicPr>
+        <p:blipFill>
+          <a:blip r:embed="rId2" cstate="print"/>
+          <a:stretch>
+            <a:fillRect/>
+          </a:stretch>
+        </p:blipFill>
+        <p:spPr>
+          <a:xfrm>
+            <a:off x="1000100" y="0"/>
+            <a:ext cx="1643074" cy="1643074"/>
+          </a:xfrm>
+          <a:prstGeom prst="rect">
+            <a:avLst/>
+          </a:prstGeom>
+        </p:spPr>
+      </p:pic>
+      <p:sp>
+        <p:nvSpPr>
+          <p:cNvPr id="2" name="Titre 1"/>
+          <p:cNvSpPr>
+            <a:spLocks noGrp="1"/>
+          </p:cNvSpPr>
+          <p:nvPr>
+            <p:ph type="title"/>
+          </p:nvPr>
+        </p:nvSpPr>
+        <p:spPr>
+          <a:xfrm>
+            <a:off x="2772000" y="252000"/>
+            <a:ext cx="5040000" cy="720000"/>
+          </a:xfrm>
+          <a:solidFill>
+            <a:srgbClr val="C65806"/>
+          </a:solidFill>
+        </p:spPr>
+        <p:txBody>
+          <a:bodyPr>
+            <a:normAutofit fontScale="90000"/>
+          </a:bodyPr>
+          <a:lstStyle/>
+          <a:p>
+            <a:pPr algn="ctr"/>
+            <a:r>
+              <a:rPr lang="fr-FR" dirty="0" smtClean="0"/>
+              <a:t>Conception Back-end</a:t>
+            </a:r>
+            <a:endParaRPr lang="fr-FR" dirty="0"/>
+          </a:p>
+        </p:txBody>
+      </p:sp>
+      <p:sp>
+        <p:nvSpPr>
+          <p:cNvPr id="4" name="Espace réservé du pied de page 3"/>
+          <p:cNvSpPr>
+            <a:spLocks noGrp="1"/>
+          </p:cNvSpPr>
+          <p:nvPr>
+            <p:ph type="ftr" sz="quarter" idx="11"/>
+          </p:nvPr>
+        </p:nvSpPr>
+        <p:spPr>
+          <a:xfrm>
+            <a:off x="1043608" y="6381328"/>
+            <a:ext cx="8100392" cy="400472"/>
+          </a:xfrm>
+        </p:spPr>
+        <p:txBody>
+          <a:bodyPr/>
+          <a:lstStyle/>
+          <a:p>
+            <a:pPr algn="ctr"/>
+            <a:r>
+              <a:rPr lang="fr-FR" sz="1400" dirty="0" smtClean="0"/>
+              <a:t>Jacques LEMOINE –</a:t>
+            </a:r>
+            <a:r>
+              <a:rPr lang="fr-FR" sz="1400" dirty="0" err="1" smtClean="0"/>
+              <a:t>Arinfo</a:t>
+            </a:r>
+            <a:r>
+              <a:rPr lang="fr-FR" sz="1400" dirty="0" smtClean="0"/>
+              <a:t> – Promotion Novembre 2021 - Avril 2022</a:t>
+            </a:r>
+            <a:endParaRPr lang="fr-FR" sz="1400" dirty="0"/>
+          </a:p>
+        </p:txBody>
+      </p:sp>
+      <p:pic>
+        <p:nvPicPr>
+          <p:cNvPr id="7" name="image2.png"/>
+          <p:cNvPicPr/>
+          <p:nvPr/>
+        </p:nvPicPr>
+        <p:blipFill>
+          <a:blip r:embed="rId3" cstate="print"/>
+          <a:srcRect/>
+          <a:stretch>
+            <a:fillRect/>
+          </a:stretch>
+        </p:blipFill>
+        <p:spPr>
+          <a:xfrm>
+            <a:off x="8045746" y="171953"/>
+            <a:ext cx="952500" cy="866775"/>
+          </a:xfrm>
+          <a:prstGeom prst="rect">
+            <a:avLst/>
+          </a:prstGeom>
+          <a:ln/>
+        </p:spPr>
+      </p:pic>
+      <p:sp>
+        <p:nvSpPr>
+          <p:cNvPr id="8" name="Google Shape;346;p23"/>
+          <p:cNvSpPr txBox="1"/>
+          <p:nvPr/>
+        </p:nvSpPr>
+        <p:spPr>
+          <a:xfrm>
+            <a:off x="1187625" y="1628800"/>
+            <a:ext cx="7956376" cy="3600400"/>
+          </a:xfrm>
+          <a:prstGeom prst="rect">
+            <a:avLst/>
+          </a:prstGeom>
+          <a:noFill/>
+          <a:ln>
+            <a:noFill/>
+          </a:ln>
+        </p:spPr>
+        <p:txBody>
+          <a:bodyPr spcFirstLastPara="1" wrap="square" lIns="91425" tIns="45700" rIns="91425" bIns="45700" anchor="t" anchorCtr="0">
+            <a:normAutofit/>
+          </a:bodyPr>
+          <a:lstStyle/>
+          <a:p>
+            <a:pPr marL="342900" marR="0" lvl="0" indent="-342900" algn="l" rtl="0">
+              <a:spcBef>
+                <a:spcPts val="0"/>
+              </a:spcBef>
+              <a:spcAft>
+                <a:spcPts val="0"/>
+              </a:spcAft>
+              <a:buClr>
+                <a:schemeClr val="accent1"/>
+              </a:buClr>
+              <a:buSzPts val="1800"/>
+            </a:pPr>
+            <a:r>
+              <a:rPr lang="fr-FR" sz="1800" dirty="0">
+                <a:latin typeface="+mj-lt"/>
+                <a:ea typeface="Spartan"/>
+                <a:cs typeface="Spartan"/>
+                <a:sym typeface="Spartan"/>
+              </a:rPr>
+              <a:t>Les Rôles</a:t>
+            </a:r>
+            <a:endParaRPr dirty="0">
+              <a:latin typeface="+mj-lt"/>
+            </a:endParaRPr>
+          </a:p>
+          <a:p>
+            <a:pPr marL="0" marR="0" lvl="0" indent="0" algn="l" rtl="0">
+              <a:spcBef>
+                <a:spcPts val="1000"/>
+              </a:spcBef>
+              <a:spcAft>
+                <a:spcPts val="0"/>
+              </a:spcAft>
+              <a:buClr>
+                <a:schemeClr val="accent1"/>
+              </a:buClr>
+              <a:buSzPts val="1800"/>
+              <a:buFont typeface="Noto Sans Symbols"/>
+              <a:buNone/>
+            </a:pPr>
+            <a:r>
+              <a:rPr lang="fr-FR" sz="1800" dirty="0">
+                <a:latin typeface="+mj-lt"/>
+                <a:ea typeface="Spartan"/>
+                <a:cs typeface="Spartan"/>
+                <a:sym typeface="Spartan"/>
+              </a:rPr>
+              <a:t>Définition des rôles : </a:t>
+            </a:r>
+            <a:r>
+              <a:rPr lang="fr-FR" sz="1800" dirty="0" smtClean="0">
+                <a:latin typeface="+mj-lt"/>
+                <a:ea typeface="Spartan"/>
+                <a:cs typeface="Spartan"/>
+                <a:sym typeface="Spartan"/>
+              </a:rPr>
+              <a:t>ADMIN,  GE, OTHER, USER</a:t>
+            </a:r>
+            <a:endParaRPr dirty="0">
+              <a:latin typeface="+mj-lt"/>
+            </a:endParaRPr>
+          </a:p>
+          <a:p>
+            <a:pPr marL="0" marR="0" lvl="0" indent="0" algn="l" rtl="0">
+              <a:spcBef>
+                <a:spcPts val="1000"/>
+              </a:spcBef>
+              <a:spcAft>
+                <a:spcPts val="0"/>
+              </a:spcAft>
+              <a:buClr>
+                <a:schemeClr val="accent1"/>
+              </a:buClr>
+              <a:buSzPts val="1600"/>
+              <a:buFont typeface="Noto Sans Symbols"/>
+              <a:buNone/>
+            </a:pPr>
+            <a:r>
+              <a:rPr lang="fr-FR" sz="1600" dirty="0" smtClean="0">
+                <a:latin typeface="+mj-lt"/>
+                <a:ea typeface="Spartan"/>
+                <a:cs typeface="Spartan"/>
+                <a:sym typeface="Spartan"/>
+              </a:rPr>
+              <a:t>Les GE, OTHER et USER ont accès en visualisation aux informations suivantes :</a:t>
+            </a:r>
+          </a:p>
+          <a:p>
+            <a:pPr marL="0" marR="0" lvl="0" indent="0" algn="l" rtl="0">
+              <a:spcBef>
+                <a:spcPts val="1000"/>
+              </a:spcBef>
+              <a:spcAft>
+                <a:spcPts val="0"/>
+              </a:spcAft>
+              <a:buClr>
+                <a:schemeClr val="accent1"/>
+              </a:buClr>
+              <a:buSzPts val="1600"/>
+              <a:buFont typeface="Noto Sans Symbols"/>
+              <a:buNone/>
+            </a:pPr>
+            <a:r>
+              <a:rPr lang="fr-FR" sz="1600" dirty="0" smtClean="0">
+                <a:latin typeface="+mj-lt"/>
+                <a:ea typeface="Spartan"/>
+                <a:cs typeface="Spartan"/>
+                <a:sym typeface="Spartan"/>
+              </a:rPr>
+              <a:t>     </a:t>
+            </a:r>
+            <a:r>
+              <a:rPr lang="fr-FR" sz="1600" dirty="0" smtClean="0">
+                <a:latin typeface="+mj-lt"/>
+                <a:ea typeface="Spartan"/>
+                <a:cs typeface="Spartan"/>
+                <a:sym typeface="Spartan"/>
+              </a:rPr>
+              <a:t>GE : correspondant aux étudiants du Master GE, ont accès à l’ensemble des données</a:t>
+            </a:r>
+          </a:p>
+          <a:p>
+            <a:pPr marL="0" marR="0" lvl="0" indent="0" algn="l" rtl="0">
+              <a:spcBef>
+                <a:spcPts val="1000"/>
+              </a:spcBef>
+              <a:spcAft>
+                <a:spcPts val="0"/>
+              </a:spcAft>
+              <a:buClr>
+                <a:schemeClr val="accent1"/>
+              </a:buClr>
+              <a:buSzPts val="1600"/>
+              <a:buFont typeface="Noto Sans Symbols"/>
+              <a:buNone/>
+            </a:pPr>
+            <a:r>
+              <a:rPr lang="fr-FR" sz="1600" dirty="0" smtClean="0">
+                <a:latin typeface="+mj-lt"/>
+                <a:ea typeface="Spartan"/>
+                <a:cs typeface="Spartan"/>
+                <a:sym typeface="Spartan"/>
+              </a:rPr>
+              <a:t>    OTHER: sont limité aux présentations et à la partie Master</a:t>
+            </a:r>
+          </a:p>
+          <a:p>
+            <a:pPr marL="0" marR="0" lvl="0" indent="0" algn="l" rtl="0">
+              <a:spcBef>
+                <a:spcPts val="1000"/>
+              </a:spcBef>
+              <a:spcAft>
+                <a:spcPts val="0"/>
+              </a:spcAft>
+              <a:buClr>
+                <a:schemeClr val="accent1"/>
+              </a:buClr>
+              <a:buSzPts val="1600"/>
+              <a:buFont typeface="Noto Sans Symbols"/>
+              <a:buNone/>
+            </a:pPr>
+            <a:r>
+              <a:rPr lang="fr-FR" sz="1600" dirty="0" smtClean="0">
+                <a:latin typeface="+mj-lt"/>
+                <a:ea typeface="Spartan"/>
+                <a:cs typeface="Spartan"/>
+                <a:sym typeface="Spartan"/>
+              </a:rPr>
+              <a:t>    USER : limité aux présentations,</a:t>
+            </a:r>
+          </a:p>
+          <a:p>
+            <a:pPr marL="0" marR="0" lvl="0" indent="0" algn="l" rtl="0">
+              <a:spcBef>
+                <a:spcPts val="600"/>
+              </a:spcBef>
+              <a:spcAft>
+                <a:spcPts val="0"/>
+              </a:spcAft>
+              <a:buClr>
+                <a:schemeClr val="accent1"/>
+              </a:buClr>
+              <a:buSzPts val="1600"/>
+              <a:buFont typeface="Noto Sans Symbols"/>
+              <a:buNone/>
+            </a:pPr>
+            <a:r>
+              <a:rPr lang="fr-FR" sz="1600" dirty="0" smtClean="0">
+                <a:latin typeface="+mj-lt"/>
+                <a:ea typeface="Spartan"/>
+                <a:cs typeface="Spartan"/>
+                <a:sym typeface="Spartan"/>
+              </a:rPr>
+              <a:t>Les visiteurs sans connexion n’</a:t>
+            </a:r>
+            <a:r>
+              <a:rPr lang="fr-FR" sz="1600" dirty="0" err="1" smtClean="0">
+                <a:latin typeface="+mj-lt"/>
+                <a:ea typeface="Spartan"/>
+                <a:cs typeface="Spartan"/>
+                <a:sym typeface="Spartan"/>
+              </a:rPr>
+              <a:t>accédent</a:t>
+            </a:r>
+            <a:r>
+              <a:rPr lang="fr-FR" sz="1600" dirty="0" smtClean="0">
+                <a:latin typeface="+mj-lt"/>
+                <a:ea typeface="Spartan"/>
+                <a:cs typeface="Spartan"/>
+                <a:sym typeface="Spartan"/>
+              </a:rPr>
+              <a:t> qu’à la page d’accueil</a:t>
+            </a:r>
+            <a:r>
+              <a:rPr lang="fr-FR" sz="1600" dirty="0">
+                <a:latin typeface="+mj-lt"/>
+                <a:ea typeface="Spartan"/>
+                <a:cs typeface="Spartan"/>
+                <a:sym typeface="Spartan"/>
+              </a:rPr>
+              <a:t/>
+            </a:r>
+            <a:br>
+              <a:rPr lang="fr-FR" sz="1600" dirty="0">
+                <a:latin typeface="+mj-lt"/>
+                <a:ea typeface="Spartan"/>
+                <a:cs typeface="Spartan"/>
+                <a:sym typeface="Spartan"/>
+              </a:rPr>
+            </a:br>
+            <a:endParaRPr lang="fr-FR" sz="1600" dirty="0" smtClean="0">
+              <a:latin typeface="+mj-lt"/>
+              <a:ea typeface="Spartan"/>
+              <a:cs typeface="Spartan"/>
+              <a:sym typeface="Spartan"/>
+            </a:endParaRPr>
+          </a:p>
+          <a:p>
+            <a:pPr marL="0" marR="0" lvl="0" indent="0" algn="l" rtl="0">
+              <a:spcBef>
+                <a:spcPts val="600"/>
+              </a:spcBef>
+              <a:spcAft>
+                <a:spcPts val="0"/>
+              </a:spcAft>
+              <a:buClr>
+                <a:schemeClr val="accent1"/>
+              </a:buClr>
+              <a:buSzPts val="1600"/>
+              <a:buFont typeface="Noto Sans Symbols"/>
+              <a:buNone/>
+            </a:pPr>
+            <a:r>
+              <a:rPr lang="fr-FR" sz="1800" dirty="0" smtClean="0">
+                <a:latin typeface="+mj-lt"/>
+                <a:ea typeface="Spartan"/>
+                <a:cs typeface="Spartan"/>
+                <a:sym typeface="Spartan"/>
+              </a:rPr>
+              <a:t>Utilisation </a:t>
+            </a:r>
+            <a:r>
+              <a:rPr lang="fr-FR" sz="1800" dirty="0">
+                <a:latin typeface="+mj-lt"/>
+                <a:ea typeface="Spartan"/>
+                <a:cs typeface="Spartan"/>
+                <a:sym typeface="Spartan"/>
+              </a:rPr>
+              <a:t>de la méthode  « @</a:t>
+            </a:r>
+            <a:r>
+              <a:rPr lang="fr-FR" sz="1800" dirty="0" err="1">
+                <a:latin typeface="+mj-lt"/>
+                <a:ea typeface="Spartan"/>
+                <a:cs typeface="Spartan"/>
+                <a:sym typeface="Spartan"/>
+              </a:rPr>
+              <a:t>isGranted</a:t>
+            </a:r>
+            <a:r>
+              <a:rPr lang="fr-FR" sz="1800" dirty="0">
+                <a:latin typeface="+mj-lt"/>
+                <a:ea typeface="Spartan"/>
+                <a:cs typeface="Spartan"/>
+                <a:sym typeface="Spartan"/>
+              </a:rPr>
+              <a:t> » dans le </a:t>
+            </a:r>
+            <a:r>
+              <a:rPr lang="fr-FR" sz="1800" dirty="0" err="1">
+                <a:latin typeface="+mj-lt"/>
+                <a:ea typeface="Spartan"/>
+                <a:cs typeface="Spartan"/>
+                <a:sym typeface="Spartan"/>
+              </a:rPr>
+              <a:t>controller</a:t>
+            </a:r>
+            <a:r>
+              <a:rPr lang="fr-FR" sz="1800" dirty="0">
+                <a:latin typeface="+mj-lt"/>
+                <a:ea typeface="Spartan"/>
+                <a:cs typeface="Spartan"/>
+                <a:sym typeface="Spartan"/>
+              </a:rPr>
+              <a:t> et les </a:t>
+            </a:r>
+            <a:r>
+              <a:rPr lang="fr-FR" sz="1800" dirty="0" err="1">
+                <a:latin typeface="+mj-lt"/>
+                <a:ea typeface="Spartan"/>
+                <a:cs typeface="Spartan"/>
+                <a:sym typeface="Spartan"/>
+              </a:rPr>
+              <a:t>templates</a:t>
+            </a:r>
+            <a:r>
+              <a:rPr lang="fr-FR" sz="1800" dirty="0">
+                <a:latin typeface="+mj-lt"/>
+                <a:ea typeface="Spartan"/>
+                <a:cs typeface="Spartan"/>
+                <a:sym typeface="Spartan"/>
+              </a:rPr>
+              <a:t/>
+            </a:r>
+            <a:br>
+              <a:rPr lang="fr-FR" sz="1800" dirty="0">
+                <a:latin typeface="+mj-lt"/>
+                <a:ea typeface="Spartan"/>
+                <a:cs typeface="Spartan"/>
+                <a:sym typeface="Spartan"/>
+              </a:rPr>
+            </a:br>
+            <a:r>
+              <a:rPr lang="fr-FR" sz="1600" dirty="0">
+                <a:latin typeface="+mj-lt"/>
+                <a:ea typeface="Spartan"/>
+                <a:cs typeface="Spartan"/>
+                <a:sym typeface="Spartan"/>
+              </a:rPr>
+              <a:t>afin d’afficher ou non certaines informations ou de limiter certains accès en fonction du rôle</a:t>
+            </a:r>
+            <a:endParaRPr dirty="0">
+              <a:latin typeface="+mj-lt"/>
+            </a:endParaRPr>
+          </a:p>
+          <a:p>
+            <a:pPr marL="0" marR="0" lvl="0" indent="0" algn="l" rtl="0">
+              <a:spcBef>
+                <a:spcPts val="1000"/>
+              </a:spcBef>
+              <a:spcAft>
+                <a:spcPts val="0"/>
+              </a:spcAft>
+              <a:buClr>
+                <a:schemeClr val="accent1"/>
+              </a:buClr>
+              <a:buSzPts val="1600"/>
+              <a:buFont typeface="Noto Sans Symbols"/>
+              <a:buNone/>
+            </a:pPr>
+            <a:endParaRPr sz="1600" dirty="0">
+              <a:latin typeface="+mj-lt"/>
+              <a:ea typeface="Spartan"/>
+              <a:cs typeface="Spartan"/>
+              <a:sym typeface="Spartan"/>
+            </a:endParaRPr>
+          </a:p>
+          <a:p>
+            <a:pPr marL="0" marR="0" lvl="0" indent="0" algn="l" rtl="0">
+              <a:spcBef>
+                <a:spcPts val="1000"/>
+              </a:spcBef>
+              <a:spcAft>
+                <a:spcPts val="0"/>
+              </a:spcAft>
+              <a:buClr>
+                <a:schemeClr val="accent1"/>
+              </a:buClr>
+              <a:buSzPts val="1600"/>
+              <a:buFont typeface="Noto Sans Symbols"/>
+              <a:buNone/>
+            </a:pPr>
+            <a:endParaRPr sz="1600" dirty="0">
+              <a:latin typeface="+mj-lt"/>
+              <a:ea typeface="Spartan"/>
+              <a:cs typeface="Spartan"/>
+              <a:sym typeface="Spartan"/>
+            </a:endParaRPr>
+          </a:p>
+        </p:txBody>
+      </p:sp>
+      <p:pic>
+        <p:nvPicPr>
+          <p:cNvPr id="11" name="Image 10" descr="P04-Capture.JPG"/>
+          <p:cNvPicPr>
+            <a:picLocks noChangeAspect="1"/>
+          </p:cNvPicPr>
+          <p:nvPr/>
+        </p:nvPicPr>
+        <p:blipFill>
+          <a:blip r:embed="rId4" cstate="print"/>
+          <a:stretch>
+            <a:fillRect/>
+          </a:stretch>
+        </p:blipFill>
+        <p:spPr>
+          <a:xfrm>
+            <a:off x="0" y="5085184"/>
+            <a:ext cx="9144000" cy="1353381"/>
+          </a:xfrm>
+          <a:prstGeom prst="rect">
+            <a:avLst/>
+          </a:prstGeom>
+        </p:spPr>
+      </p:pic>
+    </p:spTree>
+  </p:cSld>
+  <p:clrMapOvr>
+    <a:masterClrMapping/>
+  </p:clrMapOvr>
+  <p:timing>
+    <p:tnLst>
+      <p:par>
+        <p:cTn id="1" dur="indefinite" restart="never" nodeType="tmRoot"/>
+      </p:par>
+    </p:tnLst>
+  </p:timing>
+</p:sld>
+</file>
+
+<file path=ppt/slides/slide23.xml><?xml version="1.0" encoding="utf-8"?>
+<p:sld xmlns:a="http://schemas.openxmlformats.org/drawingml/2006/main" xmlns:r="http://schemas.openxmlformats.org/officeDocument/2006/relationships" xmlns:p="http://schemas.openxmlformats.org/presentationml/2006/main">
+  <p:cSld>
+    <p:spTree>
+      <p:nvGrpSpPr>
+        <p:cNvPr id="1" name=""/>
+        <p:cNvGrpSpPr/>
+        <p:nvPr/>
+      </p:nvGrpSpPr>
+      <p:grpSpPr>
+        <a:xfrm>
+          <a:off x="0" y="0"/>
+          <a:ext cx="0" cy="0"/>
+          <a:chOff x="0" y="0"/>
+          <a:chExt cx="0" cy="0"/>
+        </a:xfrm>
+      </p:grpSpPr>
+      <p:pic>
+        <p:nvPicPr>
+          <p:cNvPr id="5" name="Image 4" descr="logo_PaulGreen_2a.jpeg"/>
+          <p:cNvPicPr/>
+          <p:nvPr/>
+        </p:nvPicPr>
+        <p:blipFill>
+          <a:blip r:embed="rId2" cstate="print"/>
+          <a:stretch>
+            <a:fillRect/>
+          </a:stretch>
+        </p:blipFill>
+        <p:spPr>
+          <a:xfrm>
+            <a:off x="1000100" y="0"/>
+            <a:ext cx="1643074" cy="1643074"/>
+          </a:xfrm>
+          <a:prstGeom prst="rect">
+            <a:avLst/>
+          </a:prstGeom>
+        </p:spPr>
+      </p:pic>
+      <p:sp>
+        <p:nvSpPr>
+          <p:cNvPr id="2" name="Titre 1"/>
+          <p:cNvSpPr>
+            <a:spLocks noGrp="1"/>
+          </p:cNvSpPr>
+          <p:nvPr>
+            <p:ph type="title"/>
+          </p:nvPr>
+        </p:nvSpPr>
+        <p:spPr>
+          <a:xfrm>
+            <a:off x="2772000" y="252000"/>
+            <a:ext cx="5040000" cy="720000"/>
+          </a:xfrm>
+          <a:solidFill>
+            <a:srgbClr val="C65806"/>
+          </a:solidFill>
+        </p:spPr>
+        <p:txBody>
+          <a:bodyPr>
+            <a:normAutofit fontScale="90000"/>
+          </a:bodyPr>
+          <a:lstStyle/>
+          <a:p>
+            <a:pPr algn="ctr"/>
+            <a:r>
+              <a:rPr lang="fr-FR" dirty="0" smtClean="0"/>
+              <a:t>Conception Back-end</a:t>
+            </a:r>
+            <a:endParaRPr lang="fr-FR" dirty="0"/>
+          </a:p>
+        </p:txBody>
+      </p:sp>
+      <p:sp>
+        <p:nvSpPr>
+          <p:cNvPr id="4" name="Espace réservé du pied de page 3"/>
+          <p:cNvSpPr>
+            <a:spLocks noGrp="1"/>
+          </p:cNvSpPr>
+          <p:nvPr>
+            <p:ph type="ftr" sz="quarter" idx="11"/>
+          </p:nvPr>
+        </p:nvSpPr>
+        <p:spPr>
+          <a:xfrm>
+            <a:off x="1043608" y="6381328"/>
+            <a:ext cx="8100392" cy="400472"/>
+          </a:xfrm>
+        </p:spPr>
+        <p:txBody>
+          <a:bodyPr/>
+          <a:lstStyle/>
+          <a:p>
+            <a:pPr algn="ctr"/>
+            <a:r>
+              <a:rPr lang="fr-FR" sz="1400" dirty="0" smtClean="0"/>
+              <a:t>Jacques LEMOINE –</a:t>
+            </a:r>
+            <a:r>
+              <a:rPr lang="fr-FR" sz="1400" dirty="0" err="1" smtClean="0"/>
+              <a:t>Arinfo</a:t>
+            </a:r>
+            <a:r>
+              <a:rPr lang="fr-FR" sz="1400" dirty="0" smtClean="0"/>
+              <a:t> – Promotion Novembre 2021 - Avril 2022</a:t>
+            </a:r>
+            <a:endParaRPr lang="fr-FR" sz="1400" dirty="0"/>
+          </a:p>
+        </p:txBody>
+      </p:sp>
+      <p:pic>
+        <p:nvPicPr>
+          <p:cNvPr id="7" name="image2.png"/>
+          <p:cNvPicPr/>
+          <p:nvPr/>
+        </p:nvPicPr>
+        <p:blipFill>
+          <a:blip r:embed="rId3" cstate="print"/>
+          <a:srcRect/>
+          <a:stretch>
+            <a:fillRect/>
+          </a:stretch>
+        </p:blipFill>
+        <p:spPr>
+          <a:xfrm>
+            <a:off x="8045746" y="171953"/>
+            <a:ext cx="952500" cy="866775"/>
+          </a:xfrm>
+          <a:prstGeom prst="rect">
+            <a:avLst/>
+          </a:prstGeom>
+          <a:ln/>
+        </p:spPr>
+      </p:pic>
+      <p:pic>
+        <p:nvPicPr>
+          <p:cNvPr id="8" name="Image 7" descr="P05-Capture.JPG"/>
+          <p:cNvPicPr>
+            <a:picLocks noChangeAspect="1"/>
+          </p:cNvPicPr>
+          <p:nvPr/>
+        </p:nvPicPr>
+        <p:blipFill>
+          <a:blip r:embed="rId4" cstate="print"/>
+          <a:stretch>
+            <a:fillRect/>
+          </a:stretch>
+        </p:blipFill>
+        <p:spPr>
+          <a:xfrm>
+            <a:off x="1619672" y="1628800"/>
+            <a:ext cx="6624736" cy="4537490"/>
+          </a:xfrm>
+          <a:prstGeom prst="rect">
+            <a:avLst/>
+          </a:prstGeom>
+        </p:spPr>
+      </p:pic>
+    </p:spTree>
+  </p:cSld>
+  <p:clrMapOvr>
+    <a:masterClrMapping/>
+  </p:clrMapOvr>
+  <p:timing>
+    <p:tnLst>
+      <p:par>
+        <p:cTn id="1" dur="indefinite" restart="never" nodeType="tmRoot"/>
+      </p:par>
+    </p:tnLst>
+  </p:timing>
+</p:sld>
+</file>
+
+<file path=ppt/slides/slide24.xml><?xml version="1.0" encoding="utf-8"?>
+<p:sld xmlns:a="http://schemas.openxmlformats.org/drawingml/2006/main" xmlns:r="http://schemas.openxmlformats.org/officeDocument/2006/relationships" xmlns:p="http://schemas.openxmlformats.org/presentationml/2006/main">
+  <p:cSld>
+    <p:spTree>
+      <p:nvGrpSpPr>
+        <p:cNvPr id="1" name=""/>
+        <p:cNvGrpSpPr/>
+        <p:nvPr/>
+      </p:nvGrpSpPr>
+      <p:grpSpPr>
+        <a:xfrm>
+          <a:off x="0" y="0"/>
+          <a:ext cx="0" cy="0"/>
+          <a:chOff x="0" y="0"/>
+          <a:chExt cx="0" cy="0"/>
+        </a:xfrm>
+      </p:grpSpPr>
+      <p:pic>
+        <p:nvPicPr>
+          <p:cNvPr id="5" name="Image 4" descr="logo_PaulGreen_2a.jpeg"/>
+          <p:cNvPicPr/>
+          <p:nvPr/>
+        </p:nvPicPr>
+        <p:blipFill>
+          <a:blip r:embed="rId2" cstate="print"/>
+          <a:stretch>
+            <a:fillRect/>
+          </a:stretch>
+        </p:blipFill>
+        <p:spPr>
+          <a:xfrm>
+            <a:off x="1000100" y="0"/>
+            <a:ext cx="1643074" cy="1643074"/>
+          </a:xfrm>
+          <a:prstGeom prst="rect">
+            <a:avLst/>
+          </a:prstGeom>
+        </p:spPr>
+      </p:pic>
+      <p:sp>
+        <p:nvSpPr>
+          <p:cNvPr id="2" name="Titre 1"/>
+          <p:cNvSpPr>
+            <a:spLocks noGrp="1"/>
+          </p:cNvSpPr>
+          <p:nvPr>
+            <p:ph type="title"/>
+          </p:nvPr>
+        </p:nvSpPr>
+        <p:spPr>
+          <a:xfrm>
+            <a:off x="2772000" y="252000"/>
+            <a:ext cx="5040000" cy="720000"/>
+          </a:xfrm>
+          <a:solidFill>
+            <a:srgbClr val="C65806"/>
+          </a:solidFill>
+        </p:spPr>
+        <p:txBody>
+          <a:bodyPr>
+            <a:normAutofit fontScale="90000"/>
+          </a:bodyPr>
+          <a:lstStyle/>
+          <a:p>
+            <a:pPr algn="ctr"/>
+            <a:r>
+              <a:rPr lang="fr-FR" dirty="0" smtClean="0"/>
+              <a:t>Présentation Interface</a:t>
+            </a:r>
+            <a:endParaRPr lang="fr-FR" dirty="0"/>
+          </a:p>
+        </p:txBody>
+      </p:sp>
+      <p:sp>
+        <p:nvSpPr>
+          <p:cNvPr id="4" name="Espace réservé du pied de page 3"/>
+          <p:cNvSpPr>
+            <a:spLocks noGrp="1"/>
+          </p:cNvSpPr>
+          <p:nvPr>
+            <p:ph type="ftr" sz="quarter" idx="11"/>
+          </p:nvPr>
+        </p:nvSpPr>
+        <p:spPr>
+          <a:xfrm>
+            <a:off x="1043608" y="6381328"/>
+            <a:ext cx="8100392" cy="400472"/>
+          </a:xfrm>
+        </p:spPr>
+        <p:txBody>
+          <a:bodyPr/>
+          <a:lstStyle/>
+          <a:p>
+            <a:pPr algn="ctr"/>
+            <a:r>
+              <a:rPr lang="fr-FR" sz="1400" dirty="0" smtClean="0"/>
+              <a:t>Jacques LEMOINE –</a:t>
+            </a:r>
+            <a:r>
+              <a:rPr lang="fr-FR" sz="1400" dirty="0" err="1" smtClean="0"/>
+              <a:t>Arinfo</a:t>
+            </a:r>
+            <a:r>
+              <a:rPr lang="fr-FR" sz="1400" dirty="0" smtClean="0"/>
+              <a:t> – Promotion Novembre 2021 - Avril 2022</a:t>
+            </a:r>
+            <a:endParaRPr lang="fr-FR" sz="1400" dirty="0"/>
+          </a:p>
+        </p:txBody>
+      </p:sp>
+      <p:pic>
+        <p:nvPicPr>
+          <p:cNvPr id="7" name="image2.png"/>
+          <p:cNvPicPr/>
+          <p:nvPr/>
+        </p:nvPicPr>
+        <p:blipFill>
+          <a:blip r:embed="rId3" cstate="print"/>
+          <a:srcRect/>
+          <a:stretch>
+            <a:fillRect/>
+          </a:stretch>
+        </p:blipFill>
+        <p:spPr>
+          <a:xfrm>
+            <a:off x="8045746" y="171953"/>
+            <a:ext cx="952500" cy="866775"/>
+          </a:xfrm>
+          <a:prstGeom prst="rect">
+            <a:avLst/>
+          </a:prstGeom>
+          <a:ln/>
+        </p:spPr>
+      </p:pic>
+      <p:pic>
+        <p:nvPicPr>
+          <p:cNvPr id="9" name="Image 8" descr="P06-Capture.JPG"/>
+          <p:cNvPicPr>
+            <a:picLocks noChangeAspect="1"/>
+          </p:cNvPicPr>
+          <p:nvPr/>
+        </p:nvPicPr>
+        <p:blipFill>
+          <a:blip r:embed="rId4" cstate="print"/>
+          <a:stretch>
+            <a:fillRect/>
+          </a:stretch>
+        </p:blipFill>
+        <p:spPr>
+          <a:xfrm>
+            <a:off x="0" y="1556792"/>
+            <a:ext cx="9144000" cy="4131431"/>
+          </a:xfrm>
+          <a:prstGeom prst="rect">
+            <a:avLst/>
+          </a:prstGeom>
+        </p:spPr>
+      </p:pic>
+    </p:spTree>
+  </p:cSld>
+  <p:clrMapOvr>
+    <a:masterClrMapping/>
+  </p:clrMapOvr>
+  <p:timing>
+    <p:tnLst>
+      <p:par>
+        <p:cTn id="1" dur="indefinite" restart="never" nodeType="tmRoot"/>
+      </p:par>
+    </p:tnLst>
+  </p:timing>
+</p:sld>
+</file>
+
+<file path=ppt/slides/slide25.xml><?xml version="1.0" encoding="utf-8"?>
+<p:sld xmlns:a="http://schemas.openxmlformats.org/drawingml/2006/main" xmlns:r="http://schemas.openxmlformats.org/officeDocument/2006/relationships" xmlns:p="http://schemas.openxmlformats.org/presentationml/2006/main">
+  <p:cSld>
+    <p:spTree>
+      <p:nvGrpSpPr>
+        <p:cNvPr id="1" name=""/>
+        <p:cNvGrpSpPr/>
+        <p:nvPr/>
+      </p:nvGrpSpPr>
+      <p:grpSpPr>
+        <a:xfrm>
+          <a:off x="0" y="0"/>
+          <a:ext cx="0" cy="0"/>
+          <a:chOff x="0" y="0"/>
+          <a:chExt cx="0" cy="0"/>
+        </a:xfrm>
+      </p:grpSpPr>
+      <p:pic>
+        <p:nvPicPr>
+          <p:cNvPr id="5" name="Image 4" descr="logo_PaulGreen_2a.jpeg"/>
+          <p:cNvPicPr/>
+          <p:nvPr/>
+        </p:nvPicPr>
+        <p:blipFill>
+          <a:blip r:embed="rId2" cstate="print"/>
+          <a:stretch>
+            <a:fillRect/>
+          </a:stretch>
+        </p:blipFill>
+        <p:spPr>
+          <a:xfrm>
+            <a:off x="1000100" y="0"/>
+            <a:ext cx="1643074" cy="1643074"/>
+          </a:xfrm>
+          <a:prstGeom prst="rect">
+            <a:avLst/>
+          </a:prstGeom>
+        </p:spPr>
+      </p:pic>
+      <p:sp>
+        <p:nvSpPr>
+          <p:cNvPr id="2" name="Titre 1"/>
+          <p:cNvSpPr>
+            <a:spLocks noGrp="1"/>
+          </p:cNvSpPr>
+          <p:nvPr>
+            <p:ph type="title"/>
+          </p:nvPr>
+        </p:nvSpPr>
+        <p:spPr>
+          <a:xfrm>
+            <a:off x="2772000" y="252000"/>
+            <a:ext cx="5040000" cy="720000"/>
+          </a:xfrm>
+          <a:solidFill>
+            <a:srgbClr val="C65806"/>
+          </a:solidFill>
+        </p:spPr>
+        <p:txBody>
+          <a:bodyPr>
+            <a:normAutofit fontScale="90000"/>
+          </a:bodyPr>
+          <a:lstStyle/>
+          <a:p>
+            <a:pPr algn="ctr"/>
+            <a:r>
+              <a:rPr lang="fr-FR" dirty="0" smtClean="0"/>
+              <a:t>Présentation Interface</a:t>
+            </a:r>
+            <a:endParaRPr lang="fr-FR" dirty="0"/>
+          </a:p>
+        </p:txBody>
+      </p:sp>
+      <p:sp>
+        <p:nvSpPr>
+          <p:cNvPr id="4" name="Espace réservé du pied de page 3"/>
+          <p:cNvSpPr>
+            <a:spLocks noGrp="1"/>
+          </p:cNvSpPr>
+          <p:nvPr>
+            <p:ph type="ftr" sz="quarter" idx="11"/>
+          </p:nvPr>
+        </p:nvSpPr>
+        <p:spPr>
+          <a:xfrm>
+            <a:off x="1043608" y="6381328"/>
+            <a:ext cx="8100392" cy="400472"/>
+          </a:xfrm>
+        </p:spPr>
+        <p:txBody>
+          <a:bodyPr/>
+          <a:lstStyle/>
+          <a:p>
+            <a:pPr algn="ctr"/>
+            <a:r>
+              <a:rPr lang="fr-FR" sz="1400" dirty="0" smtClean="0"/>
+              <a:t>Jacques LEMOINE –</a:t>
+            </a:r>
+            <a:r>
+              <a:rPr lang="fr-FR" sz="1400" dirty="0" err="1" smtClean="0"/>
+              <a:t>Arinfo</a:t>
+            </a:r>
+            <a:r>
+              <a:rPr lang="fr-FR" sz="1400" dirty="0" smtClean="0"/>
+              <a:t> – Promotion Novembre 2021 - Avril 2022</a:t>
+            </a:r>
+            <a:endParaRPr lang="fr-FR" sz="1400" dirty="0"/>
+          </a:p>
+        </p:txBody>
+      </p:sp>
+      <p:pic>
+        <p:nvPicPr>
+          <p:cNvPr id="7" name="image2.png"/>
+          <p:cNvPicPr/>
+          <p:nvPr/>
+        </p:nvPicPr>
+        <p:blipFill>
+          <a:blip r:embed="rId3" cstate="print"/>
+          <a:srcRect/>
+          <a:stretch>
+            <a:fillRect/>
+          </a:stretch>
+        </p:blipFill>
+        <p:spPr>
+          <a:xfrm>
+            <a:off x="8045746" y="171953"/>
+            <a:ext cx="952500" cy="866775"/>
+          </a:xfrm>
+          <a:prstGeom prst="rect">
+            <a:avLst/>
+          </a:prstGeom>
+          <a:ln/>
+        </p:spPr>
+      </p:pic>
+      <p:pic>
+        <p:nvPicPr>
+          <p:cNvPr id="8" name="Image 7" descr="P07-Capture.JPG"/>
+          <p:cNvPicPr>
+            <a:picLocks noChangeAspect="1"/>
+          </p:cNvPicPr>
+          <p:nvPr/>
+        </p:nvPicPr>
+        <p:blipFill>
+          <a:blip r:embed="rId4" cstate="print"/>
+          <a:stretch>
+            <a:fillRect/>
+          </a:stretch>
+        </p:blipFill>
+        <p:spPr>
+          <a:xfrm>
+            <a:off x="1259632" y="1412776"/>
+            <a:ext cx="7200800" cy="5025352"/>
+          </a:xfrm>
+          <a:prstGeom prst="rect">
+            <a:avLst/>
+          </a:prstGeom>
+        </p:spPr>
+      </p:pic>
+    </p:spTree>
+  </p:cSld>
+  <p:clrMapOvr>
+    <a:masterClrMapping/>
+  </p:clrMapOvr>
+  <p:timing>
+    <p:tnLst>
+      <p:par>
+        <p:cTn id="1" dur="indefinite" restart="never" nodeType="tmRoot"/>
+      </p:par>
+    </p:tnLst>
+  </p:timing>
+</p:sld>
+</file>
+
+<file path=ppt/slides/slide26.xml><?xml version="1.0" encoding="utf-8"?>
+<p:sld xmlns:a="http://schemas.openxmlformats.org/drawingml/2006/main" xmlns:r="http://schemas.openxmlformats.org/officeDocument/2006/relationships" xmlns:p="http://schemas.openxmlformats.org/presentationml/2006/main">
+  <p:cSld>
+    <p:spTree>
+      <p:nvGrpSpPr>
+        <p:cNvPr id="1" name=""/>
+        <p:cNvGrpSpPr/>
+        <p:nvPr/>
+      </p:nvGrpSpPr>
+      <p:grpSpPr>
+        <a:xfrm>
+          <a:off x="0" y="0"/>
+          <a:ext cx="0" cy="0"/>
+          <a:chOff x="0" y="0"/>
+          <a:chExt cx="0" cy="0"/>
+        </a:xfrm>
+      </p:grpSpPr>
+      <p:sp>
+        <p:nvSpPr>
+          <p:cNvPr id="2" name="Titre 1"/>
+          <p:cNvSpPr>
+            <a:spLocks noGrp="1"/>
+          </p:cNvSpPr>
+          <p:nvPr>
+            <p:ph type="title"/>
+          </p:nvPr>
+        </p:nvSpPr>
+        <p:spPr>
+          <a:xfrm>
+            <a:off x="2772000" y="252000"/>
+            <a:ext cx="5040000" cy="720000"/>
+          </a:xfrm>
+          <a:solidFill>
+            <a:srgbClr val="C65806"/>
+          </a:solidFill>
+        </p:spPr>
+        <p:txBody>
+          <a:bodyPr>
+            <a:normAutofit fontScale="90000"/>
+          </a:bodyPr>
+          <a:lstStyle/>
+          <a:p>
+            <a:pPr algn="ctr"/>
+            <a:r>
+              <a:rPr lang="fr-FR" dirty="0" smtClean="0"/>
+              <a:t>Synthèse et Conclusion</a:t>
+            </a:r>
+            <a:endParaRPr lang="fr-FR" dirty="0"/>
+          </a:p>
+        </p:txBody>
+      </p:sp>
+      <p:sp>
+        <p:nvSpPr>
+          <p:cNvPr id="4" name="Espace réservé du pied de page 3"/>
+          <p:cNvSpPr>
+            <a:spLocks noGrp="1"/>
+          </p:cNvSpPr>
+          <p:nvPr>
+            <p:ph type="ftr" sz="quarter" idx="11"/>
+          </p:nvPr>
+        </p:nvSpPr>
+        <p:spPr>
+          <a:xfrm>
+            <a:off x="1928794" y="6305550"/>
+            <a:ext cx="6681806" cy="476250"/>
+          </a:xfrm>
+        </p:spPr>
+        <p:txBody>
+          <a:bodyPr/>
+          <a:lstStyle/>
+          <a:p>
+            <a:r>
+              <a:rPr lang="fr-FR" sz="1400" dirty="0" smtClean="0"/>
+              <a:t>Jacques LEMOINE –</a:t>
+            </a:r>
+            <a:r>
+              <a:rPr lang="fr-FR" sz="1400" dirty="0" err="1" smtClean="0"/>
+              <a:t>Arinfo</a:t>
+            </a:r>
+            <a:r>
+              <a:rPr lang="fr-FR" sz="1400" dirty="0" smtClean="0"/>
+              <a:t> – Promotion Novembre 2021 - Avril 2022</a:t>
+            </a:r>
+            <a:endParaRPr lang="fr-FR" sz="1400" dirty="0"/>
+          </a:p>
+        </p:txBody>
+      </p:sp>
+      <p:pic>
+        <p:nvPicPr>
+          <p:cNvPr id="5" name="Image 4" descr="logo_PaulGreen_2a.jpeg"/>
+          <p:cNvPicPr/>
+          <p:nvPr/>
+        </p:nvPicPr>
+        <p:blipFill>
+          <a:blip r:embed="rId2" cstate="print"/>
+          <a:stretch>
+            <a:fillRect/>
+          </a:stretch>
+        </p:blipFill>
+        <p:spPr>
+          <a:xfrm>
+            <a:off x="1000100" y="0"/>
+            <a:ext cx="1643074" cy="1643074"/>
+          </a:xfrm>
+          <a:prstGeom prst="rect">
+            <a:avLst/>
+          </a:prstGeom>
+        </p:spPr>
+      </p:pic>
+      <p:pic>
+        <p:nvPicPr>
+          <p:cNvPr id="7" name="image2.png"/>
+          <p:cNvPicPr/>
+          <p:nvPr/>
+        </p:nvPicPr>
+        <p:blipFill>
+          <a:blip r:embed="rId3" cstate="print"/>
+          <a:srcRect/>
+          <a:stretch>
+            <a:fillRect/>
+          </a:stretch>
+        </p:blipFill>
+        <p:spPr>
+          <a:xfrm>
+            <a:off x="7956376" y="188640"/>
+            <a:ext cx="952500" cy="866775"/>
+          </a:xfrm>
+          <a:prstGeom prst="rect">
+            <a:avLst/>
+          </a:prstGeom>
+          <a:ln/>
+        </p:spPr>
+      </p:pic>
+      <p:pic>
+        <p:nvPicPr>
+          <p:cNvPr id="1026" name="Picture 2" descr="recruter-developpeur-web-alternance - Alternance Professionnelle"/>
+          <p:cNvPicPr>
+            <a:picLocks noChangeAspect="1" noChangeArrowheads="1"/>
+          </p:cNvPicPr>
+          <p:nvPr/>
+        </p:nvPicPr>
+        <p:blipFill>
+          <a:blip r:embed="rId4" cstate="print"/>
+          <a:srcRect/>
+          <a:stretch>
+            <a:fillRect/>
+          </a:stretch>
+        </p:blipFill>
+        <p:spPr bwMode="auto">
+          <a:xfrm>
+            <a:off x="6804248" y="4365104"/>
+            <a:ext cx="2000232" cy="2072530"/>
+          </a:xfrm>
+          <a:prstGeom prst="rect">
+            <a:avLst/>
+          </a:prstGeom>
+          <a:noFill/>
+        </p:spPr>
+      </p:pic>
+      <p:sp>
+        <p:nvSpPr>
+          <p:cNvPr id="1027" name="Rectangle 3"/>
+          <p:cNvSpPr>
+            <a:spLocks noChangeArrowheads="1"/>
+          </p:cNvSpPr>
+          <p:nvPr/>
+        </p:nvSpPr>
+        <p:spPr bwMode="auto">
+          <a:xfrm>
+            <a:off x="1428728" y="1244071"/>
+            <a:ext cx="7500990" cy="3416320"/>
+          </a:xfrm>
+          <a:prstGeom prst="rect">
+            <a:avLst/>
+          </a:prstGeom>
+          <a:noFill/>
+          <a:ln w="9525">
+            <a:noFill/>
+            <a:miter lim="800000"/>
+            <a:headEnd/>
+            <a:tailEnd/>
+          </a:ln>
+          <a:effectLst/>
+        </p:spPr>
+        <p:txBody>
+          <a:bodyPr vert="horz" wrap="square" lIns="91440" tIns="45720" rIns="91440" bIns="45720" numCol="1" anchor="ctr" anchorCtr="0" compatLnSpc="1">
+            <a:prstTxWarp prst="textNoShape">
+              <a:avLst/>
+            </a:prstTxWarp>
+            <a:spAutoFit/>
+          </a:bodyPr>
+          <a:lstStyle/>
+          <a:p>
+            <a:pPr marL="0" marR="0" lvl="0" indent="0" algn="just" defTabSz="914400" rtl="0" eaLnBrk="1" fontAlgn="base" latinLnBrk="0" hangingPunct="1">
+              <a:lnSpc>
+                <a:spcPct val="100000"/>
+              </a:lnSpc>
+              <a:spcBef>
+                <a:spcPct val="0"/>
+              </a:spcBef>
+              <a:spcAft>
+                <a:spcPct val="0"/>
+              </a:spcAft>
+              <a:buClrTx/>
+              <a:buSzTx/>
+              <a:buFontTx/>
+              <a:buNone/>
+              <a:tabLst/>
+            </a:pPr>
+            <a:r>
+              <a:rPr kumimoji="0" lang="fr-FR" b="0" i="0" u="none" strike="noStrike" cap="none" normalizeH="0" baseline="0" dirty="0" smtClean="0">
+                <a:ln>
+                  <a:noFill/>
+                </a:ln>
+                <a:solidFill>
+                  <a:srgbClr val="000000"/>
+                </a:solidFill>
+                <a:effectLst/>
+                <a:latin typeface="+mj-lt"/>
+                <a:ea typeface="Calibri" pitchFamily="34" charset="0"/>
+                <a:cs typeface="Arial" pitchFamily="34" charset="0"/>
+              </a:rPr>
+              <a:t>Ce projet a été pour moi une expérience enrichissante</a:t>
+            </a:r>
+            <a:endParaRPr kumimoji="0" lang="fr-FR" b="0" i="0" u="none" strike="noStrike" cap="none" normalizeH="0" baseline="0" dirty="0" smtClean="0">
+              <a:ln>
+                <a:noFill/>
+              </a:ln>
+              <a:solidFill>
+                <a:schemeClr val="tx1"/>
+              </a:solidFill>
+              <a:effectLst/>
+              <a:latin typeface="+mj-lt"/>
+              <a:cs typeface="Arial" pitchFamily="34" charset="0"/>
+            </a:endParaRPr>
+          </a:p>
+          <a:p>
+            <a:pPr marL="0" marR="0" lvl="0" indent="0" algn="just" defTabSz="914400" rtl="0" eaLnBrk="0" fontAlgn="base" latinLnBrk="0" hangingPunct="0">
+              <a:lnSpc>
+                <a:spcPct val="100000"/>
+              </a:lnSpc>
+              <a:spcBef>
+                <a:spcPct val="0"/>
+              </a:spcBef>
+              <a:spcAft>
+                <a:spcPct val="0"/>
+              </a:spcAft>
+              <a:buClrTx/>
+              <a:buSzTx/>
+              <a:buFontTx/>
+              <a:buNone/>
+              <a:tabLst/>
+            </a:pPr>
+            <a:r>
+              <a:rPr kumimoji="0" lang="fr-FR" b="0" i="0" u="none" strike="noStrike" cap="none" normalizeH="0" baseline="0" dirty="0" smtClean="0">
+                <a:ln>
+                  <a:noFill/>
+                </a:ln>
+                <a:solidFill>
+                  <a:schemeClr val="tx1"/>
+                </a:solidFill>
+                <a:effectLst/>
+                <a:latin typeface="+mj-lt"/>
+                <a:ea typeface="Calibri" pitchFamily="34" charset="0"/>
+                <a:cs typeface="Arial" pitchFamily="34" charset="0"/>
+              </a:rPr>
+              <a:t>Il </a:t>
+            </a:r>
+            <a:r>
+              <a:rPr kumimoji="0" lang="fr-FR" b="0" i="0" u="none" strike="noStrike" cap="none" normalizeH="0" baseline="0" dirty="0" smtClean="0">
+                <a:ln>
+                  <a:noFill/>
+                </a:ln>
+                <a:solidFill>
+                  <a:srgbClr val="000000"/>
+                </a:solidFill>
+                <a:effectLst/>
+                <a:latin typeface="+mj-lt"/>
+                <a:ea typeface="Calibri" pitchFamily="34" charset="0"/>
+                <a:cs typeface="Arial" pitchFamily="34" charset="0"/>
+              </a:rPr>
+              <a:t>m’a permis </a:t>
+            </a:r>
+            <a:r>
+              <a:rPr lang="fr-FR" dirty="0" smtClean="0">
+                <a:solidFill>
+                  <a:srgbClr val="000000"/>
+                </a:solidFill>
+                <a:latin typeface="+mj-lt"/>
+                <a:ea typeface="Calibri" pitchFamily="34" charset="0"/>
+                <a:cs typeface="Arial" pitchFamily="34" charset="0"/>
+              </a:rPr>
+              <a:t>d</a:t>
+            </a:r>
+            <a:r>
+              <a:rPr kumimoji="0" lang="fr-FR" b="0" i="0" u="none" strike="noStrike" cap="none" normalizeH="0" baseline="0" dirty="0" smtClean="0">
+                <a:ln>
+                  <a:noFill/>
+                </a:ln>
+                <a:solidFill>
+                  <a:schemeClr val="tx1"/>
+                </a:solidFill>
+                <a:effectLst/>
+                <a:latin typeface="+mj-lt"/>
+                <a:ea typeface="Calibri" pitchFamily="34" charset="0"/>
+                <a:cs typeface="Arial" pitchFamily="34" charset="0"/>
+              </a:rPr>
+              <a:t>’appliquer d’une façon concrète les connaissances théoriques et pratiques de la formation à la réalisation d’un site réel dans sa globalité, de   maîtriser chaque étape de production</a:t>
+            </a:r>
+            <a:r>
+              <a:rPr kumimoji="0" lang="fr-FR" b="0" i="0" u="none" strike="noStrike" cap="none" normalizeH="0" dirty="0" smtClean="0">
+                <a:ln>
+                  <a:noFill/>
+                </a:ln>
+                <a:solidFill>
+                  <a:schemeClr val="tx1"/>
+                </a:solidFill>
+                <a:effectLst/>
+                <a:latin typeface="+mj-lt"/>
+                <a:ea typeface="Calibri" pitchFamily="34" charset="0"/>
+                <a:cs typeface="Arial" pitchFamily="34" charset="0"/>
+              </a:rPr>
+              <a:t> et de mieux appréhender les métiers du web et surtout celui de développeur web et web mobile.</a:t>
+            </a:r>
+            <a:endParaRPr kumimoji="0" lang="fr-FR" b="0" i="0" u="none" strike="noStrike" cap="none" normalizeH="0" baseline="0" dirty="0" smtClean="0">
+              <a:ln>
+                <a:noFill/>
+              </a:ln>
+              <a:solidFill>
+                <a:schemeClr val="tx1"/>
+              </a:solidFill>
+              <a:effectLst/>
+              <a:latin typeface="+mj-lt"/>
+              <a:cs typeface="Arial" pitchFamily="34" charset="0"/>
+            </a:endParaRPr>
+          </a:p>
+          <a:p>
+            <a:pPr marL="0" marR="0" lvl="0" indent="0" algn="just" defTabSz="914400" rtl="0" eaLnBrk="0" fontAlgn="base" latinLnBrk="0" hangingPunct="0">
+              <a:lnSpc>
+                <a:spcPct val="100000"/>
+              </a:lnSpc>
+              <a:spcBef>
+                <a:spcPct val="0"/>
+              </a:spcBef>
+              <a:spcAft>
+                <a:spcPct val="0"/>
+              </a:spcAft>
+              <a:buClrTx/>
+              <a:buSzTx/>
+              <a:buFontTx/>
+              <a:buNone/>
+              <a:tabLst/>
+            </a:pPr>
+            <a:r>
+              <a:rPr kumimoji="0" lang="fr-FR" b="0" i="0" u="none" strike="noStrike" cap="none" normalizeH="0" baseline="0" dirty="0" smtClean="0">
+                <a:ln>
+                  <a:noFill/>
+                </a:ln>
+                <a:solidFill>
+                  <a:schemeClr val="tx1"/>
+                </a:solidFill>
+                <a:effectLst/>
+                <a:latin typeface="+mj-lt"/>
+                <a:ea typeface="Calibri" pitchFamily="34" charset="0"/>
+                <a:cs typeface="Arial" pitchFamily="34" charset="0"/>
+              </a:rPr>
+              <a:t>J’ai pris conscience des difficultés et des contraintes de la conception d’un site  et j'ai pris un réel plaisir à rechercher des solutions et des améliorations nécessaires. J’ai aussi appris qu’il faut faire preuve de  flexibilité afin de s’adapter à toutes les demandes des clients</a:t>
+            </a:r>
+            <a:r>
+              <a:rPr kumimoji="0" lang="fr-FR" b="0" i="0" u="none" strike="noStrike" cap="none" normalizeH="0" dirty="0" smtClean="0">
+                <a:ln>
+                  <a:noFill/>
+                </a:ln>
+                <a:solidFill>
+                  <a:schemeClr val="tx1"/>
+                </a:solidFill>
+                <a:effectLst/>
+                <a:latin typeface="+mj-lt"/>
+                <a:ea typeface="Calibri" pitchFamily="34" charset="0"/>
+                <a:cs typeface="Arial" pitchFamily="34" charset="0"/>
+              </a:rPr>
+              <a:t> </a:t>
+            </a:r>
+            <a:r>
+              <a:rPr kumimoji="0" lang="fr-FR" b="0" i="0" u="none" strike="noStrike" cap="none" normalizeH="0" baseline="0" dirty="0" smtClean="0">
+                <a:ln>
+                  <a:noFill/>
+                </a:ln>
+                <a:solidFill>
+                  <a:schemeClr val="tx1"/>
+                </a:solidFill>
+                <a:effectLst/>
+                <a:latin typeface="+mj-lt"/>
+                <a:ea typeface="Calibri" pitchFamily="34" charset="0"/>
+                <a:cs typeface="Arial" pitchFamily="34" charset="0"/>
+              </a:rPr>
+              <a:t>pour satisfaire à ses exigences.</a:t>
+            </a:r>
+          </a:p>
+          <a:p>
+            <a:pPr marL="0" marR="0" lvl="0" indent="0" algn="just" defTabSz="914400" rtl="0" eaLnBrk="0" fontAlgn="base" latinLnBrk="0" hangingPunct="0">
+              <a:lnSpc>
+                <a:spcPct val="100000"/>
+              </a:lnSpc>
+              <a:spcBef>
+                <a:spcPct val="0"/>
+              </a:spcBef>
+              <a:spcAft>
+                <a:spcPct val="0"/>
+              </a:spcAft>
+              <a:buClrTx/>
+              <a:buSzTx/>
+              <a:buFontTx/>
+              <a:buNone/>
+              <a:tabLst/>
+            </a:pPr>
+            <a:r>
+              <a:rPr kumimoji="0" lang="fr-FR" b="0" i="0" u="none" strike="noStrike" cap="none" normalizeH="0" baseline="0" dirty="0" smtClean="0">
+                <a:ln>
+                  <a:noFill/>
+                </a:ln>
+                <a:solidFill>
+                  <a:schemeClr val="tx1"/>
+                </a:solidFill>
+                <a:effectLst/>
+                <a:latin typeface="+mj-lt"/>
+                <a:cs typeface="Arial" pitchFamily="34" charset="0"/>
+              </a:rPr>
+              <a:t>Il</a:t>
+            </a:r>
+            <a:r>
+              <a:rPr kumimoji="0" lang="fr-FR" b="0" i="0" u="none" strike="noStrike" cap="none" normalizeH="0" dirty="0" smtClean="0">
+                <a:ln>
+                  <a:noFill/>
+                </a:ln>
+                <a:solidFill>
+                  <a:schemeClr val="tx1"/>
+                </a:solidFill>
+                <a:effectLst/>
+                <a:latin typeface="+mj-lt"/>
+                <a:cs typeface="Arial" pitchFamily="34" charset="0"/>
+              </a:rPr>
+              <a:t> a fallu faire face à quelques difficultés comme la collecte des données auprès des étudiants peu disponibles et pas assez précis sur leur demande et un contenu très dense.</a:t>
+            </a:r>
+            <a:endParaRPr kumimoji="0" lang="fr-FR" b="0" i="0" u="none" strike="noStrike" cap="none" normalizeH="0" baseline="0" dirty="0" smtClean="0">
+              <a:ln>
+                <a:noFill/>
+              </a:ln>
+              <a:solidFill>
+                <a:schemeClr val="tx1"/>
+              </a:solidFill>
+              <a:effectLst/>
+              <a:latin typeface="Arial" pitchFamily="34" charset="0"/>
+              <a:cs typeface="Arial" pitchFamily="34" charset="0"/>
+            </a:endParaRPr>
+          </a:p>
+        </p:txBody>
+      </p:sp>
+      <p:sp>
+        <p:nvSpPr>
+          <p:cNvPr id="1028" name="Rectangle 4"/>
+          <p:cNvSpPr>
+            <a:spLocks noChangeArrowheads="1"/>
+          </p:cNvSpPr>
+          <p:nvPr/>
+        </p:nvSpPr>
+        <p:spPr bwMode="auto">
+          <a:xfrm>
+            <a:off x="1475656" y="4725144"/>
+            <a:ext cx="5000660" cy="1477328"/>
+          </a:xfrm>
+          <a:prstGeom prst="rect">
+            <a:avLst/>
+          </a:prstGeom>
+          <a:noFill/>
+          <a:ln w="9525">
+            <a:noFill/>
+            <a:miter lim="800000"/>
+            <a:headEnd/>
+            <a:tailEnd/>
+          </a:ln>
+          <a:effectLst/>
+        </p:spPr>
+        <p:txBody>
+          <a:bodyPr vert="horz" wrap="square" lIns="91440" tIns="45720" rIns="91440" bIns="45720" numCol="1" anchor="ctr" anchorCtr="0" compatLnSpc="1">
+            <a:prstTxWarp prst="textNoShape">
+              <a:avLst/>
+            </a:prstTxWarp>
+            <a:spAutoFit/>
+          </a:bodyPr>
+          <a:lstStyle/>
+          <a:p>
+            <a:pPr marL="0" marR="0" lvl="0" indent="0" algn="just" defTabSz="914400" rtl="0" eaLnBrk="1" fontAlgn="base" latinLnBrk="0" hangingPunct="1">
+              <a:lnSpc>
+                <a:spcPct val="100000"/>
+              </a:lnSpc>
+              <a:spcBef>
+                <a:spcPct val="0"/>
+              </a:spcBef>
+              <a:spcAft>
+                <a:spcPct val="0"/>
+              </a:spcAft>
+              <a:buClrTx/>
+              <a:buSzTx/>
+              <a:buFontTx/>
+              <a:buNone/>
+              <a:tabLst/>
+            </a:pPr>
+            <a:r>
+              <a:rPr kumimoji="0" lang="fr-FR" b="0" i="0" u="none" strike="noStrike" cap="none" normalizeH="0" baseline="0" dirty="0" smtClean="0">
+                <a:ln>
+                  <a:noFill/>
+                </a:ln>
+                <a:solidFill>
+                  <a:srgbClr val="000000"/>
+                </a:solidFill>
+                <a:effectLst/>
+                <a:ea typeface="Calibri" pitchFamily="34" charset="0"/>
+                <a:cs typeface="Arial" pitchFamily="34" charset="0"/>
+              </a:rPr>
+              <a:t>Le  site est opérationnel mais va </a:t>
+            </a:r>
+            <a:r>
+              <a:rPr kumimoji="0" lang="fr-FR" b="0" i="0" u="none" strike="noStrike" cap="none" normalizeH="0" baseline="0" dirty="0" smtClean="0">
+                <a:ln>
+                  <a:noFill/>
+                </a:ln>
+                <a:solidFill>
+                  <a:schemeClr val="tx1"/>
+                </a:solidFill>
+                <a:effectLst/>
+                <a:ea typeface="Calibri" pitchFamily="34" charset="0"/>
+                <a:cs typeface="Arial" pitchFamily="34" charset="0"/>
+              </a:rPr>
+              <a:t>continuer à évoluer vers une livraison définitive</a:t>
+            </a:r>
+            <a:r>
+              <a:rPr kumimoji="0" lang="fr-FR" b="0" i="0" u="none" strike="noStrike" cap="none" normalizeH="0" dirty="0" smtClean="0">
+                <a:ln>
+                  <a:noFill/>
+                </a:ln>
+                <a:solidFill>
+                  <a:schemeClr val="tx1"/>
+                </a:solidFill>
+                <a:effectLst/>
+                <a:ea typeface="Calibri" pitchFamily="34" charset="0"/>
+                <a:cs typeface="Arial" pitchFamily="34" charset="0"/>
+              </a:rPr>
+              <a:t> après la formation. J</a:t>
+            </a:r>
+            <a:r>
+              <a:rPr kumimoji="0" lang="fr-FR" b="0" i="0" u="none" strike="noStrike" cap="none" normalizeH="0" baseline="0" dirty="0" smtClean="0">
+                <a:ln>
+                  <a:noFill/>
+                </a:ln>
+                <a:solidFill>
+                  <a:schemeClr val="tx1"/>
+                </a:solidFill>
+                <a:effectLst/>
+                <a:ea typeface="Calibri" pitchFamily="34" charset="0"/>
+                <a:cs typeface="Arial" pitchFamily="34" charset="0"/>
+              </a:rPr>
+              <a:t>e me suis</a:t>
+            </a:r>
+            <a:r>
+              <a:rPr kumimoji="0" lang="fr-FR" b="0" i="0" u="none" strike="noStrike" cap="none" normalizeH="0" baseline="0" dirty="0" smtClean="0">
+                <a:ln>
+                  <a:noFill/>
+                </a:ln>
+                <a:solidFill>
+                  <a:srgbClr val="000000"/>
+                </a:solidFill>
+                <a:effectLst/>
+                <a:ea typeface="Calibri" pitchFamily="34" charset="0"/>
+                <a:cs typeface="Arial" pitchFamily="34" charset="0"/>
+              </a:rPr>
+              <a:t> engagé auprès</a:t>
+            </a:r>
+            <a:r>
+              <a:rPr kumimoji="0" lang="fr-FR" b="0" i="0" u="none" strike="noStrike" cap="none" normalizeH="0" dirty="0" smtClean="0">
+                <a:ln>
+                  <a:noFill/>
+                </a:ln>
+                <a:solidFill>
+                  <a:srgbClr val="000000"/>
+                </a:solidFill>
+                <a:effectLst/>
+                <a:ea typeface="Calibri" pitchFamily="34" charset="0"/>
+                <a:cs typeface="Arial" pitchFamily="34" charset="0"/>
+              </a:rPr>
+              <a:t> de l’association à </a:t>
+            </a:r>
+            <a:r>
+              <a:rPr kumimoji="0" lang="fr-FR" b="0" i="0" u="none" strike="noStrike" cap="none" normalizeH="0" baseline="0" dirty="0" smtClean="0">
+                <a:ln>
+                  <a:noFill/>
+                </a:ln>
+                <a:solidFill>
+                  <a:srgbClr val="000000"/>
+                </a:solidFill>
+                <a:effectLst/>
+                <a:ea typeface="Calibri" pitchFamily="34" charset="0"/>
+                <a:cs typeface="Arial" pitchFamily="34" charset="0"/>
+              </a:rPr>
+              <a:t>leur apporter </a:t>
+            </a:r>
+            <a:r>
+              <a:rPr kumimoji="0" lang="fr-FR" b="0" i="0" u="none" strike="noStrike" cap="none" normalizeH="0" baseline="0" dirty="0" smtClean="0">
+                <a:ln>
+                  <a:noFill/>
+                </a:ln>
+                <a:solidFill>
+                  <a:schemeClr val="tx1"/>
+                </a:solidFill>
+                <a:effectLst/>
+                <a:ea typeface="Calibri" pitchFamily="34" charset="0"/>
+                <a:cs typeface="Arial" pitchFamily="34" charset="0"/>
+              </a:rPr>
+              <a:t>d</a:t>
+            </a:r>
+            <a:r>
+              <a:rPr kumimoji="0" lang="fr-FR" b="0" i="0" u="none" strike="noStrike" cap="none" normalizeH="0" baseline="0" dirty="0" smtClean="0">
+                <a:ln>
+                  <a:noFill/>
+                </a:ln>
+                <a:solidFill>
+                  <a:srgbClr val="000000"/>
+                </a:solidFill>
+                <a:effectLst/>
+                <a:ea typeface="Calibri" pitchFamily="34" charset="0"/>
+                <a:cs typeface="Arial" pitchFamily="34" charset="0"/>
+              </a:rPr>
+              <a:t>es améliorations et fonctionnalités</a:t>
+            </a:r>
+            <a:r>
+              <a:rPr kumimoji="0" lang="fr-FR" b="0" i="0" u="none" strike="noStrike" cap="none" normalizeH="0" baseline="0" dirty="0" smtClean="0">
+                <a:ln>
+                  <a:noFill/>
+                </a:ln>
+                <a:solidFill>
+                  <a:schemeClr val="tx1"/>
+                </a:solidFill>
+                <a:effectLst/>
+                <a:ea typeface="Calibri" pitchFamily="34" charset="0"/>
+                <a:cs typeface="Arial" pitchFamily="34" charset="0"/>
+              </a:rPr>
+              <a:t> plus développées.</a:t>
+            </a:r>
+            <a:r>
+              <a:rPr kumimoji="0" lang="fr-FR" b="0" i="0" u="none" strike="noStrike" cap="none" normalizeH="0" baseline="0" dirty="0" smtClean="0">
+                <a:ln>
+                  <a:noFill/>
+                </a:ln>
+                <a:solidFill>
+                  <a:srgbClr val="000000"/>
+                </a:solidFill>
+                <a:effectLst/>
+                <a:latin typeface="Arial" pitchFamily="34" charset="0"/>
+                <a:ea typeface="Calibri" pitchFamily="34" charset="0"/>
+                <a:cs typeface="Arial" pitchFamily="34" charset="0"/>
+              </a:rPr>
+              <a:t> </a:t>
+            </a:r>
+            <a:endParaRPr kumimoji="0" lang="fr-FR" b="0" i="0" u="none" strike="noStrike" cap="none" normalizeH="0" baseline="0" dirty="0" smtClean="0">
+              <a:ln>
+                <a:noFill/>
+              </a:ln>
+              <a:solidFill>
+                <a:schemeClr val="tx1"/>
+              </a:solidFill>
+              <a:effectLst/>
+              <a:latin typeface="Arial" pitchFamily="34" charset="0"/>
+              <a:cs typeface="Arial" pitchFamily="34" charset="0"/>
+            </a:endParaRPr>
+          </a:p>
+        </p:txBody>
+      </p:sp>
+    </p:spTree>
+  </p:cSld>
+  <p:clrMapOvr>
+    <a:masterClrMapping/>
+  </p:clrMapOvr>
+  <p:timing>
+    <p:tnLst>
+      <p:par>
+        <p:cTn id="1" dur="indefinite" restart="never" nodeType="tmRoot">
+          <p:childTnLst>
+            <p:seq concurrent="1" nextAc="seek">
+              <p:cTn id="2" dur="indefinite" nodeType="mainSeq">
+                <p:childTnLst>
+                  <p:par>
+                    <p:cTn id="3" fill="hold">
+                      <p:stCondLst>
+                        <p:cond delay="indefinite"/>
+                        <p:cond evt="onBegin" delay="0">
+                          <p:tn val="2"/>
+                        </p:cond>
+                      </p:stCondLst>
+                      <p:childTnLst>
+                        <p:par>
+                          <p:cTn id="4" fill="hold">
+                            <p:stCondLst>
+                              <p:cond delay="0"/>
+                            </p:stCondLst>
+                            <p:childTnLst>
+                              <p:par>
+                                <p:cTn id="5" presetID="2" presetClass="entr" presetSubtype="4" fill="hold" nodeType="withEffect">
+                                  <p:stCondLst>
+                                    <p:cond delay="0"/>
+                                  </p:stCondLst>
+                                  <p:childTnLst>
+                                    <p:set>
+                                      <p:cBhvr>
+                                        <p:cTn id="6" dur="1" fill="hold">
+                                          <p:stCondLst>
+                                            <p:cond delay="0"/>
+                                          </p:stCondLst>
+                                        </p:cTn>
+                                        <p:tgtEl>
+                                          <p:spTgt spid="7"/>
+                                        </p:tgtEl>
+                                        <p:attrNameLst>
+                                          <p:attrName>style.visibility</p:attrName>
+                                        </p:attrNameLst>
+                                      </p:cBhvr>
+                                      <p:to>
+                                        <p:strVal val="visible"/>
+                                      </p:to>
+                                    </p:set>
+                                    <p:anim calcmode="lin" valueType="num">
+                                      <p:cBhvr additive="base">
+                                        <p:cTn id="7" dur="500" fill="hold"/>
+                                        <p:tgtEl>
+                                          <p:spTgt spid="7"/>
+                                        </p:tgtEl>
+                                        <p:attrNameLst>
+                                          <p:attrName>ppt_x</p:attrName>
+                                        </p:attrNameLst>
+                                      </p:cBhvr>
+                                      <p:tavLst>
+                                        <p:tav tm="0">
+                                          <p:val>
+                                            <p:strVal val="#ppt_x"/>
+                                          </p:val>
+                                        </p:tav>
+                                        <p:tav tm="100000">
+                                          <p:val>
+                                            <p:strVal val="#ppt_x"/>
+                                          </p:val>
+                                        </p:tav>
+                                      </p:tavLst>
+                                    </p:anim>
+                                    <p:anim calcmode="lin" valueType="num">
+                                      <p:cBhvr additive="base">
+                                        <p:cTn id="8" dur="500" fill="hold"/>
+                                        <p:tgtEl>
+                                          <p:spTgt spid="7"/>
+                                        </p:tgtEl>
+                                        <p:attrNameLst>
+                                          <p:attrName>ppt_y</p:attrName>
+                                        </p:attrNameLst>
+                                      </p:cBhvr>
+                                      <p:tavLst>
+                                        <p:tav tm="0">
+                                          <p:val>
+                                            <p:strVal val="1+#ppt_h/2"/>
+                                          </p:val>
+                                        </p:tav>
+                                        <p:tav tm="100000">
+                                          <p:val>
+                                            <p:strVal val="#ppt_y"/>
+                                          </p:val>
+                                        </p:tav>
+                                      </p:tavLst>
+                                    </p:anim>
+                                  </p:childTnLst>
+                                </p:cTn>
+                              </p:par>
+                            </p:childTnLst>
+                          </p:cTn>
+                        </p:par>
+                      </p:childTnLst>
+                    </p:cTn>
+                  </p:par>
+                  <p:par>
+                    <p:cTn id="9" fill="hold">
+                      <p:stCondLst>
+                        <p:cond delay="indefinite"/>
+                      </p:stCondLst>
+                      <p:childTnLst>
+                        <p:par>
+                          <p:cTn id="10" fill="hold">
+                            <p:stCondLst>
+                              <p:cond delay="0"/>
+                            </p:stCondLst>
+                            <p:childTnLst>
+                              <p:par>
+                                <p:cTn id="11" presetID="2" presetClass="entr" presetSubtype="4" fill="hold" nodeType="clickEffect">
+                                  <p:stCondLst>
+                                    <p:cond delay="0"/>
+                                  </p:stCondLst>
+                                  <p:childTnLst>
+                                    <p:set>
+                                      <p:cBhvr>
+                                        <p:cTn id="12" dur="1" fill="hold">
+                                          <p:stCondLst>
+                                            <p:cond delay="0"/>
+                                          </p:stCondLst>
+                                        </p:cTn>
+                                        <p:tgtEl>
+                                          <p:spTgt spid="5"/>
+                                        </p:tgtEl>
+                                        <p:attrNameLst>
+                                          <p:attrName>style.visibility</p:attrName>
+                                        </p:attrNameLst>
+                                      </p:cBhvr>
+                                      <p:to>
+                                        <p:strVal val="visible"/>
+                                      </p:to>
+                                    </p:set>
+                                    <p:anim calcmode="lin" valueType="num">
+                                      <p:cBhvr additive="base">
+                                        <p:cTn id="13" dur="500" fill="hold"/>
+                                        <p:tgtEl>
+                                          <p:spTgt spid="5"/>
+                                        </p:tgtEl>
+                                        <p:attrNameLst>
+                                          <p:attrName>ppt_x</p:attrName>
+                                        </p:attrNameLst>
+                                      </p:cBhvr>
+                                      <p:tavLst>
+                                        <p:tav tm="0">
+                                          <p:val>
+                                            <p:strVal val="#ppt_x"/>
+                                          </p:val>
+                                        </p:tav>
+                                        <p:tav tm="100000">
+                                          <p:val>
+                                            <p:strVal val="#ppt_x"/>
+                                          </p:val>
+                                        </p:tav>
+                                      </p:tavLst>
+                                    </p:anim>
+                                    <p:anim calcmode="lin" valueType="num">
+                                      <p:cBhvr additive="base">
+                                        <p:cTn id="14" dur="500" fill="hold"/>
+                                        <p:tgtEl>
+                                          <p:spTgt spid="5"/>
+                                        </p:tgtEl>
+                                        <p:attrNameLst>
+                                          <p:attrName>ppt_y</p:attrName>
+                                        </p:attrNameLst>
+                                      </p:cBhvr>
+                                      <p:tavLst>
+                                        <p:tav tm="0">
+                                          <p:val>
+                                            <p:strVal val="1+#ppt_h/2"/>
+                                          </p:val>
+                                        </p:tav>
+                                        <p:tav tm="100000">
+                                          <p:val>
+                                            <p:strVal val="#ppt_y"/>
+                                          </p:val>
+                                        </p:tav>
+                                      </p:tavLst>
+                                    </p:anim>
+                                  </p:childTnLst>
+                                </p:cTn>
+                              </p:par>
+                              <p:par>
+                                <p:cTn id="15" presetID="8" presetClass="emph" presetSubtype="0" fill="hold" nodeType="withEffect">
+                                  <p:stCondLst>
+                                    <p:cond delay="0"/>
+                                  </p:stCondLst>
+                                  <p:childTnLst>
+                                    <p:animRot by="21600000">
+                                      <p:cBhvr>
+                                        <p:cTn id="16" dur="2000" fill="hold"/>
+                                        <p:tgtEl>
+                                          <p:spTgt spid="1026"/>
+                                        </p:tgtEl>
+                                        <p:attrNameLst>
+                                          <p:attrName>r</p:attrName>
+                                        </p:attrNameLst>
+                                      </p:cBhvr>
+                                    </p:animRot>
+                                  </p:childTnLst>
+                                </p:cTn>
+                              </p:par>
+                            </p:childTnLst>
+                          </p:cTn>
+                        </p:par>
+                      </p:childTnLst>
+                    </p:cTn>
+                  </p:par>
+                  <p:par>
+                    <p:cTn id="17" fill="hold">
+                      <p:stCondLst>
+                        <p:cond delay="indefinite"/>
+                      </p:stCondLst>
+                      <p:childTnLst>
+                        <p:par>
+                          <p:cTn id="18" fill="hold">
+                            <p:stCondLst>
+                              <p:cond delay="0"/>
+                            </p:stCondLst>
+                            <p:childTnLst>
+                              <p:par>
+                                <p:cTn id="19" presetID="2" presetClass="entr" presetSubtype="4" fill="hold" grpId="0" nodeType="clickEffect">
+                                  <p:stCondLst>
+                                    <p:cond delay="0"/>
+                                  </p:stCondLst>
+                                  <p:childTnLst>
+                                    <p:set>
+                                      <p:cBhvr>
+                                        <p:cTn id="20" dur="1" fill="hold">
+                                          <p:stCondLst>
+                                            <p:cond delay="0"/>
+                                          </p:stCondLst>
+                                        </p:cTn>
+                                        <p:tgtEl>
+                                          <p:spTgt spid="2"/>
+                                        </p:tgtEl>
+                                        <p:attrNameLst>
+                                          <p:attrName>style.visibility</p:attrName>
+                                        </p:attrNameLst>
+                                      </p:cBhvr>
+                                      <p:to>
+                                        <p:strVal val="visible"/>
+                                      </p:to>
+                                    </p:set>
+                                    <p:anim calcmode="lin" valueType="num">
+                                      <p:cBhvr additive="base">
+                                        <p:cTn id="21" dur="500" fill="hold"/>
+                                        <p:tgtEl>
+                                          <p:spTgt spid="2"/>
+                                        </p:tgtEl>
+                                        <p:attrNameLst>
+                                          <p:attrName>ppt_x</p:attrName>
+                                        </p:attrNameLst>
+                                      </p:cBhvr>
+                                      <p:tavLst>
+                                        <p:tav tm="0">
+                                          <p:val>
+                                            <p:strVal val="#ppt_x"/>
+                                          </p:val>
+                                        </p:tav>
+                                        <p:tav tm="100000">
+                                          <p:val>
+                                            <p:strVal val="#ppt_x"/>
+                                          </p:val>
+                                        </p:tav>
+                                      </p:tavLst>
+                                    </p:anim>
+                                    <p:anim calcmode="lin" valueType="num">
+                                      <p:cBhvr additive="base">
+                                        <p:cTn id="22" dur="500" fill="hold"/>
+                                        <p:tgtEl>
+                                          <p:spTgt spid="2"/>
+                                        </p:tgtEl>
+                                        <p:attrNameLst>
+                                          <p:attrName>ppt_y</p:attrName>
+                                        </p:attrNameLst>
+                                      </p:cBhvr>
+                                      <p:tavLst>
+                                        <p:tav tm="0">
+                                          <p:val>
+                                            <p:strVal val="1+#ppt_h/2"/>
+                                          </p:val>
+                                        </p:tav>
+                                        <p:tav tm="100000">
+                                          <p:val>
+                                            <p:strVal val="#ppt_y"/>
+                                          </p:val>
+                                        </p:tav>
+                                      </p:tavLst>
+                                    </p:anim>
+                                  </p:childTnLst>
+                                </p:cTn>
+                              </p:par>
+                            </p:childTnLst>
+                          </p:cTn>
+                        </p:par>
+                      </p:childTnLst>
+                    </p:cTn>
+                  </p:par>
+                  <p:par>
+                    <p:cTn id="23" fill="hold">
+                      <p:stCondLst>
+                        <p:cond delay="indefinite"/>
+                      </p:stCondLst>
+                      <p:childTnLst>
+                        <p:par>
+                          <p:cTn id="24" fill="hold">
+                            <p:stCondLst>
+                              <p:cond delay="0"/>
+                            </p:stCondLst>
+                            <p:childTnLst>
+                              <p:par>
+                                <p:cTn id="25" presetID="22" presetClass="entr" presetSubtype="4" fill="hold" grpId="0" nodeType="clickEffect">
+                                  <p:stCondLst>
+                                    <p:cond delay="0"/>
+                                  </p:stCondLst>
+                                  <p:childTnLst>
+                                    <p:set>
+                                      <p:cBhvr>
+                                        <p:cTn id="26" dur="1" fill="hold">
+                                          <p:stCondLst>
+                                            <p:cond delay="0"/>
+                                          </p:stCondLst>
+                                        </p:cTn>
+                                        <p:tgtEl>
+                                          <p:spTgt spid="1027"/>
+                                        </p:tgtEl>
+                                        <p:attrNameLst>
+                                          <p:attrName>style.visibility</p:attrName>
+                                        </p:attrNameLst>
+                                      </p:cBhvr>
+                                      <p:to>
+                                        <p:strVal val="visible"/>
+                                      </p:to>
+                                    </p:set>
+                                    <p:animEffect transition="in" filter="wipe(down)">
+                                      <p:cBhvr>
+                                        <p:cTn id="27" dur="500"/>
+                                        <p:tgtEl>
+                                          <p:spTgt spid="1027"/>
+                                        </p:tgtEl>
+                                      </p:cBhvr>
+                                    </p:animEffect>
+                                  </p:childTnLst>
+                                </p:cTn>
+                              </p:par>
+                            </p:childTnLst>
+                          </p:cTn>
+                        </p:par>
+                      </p:childTnLst>
+                    </p:cTn>
+                  </p:par>
+                  <p:par>
+                    <p:cTn id="28" fill="hold">
+                      <p:stCondLst>
+                        <p:cond delay="indefinite"/>
+                      </p:stCondLst>
+                      <p:childTnLst>
+                        <p:par>
+                          <p:cTn id="29" fill="hold">
+                            <p:stCondLst>
+                              <p:cond delay="0"/>
+                            </p:stCondLst>
+                            <p:childTnLst>
+                              <p:par>
+                                <p:cTn id="30" presetID="2" presetClass="entr" presetSubtype="4" fill="hold" grpId="0" nodeType="clickEffect">
+                                  <p:stCondLst>
+                                    <p:cond delay="0"/>
+                                  </p:stCondLst>
+                                  <p:childTnLst>
+                                    <p:set>
+                                      <p:cBhvr>
+                                        <p:cTn id="31" dur="1" fill="hold">
+                                          <p:stCondLst>
+                                            <p:cond delay="0"/>
+                                          </p:stCondLst>
+                                        </p:cTn>
+                                        <p:tgtEl>
+                                          <p:spTgt spid="1028"/>
+                                        </p:tgtEl>
+                                        <p:attrNameLst>
+                                          <p:attrName>style.visibility</p:attrName>
+                                        </p:attrNameLst>
+                                      </p:cBhvr>
+                                      <p:to>
+                                        <p:strVal val="visible"/>
+                                      </p:to>
+                                    </p:set>
+                                    <p:anim calcmode="lin" valueType="num">
+                                      <p:cBhvr additive="base">
+                                        <p:cTn id="32" dur="500" fill="hold"/>
+                                        <p:tgtEl>
+                                          <p:spTgt spid="1028"/>
+                                        </p:tgtEl>
+                                        <p:attrNameLst>
+                                          <p:attrName>ppt_x</p:attrName>
+                                        </p:attrNameLst>
+                                      </p:cBhvr>
+                                      <p:tavLst>
+                                        <p:tav tm="0">
+                                          <p:val>
+                                            <p:strVal val="#ppt_x"/>
+                                          </p:val>
+                                        </p:tav>
+                                        <p:tav tm="100000">
+                                          <p:val>
+                                            <p:strVal val="#ppt_x"/>
+                                          </p:val>
+                                        </p:tav>
+                                      </p:tavLst>
+                                    </p:anim>
+                                    <p:anim calcmode="lin" valueType="num">
+                                      <p:cBhvr additive="base">
+                                        <p:cTn id="33" dur="500" fill="hold"/>
+                                        <p:tgtEl>
+                                          <p:spTgt spid="1028"/>
+                                        </p:tgtEl>
+                                        <p:attrNameLst>
+                                          <p:attrName>ppt_y</p:attrName>
+                                        </p:attrNameLst>
+                                      </p:cBhvr>
+                                      <p:tavLst>
+                                        <p:tav tm="0">
+                                          <p:val>
+                                            <p:strVal val="1+#ppt_h/2"/>
+                                          </p:val>
+                                        </p:tav>
+                                        <p:tav tm="100000">
+                                          <p:val>
+                                            <p:strVal val="#ppt_y"/>
+                                          </p:val>
+                                        </p:tav>
+                                      </p:tavLst>
+                                    </p:anim>
+                                  </p:childTnLst>
+                                </p:cTn>
+                              </p:par>
+                            </p:childTnLst>
+                          </p:cTn>
+                        </p:par>
+                      </p:childTnLst>
+                    </p:cTn>
+                  </p:par>
+                </p:childTnLst>
+              </p:cTn>
+              <p:prevCondLst>
+                <p:cond evt="onPrev" delay="0">
+                  <p:tgtEl>
+                    <p:sldTgt/>
+                  </p:tgtEl>
+                </p:cond>
+              </p:prevCondLst>
+              <p:nextCondLst>
+                <p:cond evt="onNext" delay="0">
+                  <p:tgtEl>
+                    <p:sldTgt/>
+                  </p:tgtEl>
+                </p:cond>
+              </p:nextCondLst>
+            </p:seq>
+          </p:childTnLst>
+        </p:cTn>
+      </p:par>
+    </p:tnLst>
+    <p:bldLst>
+      <p:bldP spid="2" grpId="0" animBg="1"/>
+      <p:bldP spid="1027" grpId="0"/>
+      <p:bldP spid="1028" grpId="0"/>
+    </p:bldLst>
+  </p:timing>
+</p:sld>
+</file>
+
+<file path=ppt/slides/slide27.xml><?xml version="1.0" encoding="utf-8"?>
+<p:sld xmlns:a="http://schemas.openxmlformats.org/drawingml/2006/main" xmlns:r="http://schemas.openxmlformats.org/officeDocument/2006/relationships" xmlns:p="http://schemas.openxmlformats.org/presentationml/2006/main">
+  <p:cSld>
+    <p:spTree>
+      <p:nvGrpSpPr>
+        <p:cNvPr id="1" name=""/>
+        <p:cNvGrpSpPr/>
+        <p:nvPr/>
+      </p:nvGrpSpPr>
+      <p:grpSpPr>
+        <a:xfrm>
+          <a:off x="0" y="0"/>
+          <a:ext cx="0" cy="0"/>
+          <a:chOff x="0" y="0"/>
+          <a:chExt cx="0" cy="0"/>
+        </a:xfrm>
+      </p:grpSpPr>
+      <p:sp>
+        <p:nvSpPr>
+          <p:cNvPr id="2" name="Titre 1"/>
+          <p:cNvSpPr>
+            <a:spLocks noGrp="1"/>
+          </p:cNvSpPr>
+          <p:nvPr>
+            <p:ph type="title"/>
+          </p:nvPr>
+        </p:nvSpPr>
+        <p:spPr>
+          <a:xfrm>
+            <a:off x="2772000" y="252000"/>
+            <a:ext cx="5040000" cy="720000"/>
+          </a:xfrm>
+          <a:solidFill>
+            <a:srgbClr val="C65806"/>
+          </a:solidFill>
+        </p:spPr>
+        <p:txBody>
+          <a:bodyPr>
+            <a:normAutofit fontScale="90000"/>
+          </a:bodyPr>
+          <a:lstStyle/>
+          <a:p>
+            <a:pPr algn="ctr"/>
+            <a:r>
+              <a:rPr lang="fr-FR" dirty="0" smtClean="0"/>
+              <a:t>Conclusion</a:t>
+            </a:r>
+            <a:endParaRPr lang="fr-FR" dirty="0"/>
+          </a:p>
+        </p:txBody>
+      </p:sp>
+      <p:sp>
+        <p:nvSpPr>
+          <p:cNvPr id="4" name="Espace réservé du pied de page 3"/>
+          <p:cNvSpPr>
+            <a:spLocks noGrp="1"/>
+          </p:cNvSpPr>
+          <p:nvPr>
+            <p:ph type="ftr" sz="quarter" idx="11"/>
+          </p:nvPr>
+        </p:nvSpPr>
+        <p:spPr>
+          <a:xfrm>
+            <a:off x="1928794" y="6305550"/>
+            <a:ext cx="6681806" cy="476250"/>
+          </a:xfrm>
+        </p:spPr>
+        <p:txBody>
+          <a:bodyPr/>
+          <a:lstStyle/>
+          <a:p>
+            <a:r>
+              <a:rPr lang="fr-FR" sz="1400" dirty="0" smtClean="0"/>
+              <a:t>Jacques LEMOINE –</a:t>
+            </a:r>
+            <a:r>
+              <a:rPr lang="fr-FR" sz="1400" dirty="0" err="1" smtClean="0"/>
+              <a:t>Arinfo</a:t>
+            </a:r>
+            <a:r>
+              <a:rPr lang="fr-FR" sz="1400" dirty="0" smtClean="0"/>
+              <a:t> – Promotion Novembre 2021 - Avril 2022</a:t>
+            </a:r>
+            <a:endParaRPr lang="fr-FR" sz="1400" dirty="0"/>
+          </a:p>
+        </p:txBody>
+      </p:sp>
+      <p:pic>
+        <p:nvPicPr>
+          <p:cNvPr id="5" name="Image 4" descr="logo_PaulGreen_2a.jpeg"/>
+          <p:cNvPicPr/>
+          <p:nvPr/>
+        </p:nvPicPr>
+        <p:blipFill>
+          <a:blip r:embed="rId2" cstate="print"/>
+          <a:stretch>
+            <a:fillRect/>
+          </a:stretch>
+        </p:blipFill>
+        <p:spPr>
+          <a:xfrm>
+            <a:off x="1000100" y="0"/>
+            <a:ext cx="1643074" cy="1643074"/>
+          </a:xfrm>
+          <a:prstGeom prst="rect">
+            <a:avLst/>
+          </a:prstGeom>
+        </p:spPr>
+      </p:pic>
+      <p:pic>
+        <p:nvPicPr>
+          <p:cNvPr id="7" name="image2.png"/>
+          <p:cNvPicPr/>
+          <p:nvPr/>
+        </p:nvPicPr>
+        <p:blipFill>
+          <a:blip r:embed="rId3" cstate="print"/>
+          <a:srcRect/>
+          <a:stretch>
+            <a:fillRect/>
+          </a:stretch>
+        </p:blipFill>
+        <p:spPr>
+          <a:xfrm>
+            <a:off x="7956376" y="260648"/>
+            <a:ext cx="952500" cy="866775"/>
+          </a:xfrm>
+          <a:prstGeom prst="rect">
+            <a:avLst/>
+          </a:prstGeom>
+          <a:ln/>
+        </p:spPr>
+      </p:pic>
+      <p:pic>
+        <p:nvPicPr>
+          <p:cNvPr id="1026" name="Picture 2" descr="recruter-developpeur-web-alternance - Alternance Professionnelle"/>
+          <p:cNvPicPr>
+            <a:picLocks noChangeAspect="1" noChangeArrowheads="1"/>
+          </p:cNvPicPr>
+          <p:nvPr/>
+        </p:nvPicPr>
+        <p:blipFill>
+          <a:blip r:embed="rId4" cstate="print"/>
+          <a:srcRect/>
+          <a:stretch>
+            <a:fillRect/>
+          </a:stretch>
+        </p:blipFill>
+        <p:spPr bwMode="auto">
+          <a:xfrm>
+            <a:off x="6012160" y="4005064"/>
+            <a:ext cx="1847719" cy="1914505"/>
+          </a:xfrm>
+          <a:prstGeom prst="rect">
+            <a:avLst/>
+          </a:prstGeom>
+          <a:noFill/>
+        </p:spPr>
+      </p:pic>
+      <p:sp>
+        <p:nvSpPr>
+          <p:cNvPr id="11" name="Espace réservé du contenu 10"/>
+          <p:cNvSpPr txBox="1">
+            <a:spLocks noGrp="1"/>
+          </p:cNvSpPr>
+          <p:nvPr>
+            <p:ph idx="1"/>
+          </p:nvPr>
+        </p:nvSpPr>
+        <p:spPr>
+          <a:xfrm>
+            <a:off x="1428728" y="2071678"/>
+            <a:ext cx="7498080" cy="1831271"/>
+          </a:xfrm>
+          <a:prstGeom prst="rect">
+            <a:avLst/>
+          </a:prstGeom>
+          <a:noFill/>
+        </p:spPr>
+        <p:txBody>
+          <a:bodyPr wrap="square" rtlCol="0">
+            <a:spAutoFit/>
+          </a:bodyPr>
+          <a:lstStyle/>
+          <a:p>
+            <a:r>
+              <a:rPr lang="fr-FR" sz="1800" dirty="0" smtClean="0">
+                <a:solidFill>
+                  <a:srgbClr val="000000"/>
+                </a:solidFill>
+                <a:latin typeface="+mj-lt"/>
+                <a:ea typeface="Calibri" pitchFamily="34" charset="0"/>
+                <a:cs typeface="Arial" pitchFamily="34" charset="0"/>
+              </a:rPr>
+              <a:t>Alors que j’arrive à l’issue de ma formation, je suis à la recherche d’un emploi, tout en continuant à me former de manière personnelle. </a:t>
+            </a:r>
+            <a:br>
+              <a:rPr lang="fr-FR" sz="1800" dirty="0" smtClean="0">
+                <a:solidFill>
+                  <a:srgbClr val="000000"/>
+                </a:solidFill>
+                <a:latin typeface="+mj-lt"/>
+                <a:ea typeface="Calibri" pitchFamily="34" charset="0"/>
+                <a:cs typeface="Arial" pitchFamily="34" charset="0"/>
+              </a:rPr>
+            </a:br>
+            <a:endParaRPr lang="fr-FR" sz="1800" dirty="0" smtClean="0">
+              <a:solidFill>
+                <a:srgbClr val="000000"/>
+              </a:solidFill>
+              <a:latin typeface="+mj-lt"/>
+              <a:ea typeface="Calibri" pitchFamily="34" charset="0"/>
+              <a:cs typeface="Arial" pitchFamily="34" charset="0"/>
+            </a:endParaRPr>
+          </a:p>
+          <a:p>
+            <a:r>
+              <a:rPr lang="fr-FR" sz="1800" dirty="0" smtClean="0">
+                <a:solidFill>
+                  <a:srgbClr val="000000"/>
+                </a:solidFill>
+                <a:latin typeface="+mj-lt"/>
+                <a:ea typeface="Calibri" pitchFamily="34" charset="0"/>
+                <a:cs typeface="Arial" pitchFamily="34" charset="0"/>
+              </a:rPr>
+              <a:t>J’ai notamment la volonté et l’espoir d’approfondir mes connaissances</a:t>
+            </a:r>
+            <a:r>
+              <a:rPr lang="fr-FR" sz="1800" dirty="0" smtClean="0">
+                <a:latin typeface="+mj-lt"/>
+                <a:ea typeface="Calibri" pitchFamily="34" charset="0"/>
+                <a:cs typeface="Arial" pitchFamily="34" charset="0"/>
+              </a:rPr>
+              <a:t>, entre autres,  dans l’apprentissage du</a:t>
+            </a:r>
+            <a:r>
+              <a:rPr lang="fr-FR" sz="1800" dirty="0" smtClean="0">
+                <a:solidFill>
+                  <a:srgbClr val="000000"/>
+                </a:solidFill>
+                <a:latin typeface="+mj-lt"/>
+                <a:ea typeface="Calibri" pitchFamily="34" charset="0"/>
+                <a:cs typeface="Arial" pitchFamily="34" charset="0"/>
+              </a:rPr>
+              <a:t> </a:t>
+            </a:r>
+            <a:r>
+              <a:rPr lang="fr-FR" sz="1800" dirty="0" smtClean="0">
+                <a:latin typeface="+mj-lt"/>
+                <a:ea typeface="Calibri" pitchFamily="34" charset="0"/>
+                <a:cs typeface="Arial" pitchFamily="34" charset="0"/>
+              </a:rPr>
+              <a:t>langage </a:t>
+            </a:r>
+            <a:r>
+              <a:rPr lang="fr-FR" sz="1800" dirty="0" smtClean="0">
+                <a:solidFill>
+                  <a:srgbClr val="000000"/>
+                </a:solidFill>
+                <a:latin typeface="+mj-lt"/>
+                <a:ea typeface="Calibri" pitchFamily="34" charset="0"/>
+                <a:cs typeface="Arial" pitchFamily="34" charset="0"/>
+              </a:rPr>
+              <a:t>Java, par une formation complémentaire </a:t>
+            </a:r>
+            <a:r>
+              <a:rPr lang="fr-FR" sz="1800" dirty="0" smtClean="0">
+                <a:latin typeface="+mj-lt"/>
+                <a:ea typeface="Calibri" pitchFamily="34" charset="0"/>
+                <a:cs typeface="Arial" pitchFamily="34" charset="0"/>
+              </a:rPr>
+              <a:t>spécifique</a:t>
+            </a:r>
+            <a:endParaRPr lang="fr-FR" sz="1800" dirty="0">
+              <a:latin typeface="+mj-lt"/>
+            </a:endParaRPr>
+          </a:p>
+        </p:txBody>
+      </p:sp>
+      <p:pic>
+        <p:nvPicPr>
+          <p:cNvPr id="32770" name="Picture 2" descr="Fichier:Java Logo.svg"/>
+          <p:cNvPicPr>
+            <a:picLocks noChangeAspect="1" noChangeArrowheads="1"/>
+          </p:cNvPicPr>
+          <p:nvPr/>
+        </p:nvPicPr>
+        <p:blipFill>
+          <a:blip r:embed="rId5" cstate="print"/>
+          <a:srcRect/>
+          <a:stretch>
+            <a:fillRect/>
+          </a:stretch>
+        </p:blipFill>
+        <p:spPr bwMode="auto">
+          <a:xfrm>
+            <a:off x="2339752" y="4221088"/>
+            <a:ext cx="803999" cy="1495638"/>
+          </a:xfrm>
+          <a:prstGeom prst="rect">
+            <a:avLst/>
+          </a:prstGeom>
+          <a:noFill/>
+        </p:spPr>
+      </p:pic>
+    </p:spTree>
+  </p:cSld>
+  <p:clrMapOvr>
+    <a:masterClrMapping/>
+  </p:clrMapOvr>
+  <p:timing>
+    <p:tnLst>
+      <p:par>
+        <p:cTn id="1" dur="indefinite" restart="never" nodeType="tmRoot"/>
+      </p:par>
+    </p:tnLst>
+  </p:timing>
+</p:sld>
+</file>
+
+<file path=ppt/slides/slide28.xml><?xml version="1.0" encoding="utf-8"?>
+<p:sld xmlns:a="http://schemas.openxmlformats.org/drawingml/2006/main" xmlns:r="http://schemas.openxmlformats.org/officeDocument/2006/relationships" xmlns:p="http://schemas.openxmlformats.org/presentationml/2006/main">
+  <p:cSld>
+    <p:spTree>
+      <p:nvGrpSpPr>
+        <p:cNvPr id="1" name=""/>
+        <p:cNvGrpSpPr/>
+        <p:nvPr/>
+      </p:nvGrpSpPr>
+      <p:grpSpPr>
+        <a:xfrm>
+          <a:off x="0" y="0"/>
+          <a:ext cx="0" cy="0"/>
+          <a:chOff x="0" y="0"/>
+          <a:chExt cx="0" cy="0"/>
+        </a:xfrm>
+      </p:grpSpPr>
+      <p:sp>
+        <p:nvSpPr>
+          <p:cNvPr id="2" name="Titre 1"/>
+          <p:cNvSpPr>
+            <a:spLocks noGrp="1"/>
+          </p:cNvSpPr>
+          <p:nvPr>
+            <p:ph type="title"/>
+          </p:nvPr>
+        </p:nvSpPr>
+        <p:spPr>
+          <a:xfrm>
+            <a:off x="2772000" y="252000"/>
+            <a:ext cx="5040000" cy="720000"/>
+          </a:xfrm>
+          <a:solidFill>
+            <a:srgbClr val="C65806"/>
+          </a:solidFill>
+        </p:spPr>
+        <p:txBody>
+          <a:bodyPr>
+            <a:normAutofit fontScale="90000"/>
+          </a:bodyPr>
+          <a:lstStyle/>
+          <a:p>
+            <a:pPr algn="ctr"/>
+            <a:r>
+              <a:rPr lang="fr-FR" dirty="0" smtClean="0"/>
+              <a:t>Photos </a:t>
+            </a:r>
+            <a:endParaRPr lang="fr-FR" dirty="0"/>
+          </a:p>
+        </p:txBody>
+      </p:sp>
+      <p:sp>
+        <p:nvSpPr>
+          <p:cNvPr id="3" name="Espace réservé du contenu 2"/>
+          <p:cNvSpPr>
+            <a:spLocks noGrp="1"/>
+          </p:cNvSpPr>
+          <p:nvPr>
+            <p:ph idx="1"/>
+          </p:nvPr>
+        </p:nvSpPr>
+        <p:spPr>
+          <a:xfrm>
+            <a:off x="1500166" y="1714488"/>
+            <a:ext cx="7498080" cy="4800600"/>
+          </a:xfrm>
+        </p:spPr>
+        <p:txBody>
+          <a:bodyPr>
+            <a:normAutofit/>
+          </a:bodyPr>
+          <a:lstStyle/>
+          <a:p>
+            <a:pPr>
+              <a:buNone/>
+            </a:pPr>
+            <a:r>
+              <a:rPr lang="fr-FR" b="1" dirty="0" smtClean="0"/>
+              <a:t>	</a:t>
+            </a:r>
+            <a:endParaRPr lang="fr-FR" dirty="0" smtClean="0"/>
+          </a:p>
+        </p:txBody>
+      </p:sp>
+      <p:sp>
+        <p:nvSpPr>
+          <p:cNvPr id="4" name="Espace réservé du pied de page 3"/>
+          <p:cNvSpPr>
+            <a:spLocks noGrp="1"/>
+          </p:cNvSpPr>
+          <p:nvPr>
+            <p:ph type="ftr" sz="quarter" idx="11"/>
+          </p:nvPr>
+        </p:nvSpPr>
+        <p:spPr>
+          <a:xfrm>
+            <a:off x="1928794" y="6305550"/>
+            <a:ext cx="6681806" cy="476250"/>
+          </a:xfrm>
+        </p:spPr>
+        <p:txBody>
+          <a:bodyPr/>
+          <a:lstStyle/>
+          <a:p>
+            <a:r>
+              <a:rPr lang="fr-FR" sz="1400" dirty="0" smtClean="0"/>
+              <a:t>Jacques LEMOINE –</a:t>
+            </a:r>
+            <a:r>
+              <a:rPr lang="fr-FR" sz="1400" dirty="0" err="1" smtClean="0"/>
+              <a:t>Arinfo</a:t>
+            </a:r>
+            <a:r>
+              <a:rPr lang="fr-FR" sz="1400" dirty="0" smtClean="0"/>
+              <a:t> – Promotion Novembre 2021 - Avril 2022</a:t>
+            </a:r>
+            <a:endParaRPr lang="fr-FR" sz="1400" dirty="0"/>
+          </a:p>
+        </p:txBody>
+      </p:sp>
+      <p:pic>
+        <p:nvPicPr>
+          <p:cNvPr id="5" name="Image 4" descr="logo_PaulGreen_2a.jpeg"/>
+          <p:cNvPicPr/>
+          <p:nvPr/>
+        </p:nvPicPr>
+        <p:blipFill>
+          <a:blip r:embed="rId2" cstate="print"/>
+          <a:stretch>
+            <a:fillRect/>
+          </a:stretch>
+        </p:blipFill>
+        <p:spPr>
+          <a:xfrm>
+            <a:off x="1000100" y="0"/>
+            <a:ext cx="1643074" cy="1643074"/>
+          </a:xfrm>
+          <a:prstGeom prst="rect">
+            <a:avLst/>
+          </a:prstGeom>
+        </p:spPr>
+      </p:pic>
+      <p:pic>
+        <p:nvPicPr>
+          <p:cNvPr id="7" name="image2.png"/>
+          <p:cNvPicPr/>
+          <p:nvPr/>
+        </p:nvPicPr>
+        <p:blipFill>
+          <a:blip r:embed="rId3" cstate="print"/>
+          <a:srcRect/>
+          <a:stretch>
+            <a:fillRect/>
+          </a:stretch>
+        </p:blipFill>
+        <p:spPr>
+          <a:xfrm>
+            <a:off x="7884368" y="260648"/>
+            <a:ext cx="952500" cy="866775"/>
+          </a:xfrm>
+          <a:prstGeom prst="rect">
+            <a:avLst/>
+          </a:prstGeom>
+          <a:ln/>
+        </p:spPr>
+      </p:pic>
+      <p:sp>
+        <p:nvSpPr>
+          <p:cNvPr id="30722" name="AutoShape 2" descr="Aperçu de l’image"/>
+          <p:cNvSpPr>
+            <a:spLocks noChangeAspect="1" noChangeArrowheads="1"/>
+          </p:cNvSpPr>
+          <p:nvPr/>
+        </p:nvSpPr>
+        <p:spPr bwMode="auto">
+          <a:xfrm>
+            <a:off x="155575" y="-144463"/>
+            <a:ext cx="304800" cy="304801"/>
+          </a:xfrm>
+          <a:prstGeom prst="rect">
+            <a:avLst/>
+          </a:prstGeom>
+          <a:noFill/>
+        </p:spPr>
+        <p:txBody>
+          <a:bodyPr vert="horz" wrap="square" lIns="91440" tIns="45720" rIns="91440" bIns="45720" numCol="1" anchor="t" anchorCtr="0" compatLnSpc="1">
+            <a:prstTxWarp prst="textNoShape">
+              <a:avLst/>
+            </a:prstTxWarp>
+          </a:bodyPr>
+          <a:lstStyle/>
+          <a:p>
+            <a:endParaRPr lang="fr-FR"/>
+          </a:p>
+        </p:txBody>
+      </p:sp>
+      <p:sp>
+        <p:nvSpPr>
+          <p:cNvPr id="30724" name="AutoShape 4" descr="Aperçu de l’image"/>
+          <p:cNvSpPr>
+            <a:spLocks noChangeAspect="1" noChangeArrowheads="1"/>
+          </p:cNvSpPr>
+          <p:nvPr/>
+        </p:nvSpPr>
+        <p:spPr bwMode="auto">
+          <a:xfrm>
+            <a:off x="155575" y="-144463"/>
+            <a:ext cx="304800" cy="304801"/>
+          </a:xfrm>
+          <a:prstGeom prst="rect">
+            <a:avLst/>
+          </a:prstGeom>
+          <a:noFill/>
+        </p:spPr>
+        <p:txBody>
+          <a:bodyPr vert="horz" wrap="square" lIns="91440" tIns="45720" rIns="91440" bIns="45720" numCol="1" anchor="t" anchorCtr="0" compatLnSpc="1">
+            <a:prstTxWarp prst="textNoShape">
+              <a:avLst/>
+            </a:prstTxWarp>
+          </a:bodyPr>
+          <a:lstStyle/>
+          <a:p>
+            <a:endParaRPr lang="fr-FR"/>
+          </a:p>
+        </p:txBody>
+      </p:sp>
+      <p:pic>
+        <p:nvPicPr>
+          <p:cNvPr id="30726" name="Picture 6" descr="Master gestion de l’environnement parcours économie et gestion de l’environnement et développement durable"/>
+          <p:cNvPicPr>
+            <a:picLocks noChangeAspect="1" noChangeArrowheads="1"/>
+          </p:cNvPicPr>
+          <p:nvPr/>
+        </p:nvPicPr>
+        <p:blipFill>
+          <a:blip r:embed="rId4" cstate="print"/>
+          <a:srcRect/>
+          <a:stretch>
+            <a:fillRect/>
+          </a:stretch>
+        </p:blipFill>
+        <p:spPr bwMode="auto">
+          <a:xfrm>
+            <a:off x="1428728" y="1357298"/>
+            <a:ext cx="3524250" cy="2343151"/>
+          </a:xfrm>
+          <a:prstGeom prst="rect">
+            <a:avLst/>
+          </a:prstGeom>
+          <a:noFill/>
+        </p:spPr>
+      </p:pic>
+      <p:pic>
+        <p:nvPicPr>
+          <p:cNvPr id="30728" name="Picture 8" descr="https://www.lafactory.ma/wp-content/uploads/2018/11/Environnement-1-696x400.jpg"/>
+          <p:cNvPicPr>
+            <a:picLocks noChangeAspect="1" noChangeArrowheads="1"/>
+          </p:cNvPicPr>
+          <p:nvPr/>
+        </p:nvPicPr>
+        <p:blipFill>
+          <a:blip r:embed="rId5" cstate="print"/>
+          <a:srcRect/>
+          <a:stretch>
+            <a:fillRect/>
+          </a:stretch>
+        </p:blipFill>
+        <p:spPr bwMode="auto">
+          <a:xfrm>
+            <a:off x="2928926" y="3714752"/>
+            <a:ext cx="4572032" cy="2627605"/>
+          </a:xfrm>
+          <a:prstGeom prst="rect">
+            <a:avLst/>
+          </a:prstGeom>
+          <a:noFill/>
+        </p:spPr>
+      </p:pic>
+    </p:spTree>
+  </p:cSld>
+  <p:clrMapOvr>
+    <a:masterClrMapping/>
+  </p:clrMapOvr>
+  <p:timing>
+    <p:tnLst>
+      <p:par>
+        <p:cTn id="1" dur="indefinite" restart="never" nodeType="tmRoot"/>
+      </p:par>
+    </p:tnLst>
+  </p:timing>
+</p:sld>
+</file>
+
+<file path=ppt/slides/slide29.xml><?xml version="1.0" encoding="utf-8"?>
+<p:sld xmlns:a="http://schemas.openxmlformats.org/drawingml/2006/main" xmlns:r="http://schemas.openxmlformats.org/officeDocument/2006/relationships" xmlns:p="http://schemas.openxmlformats.org/presentationml/2006/main">
+  <p:cSld>
+    <p:spTree>
+      <p:nvGrpSpPr>
+        <p:cNvPr id="1" name=""/>
+        <p:cNvGrpSpPr/>
+        <p:nvPr/>
+      </p:nvGrpSpPr>
+      <p:grpSpPr>
+        <a:xfrm>
+          <a:off x="0" y="0"/>
+          <a:ext cx="0" cy="0"/>
+          <a:chOff x="0" y="0"/>
+          <a:chExt cx="0" cy="0"/>
+        </a:xfrm>
+      </p:grpSpPr>
+      <p:sp>
+        <p:nvSpPr>
+          <p:cNvPr id="2" name="Espace réservé du pied de page 1"/>
+          <p:cNvSpPr>
+            <a:spLocks noGrp="1"/>
+          </p:cNvSpPr>
+          <p:nvPr>
+            <p:ph type="ftr" sz="quarter" idx="11"/>
+          </p:nvPr>
+        </p:nvSpPr>
+        <p:spPr/>
+        <p:txBody>
+          <a:bodyPr/>
+          <a:lstStyle/>
+          <a:p>
+            <a:r>
+              <a:rPr lang="fr-FR" smtClean="0"/>
+              <a:t>Jacques LEMOINE –Arinfo – Promotion Novembre 2021 - Avril 2022</a:t>
+            </a:r>
+            <a:endParaRPr lang="fr-FR"/>
+          </a:p>
+        </p:txBody>
+      </p:sp>
+      <p:sp>
+        <p:nvSpPr>
+          <p:cNvPr id="33796" name="AutoShape 4" descr="Aperçu de l’image"/>
+          <p:cNvSpPr>
+            <a:spLocks noChangeAspect="1" noChangeArrowheads="1"/>
+          </p:cNvSpPr>
+          <p:nvPr/>
+        </p:nvSpPr>
+        <p:spPr bwMode="auto">
+          <a:xfrm>
+            <a:off x="155575" y="-144463"/>
+            <a:ext cx="304800" cy="304801"/>
+          </a:xfrm>
+          <a:prstGeom prst="rect">
+            <a:avLst/>
+          </a:prstGeom>
+          <a:noFill/>
+        </p:spPr>
+        <p:txBody>
+          <a:bodyPr vert="horz" wrap="square" lIns="91440" tIns="45720" rIns="91440" bIns="45720" numCol="1" anchor="t" anchorCtr="0" compatLnSpc="1">
+            <a:prstTxWarp prst="textNoShape">
+              <a:avLst/>
+            </a:prstTxWarp>
+          </a:bodyPr>
+          <a:lstStyle/>
+          <a:p>
+            <a:endParaRPr lang="fr-FR"/>
+          </a:p>
+        </p:txBody>
+      </p:sp>
+      <p:pic>
+        <p:nvPicPr>
+          <p:cNvPr id="33797" name="Picture 5" descr="E:\images pour des genialy\oral.png"/>
+          <p:cNvPicPr>
+            <a:picLocks noChangeAspect="1" noChangeArrowheads="1"/>
+          </p:cNvPicPr>
+          <p:nvPr/>
+        </p:nvPicPr>
+        <p:blipFill>
+          <a:blip r:embed="rId2" cstate="print"/>
+          <a:srcRect/>
+          <a:stretch>
+            <a:fillRect/>
+          </a:stretch>
+        </p:blipFill>
+        <p:spPr bwMode="auto">
+          <a:xfrm>
+            <a:off x="4929190" y="2071678"/>
+            <a:ext cx="2781300" cy="2838450"/>
+          </a:xfrm>
+          <a:prstGeom prst="rect">
+            <a:avLst/>
+          </a:prstGeom>
+          <a:noFill/>
+        </p:spPr>
+      </p:pic>
+      <p:pic>
+        <p:nvPicPr>
+          <p:cNvPr id="6" name="docs-internal-guid-1244b781-7fff-9023-c97c-7793fd1d6120" descr="Cahier des charges CRM : 35 questions pour vous aider à le rédiger | ATEJA"/>
+          <p:cNvPicPr/>
+          <p:nvPr/>
+        </p:nvPicPr>
+        <p:blipFill>
+          <a:blip r:embed="rId3" cstate="print"/>
+          <a:srcRect/>
+          <a:stretch>
+            <a:fillRect/>
+          </a:stretch>
+        </p:blipFill>
+        <p:spPr bwMode="auto">
+          <a:xfrm>
+            <a:off x="1691640" y="3214686"/>
+            <a:ext cx="2308856" cy="2293373"/>
+          </a:xfrm>
+          <a:prstGeom prst="rect">
+            <a:avLst/>
+          </a:prstGeom>
+          <a:noFill/>
+          <a:ln w="9525">
+            <a:noFill/>
+            <a:miter lim="800000"/>
+            <a:headEnd/>
+            <a:tailEnd/>
+          </a:ln>
+        </p:spPr>
+      </p:pic>
+      <p:pic>
+        <p:nvPicPr>
+          <p:cNvPr id="7" name="docs-internal-guid-e039076f-7fff-d3ea-0e96-56d20d9e32f0" descr="Fichier:Discussion.png — Wikipédia"/>
+          <p:cNvPicPr/>
+          <p:nvPr/>
+        </p:nvPicPr>
+        <p:blipFill>
+          <a:blip r:embed="rId4" cstate="print"/>
+          <a:srcRect/>
+          <a:stretch>
+            <a:fillRect/>
+          </a:stretch>
+        </p:blipFill>
+        <p:spPr bwMode="auto">
+          <a:xfrm>
+            <a:off x="1285852" y="1"/>
+            <a:ext cx="2643206" cy="2214554"/>
+          </a:xfrm>
+          <a:prstGeom prst="rect">
+            <a:avLst/>
+          </a:prstGeom>
+          <a:noFill/>
+          <a:ln w="9525">
+            <a:noFill/>
+            <a:miter lim="800000"/>
+            <a:headEnd/>
+            <a:tailEnd/>
+          </a:ln>
         </p:spPr>
       </p:pic>
     </p:spTree>
@@ -8196,29 +13730,6 @@
           </a:p>
         </p:txBody>
       </p:sp>
-      <p:sp>
-        <p:nvSpPr>
-          <p:cNvPr id="5" name="Espace réservé du pied de page 4"/>
-          <p:cNvSpPr>
-            <a:spLocks noGrp="1"/>
-          </p:cNvSpPr>
-          <p:nvPr>
-            <p:ph type="ftr" sz="quarter" idx="11"/>
-          </p:nvPr>
-        </p:nvSpPr>
-        <p:spPr/>
-        <p:txBody>
-          <a:bodyPr/>
-          <a:lstStyle/>
-          <a:p>
-            <a:r>
-              <a:rPr lang="fr-FR" smtClean="0"/>
-              <a:t>Jacques LEMOINE –Arinfo – Promotion Novembre 2021 - Avril 2022</a:t>
-            </a:r>
-            <a:endParaRPr lang="fr-FR"/>
-          </a:p>
-        </p:txBody>
-      </p:sp>
       <p:pic>
         <p:nvPicPr>
           <p:cNvPr id="6" name="Image 5" descr="logo_PaulGreen_2a.jpeg"/>
@@ -8282,7 +13793,7 @@
           <p:nvPr/>
         </p:nvPicPr>
         <p:blipFill>
-          <a:blip r:embed="rId3"/>
+          <a:blip r:embed="rId3" cstate="print"/>
           <a:srcRect/>
           <a:stretch>
             <a:fillRect/>
@@ -8297,6 +13808,842 @@
             <a:avLst/>
           </a:prstGeom>
           <a:ln/>
+        </p:spPr>
+      </p:pic>
+      <p:sp>
+        <p:nvSpPr>
+          <p:cNvPr id="7" name="Espace réservé du pied de page 3"/>
+          <p:cNvSpPr>
+            <a:spLocks noGrp="1"/>
+          </p:cNvSpPr>
+          <p:nvPr>
+            <p:ph type="ftr" sz="quarter" idx="11"/>
+          </p:nvPr>
+        </p:nvSpPr>
+        <p:spPr>
+          <a:xfrm>
+            <a:off x="1000100" y="6500834"/>
+            <a:ext cx="8143900" cy="280966"/>
+          </a:xfrm>
+        </p:spPr>
+        <p:txBody>
+          <a:bodyPr/>
+          <a:lstStyle/>
+          <a:p>
+            <a:pPr algn="ctr"/>
+            <a:r>
+              <a:rPr lang="fr-FR" dirty="0" smtClean="0"/>
+              <a:t>Jacques LEMOINE –</a:t>
+            </a:r>
+            <a:r>
+              <a:rPr lang="fr-FR" dirty="0" err="1" smtClean="0"/>
+              <a:t>Arinfo</a:t>
+            </a:r>
+            <a:r>
+              <a:rPr lang="fr-FR" dirty="0" smtClean="0"/>
+              <a:t> – Promotion Novembre 2021 - Avril 2022</a:t>
+            </a:r>
+            <a:endParaRPr lang="fr-FR" dirty="0"/>
+          </a:p>
+        </p:txBody>
+      </p:sp>
+    </p:spTree>
+  </p:cSld>
+  <p:clrMapOvr>
+    <a:masterClrMapping/>
+  </p:clrMapOvr>
+  <p:timing>
+    <p:tnLst>
+      <p:par>
+        <p:cTn id="1" dur="indefinite" restart="never" nodeType="tmRoot"/>
+      </p:par>
+    </p:tnLst>
+  </p:timing>
+</p:sld>
+</file>
+
+<file path=ppt/slides/slide30.xml><?xml version="1.0" encoding="utf-8"?>
+<p:sld xmlns:a="http://schemas.openxmlformats.org/drawingml/2006/main" xmlns:r="http://schemas.openxmlformats.org/officeDocument/2006/relationships" xmlns:p="http://schemas.openxmlformats.org/presentationml/2006/main">
+  <p:cSld>
+    <p:spTree>
+      <p:nvGrpSpPr>
+        <p:cNvPr id="1" name=""/>
+        <p:cNvGrpSpPr/>
+        <p:nvPr/>
+      </p:nvGrpSpPr>
+      <p:grpSpPr>
+        <a:xfrm>
+          <a:off x="0" y="0"/>
+          <a:ext cx="0" cy="0"/>
+          <a:chOff x="0" y="0"/>
+          <a:chExt cx="0" cy="0"/>
+        </a:xfrm>
+      </p:grpSpPr>
+      <p:sp>
+        <p:nvSpPr>
+          <p:cNvPr id="2" name="Espace réservé du pied de page 1"/>
+          <p:cNvSpPr>
+            <a:spLocks noGrp="1"/>
+          </p:cNvSpPr>
+          <p:nvPr>
+            <p:ph type="ftr" sz="quarter" idx="11"/>
+          </p:nvPr>
+        </p:nvSpPr>
+        <p:spPr/>
+        <p:txBody>
+          <a:bodyPr/>
+          <a:lstStyle/>
+          <a:p>
+            <a:r>
+              <a:rPr lang="fr-FR" smtClean="0"/>
+              <a:t>Jacques LEMOINE –Arinfo – Promotion Novembre 2021 - Avril 2022</a:t>
+            </a:r>
+            <a:endParaRPr lang="fr-FR"/>
+          </a:p>
+        </p:txBody>
+      </p:sp>
+      <p:pic>
+        <p:nvPicPr>
+          <p:cNvPr id="3" name="Image 2" descr="1651000212772.jpg"/>
+          <p:cNvPicPr>
+            <a:picLocks noChangeAspect="1"/>
+          </p:cNvPicPr>
+          <p:nvPr/>
+        </p:nvPicPr>
+        <p:blipFill>
+          <a:blip r:embed="rId2" cstate="print"/>
+          <a:stretch>
+            <a:fillRect/>
+          </a:stretch>
+        </p:blipFill>
+        <p:spPr>
+          <a:xfrm>
+            <a:off x="1331640" y="188640"/>
+            <a:ext cx="3428992" cy="2571744"/>
+          </a:xfrm>
+          <a:prstGeom prst="rect">
+            <a:avLst/>
+          </a:prstGeom>
+        </p:spPr>
+      </p:pic>
+      <p:pic>
+        <p:nvPicPr>
+          <p:cNvPr id="4" name="Image 3" descr="1651000212836.jpg"/>
+          <p:cNvPicPr>
+            <a:picLocks noChangeAspect="1"/>
+          </p:cNvPicPr>
+          <p:nvPr/>
+        </p:nvPicPr>
+        <p:blipFill>
+          <a:blip r:embed="rId3" cstate="print"/>
+          <a:stretch>
+            <a:fillRect/>
+          </a:stretch>
+        </p:blipFill>
+        <p:spPr>
+          <a:xfrm>
+            <a:off x="2339752" y="2996952"/>
+            <a:ext cx="3905245" cy="2928934"/>
+          </a:xfrm>
+          <a:prstGeom prst="rect">
+            <a:avLst/>
+          </a:prstGeom>
+        </p:spPr>
+      </p:pic>
+      <p:pic>
+        <p:nvPicPr>
+          <p:cNvPr id="5" name="Picture 2" descr="Rapport d'évaluation - Université Paul-Valéry Montpellier 3"/>
+          <p:cNvPicPr>
+            <a:picLocks noChangeAspect="1" noChangeArrowheads="1"/>
+          </p:cNvPicPr>
+          <p:nvPr/>
+        </p:nvPicPr>
+        <p:blipFill>
+          <a:blip r:embed="rId4" cstate="print"/>
+          <a:srcRect/>
+          <a:stretch>
+            <a:fillRect/>
+          </a:stretch>
+        </p:blipFill>
+        <p:spPr bwMode="auto">
+          <a:xfrm>
+            <a:off x="5580112" y="404664"/>
+            <a:ext cx="2085975" cy="1914525"/>
+          </a:xfrm>
+          <a:prstGeom prst="rect">
+            <a:avLst/>
+          </a:prstGeom>
+          <a:noFill/>
+        </p:spPr>
+      </p:pic>
+      <p:pic>
+        <p:nvPicPr>
+          <p:cNvPr id="6" name="Picture 10" descr="biologie écologie université Montpellier"/>
+          <p:cNvPicPr>
+            <a:picLocks noChangeAspect="1" noChangeArrowheads="1"/>
+          </p:cNvPicPr>
+          <p:nvPr/>
+        </p:nvPicPr>
+        <p:blipFill>
+          <a:blip r:embed="rId5" cstate="print"/>
+          <a:srcRect/>
+          <a:stretch>
+            <a:fillRect/>
+          </a:stretch>
+        </p:blipFill>
+        <p:spPr bwMode="auto">
+          <a:xfrm>
+            <a:off x="6588224" y="2996952"/>
+            <a:ext cx="1905000" cy="1905000"/>
+          </a:xfrm>
+          <a:prstGeom prst="rect">
+            <a:avLst/>
+          </a:prstGeom>
+          <a:noFill/>
+        </p:spPr>
+      </p:pic>
+    </p:spTree>
+  </p:cSld>
+  <p:clrMapOvr>
+    <a:masterClrMapping/>
+  </p:clrMapOvr>
+  <p:timing>
+    <p:tnLst>
+      <p:par>
+        <p:cTn id="1" dur="indefinite" restart="never" nodeType="tmRoot"/>
+      </p:par>
+    </p:tnLst>
+  </p:timing>
+</p:sld>
+</file>
+
+<file path=ppt/slides/slide31.xml><?xml version="1.0" encoding="utf-8"?>
+<p:sld xmlns:a="http://schemas.openxmlformats.org/drawingml/2006/main" xmlns:r="http://schemas.openxmlformats.org/officeDocument/2006/relationships" xmlns:p="http://schemas.openxmlformats.org/presentationml/2006/main">
+  <p:cSld>
+    <p:spTree>
+      <p:nvGrpSpPr>
+        <p:cNvPr id="1" name=""/>
+        <p:cNvGrpSpPr/>
+        <p:nvPr/>
+      </p:nvGrpSpPr>
+      <p:grpSpPr>
+        <a:xfrm>
+          <a:off x="0" y="0"/>
+          <a:ext cx="0" cy="0"/>
+          <a:chOff x="0" y="0"/>
+          <a:chExt cx="0" cy="0"/>
+        </a:xfrm>
+      </p:grpSpPr>
+      <p:pic>
+        <p:nvPicPr>
+          <p:cNvPr id="5" name="Image 4" descr="logo_PaulGreen_2a.jpeg"/>
+          <p:cNvPicPr/>
+          <p:nvPr/>
+        </p:nvPicPr>
+        <p:blipFill>
+          <a:blip r:embed="rId2" cstate="print"/>
+          <a:stretch>
+            <a:fillRect/>
+          </a:stretch>
+        </p:blipFill>
+        <p:spPr>
+          <a:xfrm>
+            <a:off x="1000100" y="0"/>
+            <a:ext cx="1643074" cy="1643074"/>
+          </a:xfrm>
+          <a:prstGeom prst="rect">
+            <a:avLst/>
+          </a:prstGeom>
+        </p:spPr>
+      </p:pic>
+      <p:sp>
+        <p:nvSpPr>
+          <p:cNvPr id="2" name="Titre 1"/>
+          <p:cNvSpPr>
+            <a:spLocks noGrp="1"/>
+          </p:cNvSpPr>
+          <p:nvPr>
+            <p:ph type="title"/>
+          </p:nvPr>
+        </p:nvSpPr>
+        <p:spPr>
+          <a:xfrm>
+            <a:off x="2772000" y="252000"/>
+            <a:ext cx="5040000" cy="720000"/>
+          </a:xfrm>
+          <a:solidFill>
+            <a:srgbClr val="C65806"/>
+          </a:solidFill>
+        </p:spPr>
+        <p:txBody>
+          <a:bodyPr>
+            <a:normAutofit fontScale="90000"/>
+          </a:bodyPr>
+          <a:lstStyle/>
+          <a:p>
+            <a:pPr algn="ctr"/>
+            <a:r>
+              <a:rPr lang="fr-FR" dirty="0" smtClean="0"/>
+              <a:t>Présentation du site</a:t>
+            </a:r>
+            <a:endParaRPr lang="fr-FR" dirty="0"/>
+          </a:p>
+        </p:txBody>
+      </p:sp>
+      <p:sp>
+        <p:nvSpPr>
+          <p:cNvPr id="3" name="Espace réservé du contenu 2"/>
+          <p:cNvSpPr>
+            <a:spLocks noGrp="1"/>
+          </p:cNvSpPr>
+          <p:nvPr>
+            <p:ph idx="1"/>
+          </p:nvPr>
+        </p:nvSpPr>
+        <p:spPr>
+          <a:xfrm>
+            <a:off x="0" y="1124744"/>
+            <a:ext cx="9144000" cy="634392"/>
+          </a:xfrm>
+        </p:spPr>
+        <p:txBody>
+          <a:bodyPr>
+            <a:normAutofit/>
+          </a:bodyPr>
+          <a:lstStyle/>
+          <a:p>
+            <a:pPr algn="ctr">
+              <a:buNone/>
+            </a:pPr>
+            <a:r>
+              <a:rPr lang="fr-FR" b="1" dirty="0" smtClean="0">
+                <a:solidFill>
+                  <a:srgbClr val="0070C0"/>
+                </a:solidFill>
+              </a:rPr>
+              <a:t>	</a:t>
+            </a:r>
+            <a:r>
+              <a:rPr lang="fr-FR" b="1" dirty="0" smtClean="0">
+                <a:solidFill>
+                  <a:srgbClr val="00B0F0"/>
+                </a:solidFill>
+                <a:hlinkClick r:id="rId3"/>
+              </a:rPr>
+              <a:t>Association Paul Green</a:t>
+            </a:r>
+            <a:endParaRPr lang="fr-FR" dirty="0" smtClean="0">
+              <a:solidFill>
+                <a:srgbClr val="00B0F0"/>
+              </a:solidFill>
+            </a:endParaRPr>
+          </a:p>
+        </p:txBody>
+      </p:sp>
+      <p:sp>
+        <p:nvSpPr>
+          <p:cNvPr id="4" name="Espace réservé du pied de page 3"/>
+          <p:cNvSpPr>
+            <a:spLocks noGrp="1"/>
+          </p:cNvSpPr>
+          <p:nvPr>
+            <p:ph type="ftr" sz="quarter" idx="11"/>
+          </p:nvPr>
+        </p:nvSpPr>
+        <p:spPr>
+          <a:xfrm>
+            <a:off x="1928794" y="6305550"/>
+            <a:ext cx="6681806" cy="476250"/>
+          </a:xfrm>
+        </p:spPr>
+        <p:txBody>
+          <a:bodyPr/>
+          <a:lstStyle/>
+          <a:p>
+            <a:r>
+              <a:rPr lang="fr-FR" sz="1400" dirty="0" smtClean="0"/>
+              <a:t>Jacques LEMOINE –</a:t>
+            </a:r>
+            <a:r>
+              <a:rPr lang="fr-FR" sz="1400" dirty="0" err="1" smtClean="0"/>
+              <a:t>Arinfo</a:t>
+            </a:r>
+            <a:r>
+              <a:rPr lang="fr-FR" sz="1400" dirty="0" smtClean="0"/>
+              <a:t> – Promotion Novembre 2021 - Avril 2022</a:t>
+            </a:r>
+            <a:endParaRPr lang="fr-FR" sz="1400" dirty="0"/>
+          </a:p>
+        </p:txBody>
+      </p:sp>
+      <p:pic>
+        <p:nvPicPr>
+          <p:cNvPr id="7" name="image2.png"/>
+          <p:cNvPicPr/>
+          <p:nvPr/>
+        </p:nvPicPr>
+        <p:blipFill>
+          <a:blip r:embed="rId4" cstate="print"/>
+          <a:srcRect/>
+          <a:stretch>
+            <a:fillRect/>
+          </a:stretch>
+        </p:blipFill>
+        <p:spPr>
+          <a:xfrm>
+            <a:off x="7786710" y="428604"/>
+            <a:ext cx="952500" cy="866775"/>
+          </a:xfrm>
+          <a:prstGeom prst="rect">
+            <a:avLst/>
+          </a:prstGeom>
+          <a:ln/>
+        </p:spPr>
+      </p:pic>
+      <p:pic>
+        <p:nvPicPr>
+          <p:cNvPr id="8" name="Image 7" descr="P08-Capture.JPG"/>
+          <p:cNvPicPr>
+            <a:picLocks noChangeAspect="1"/>
+          </p:cNvPicPr>
+          <p:nvPr/>
+        </p:nvPicPr>
+        <p:blipFill>
+          <a:blip r:embed="rId5" cstate="print"/>
+          <a:stretch>
+            <a:fillRect/>
+          </a:stretch>
+        </p:blipFill>
+        <p:spPr>
+          <a:xfrm>
+            <a:off x="0" y="1700808"/>
+            <a:ext cx="9144000" cy="4650941"/>
+          </a:xfrm>
+          <a:prstGeom prst="rect">
+            <a:avLst/>
+          </a:prstGeom>
+        </p:spPr>
+      </p:pic>
+    </p:spTree>
+  </p:cSld>
+  <p:clrMapOvr>
+    <a:masterClrMapping/>
+  </p:clrMapOvr>
+  <p:timing>
+    <p:tnLst>
+      <p:par>
+        <p:cTn id="1" dur="indefinite" restart="never" nodeType="tmRoot"/>
+      </p:par>
+    </p:tnLst>
+  </p:timing>
+</p:sld>
+</file>
+
+<file path=ppt/slides/slide32.xml><?xml version="1.0" encoding="utf-8"?>
+<p:sld xmlns:a="http://schemas.openxmlformats.org/drawingml/2006/main" xmlns:r="http://schemas.openxmlformats.org/officeDocument/2006/relationships" xmlns:p="http://schemas.openxmlformats.org/presentationml/2006/main">
+  <p:cSld>
+    <p:spTree>
+      <p:nvGrpSpPr>
+        <p:cNvPr id="1" name=""/>
+        <p:cNvGrpSpPr/>
+        <p:nvPr/>
+      </p:nvGrpSpPr>
+      <p:grpSpPr>
+        <a:xfrm>
+          <a:off x="0" y="0"/>
+          <a:ext cx="0" cy="0"/>
+          <a:chOff x="0" y="0"/>
+          <a:chExt cx="0" cy="0"/>
+        </a:xfrm>
+      </p:grpSpPr>
+      <p:pic>
+        <p:nvPicPr>
+          <p:cNvPr id="5" name="Image 4" descr="logo_PaulGreen_2a.jpeg"/>
+          <p:cNvPicPr/>
+          <p:nvPr/>
+        </p:nvPicPr>
+        <p:blipFill>
+          <a:blip r:embed="rId2" cstate="print"/>
+          <a:stretch>
+            <a:fillRect/>
+          </a:stretch>
+        </p:blipFill>
+        <p:spPr>
+          <a:xfrm>
+            <a:off x="1000100" y="0"/>
+            <a:ext cx="1643074" cy="1643074"/>
+          </a:xfrm>
+          <a:prstGeom prst="rect">
+            <a:avLst/>
+          </a:prstGeom>
+        </p:spPr>
+      </p:pic>
+      <p:sp>
+        <p:nvSpPr>
+          <p:cNvPr id="2" name="Titre 1"/>
+          <p:cNvSpPr>
+            <a:spLocks noGrp="1"/>
+          </p:cNvSpPr>
+          <p:nvPr>
+            <p:ph type="title"/>
+          </p:nvPr>
+        </p:nvSpPr>
+        <p:spPr>
+          <a:xfrm>
+            <a:off x="2772000" y="252000"/>
+            <a:ext cx="5040000" cy="720000"/>
+          </a:xfrm>
+          <a:solidFill>
+            <a:srgbClr val="C65806"/>
+          </a:solidFill>
+        </p:spPr>
+        <p:txBody>
+          <a:bodyPr>
+            <a:normAutofit fontScale="90000"/>
+          </a:bodyPr>
+          <a:lstStyle/>
+          <a:p>
+            <a:pPr algn="ctr"/>
+            <a:r>
+              <a:rPr lang="fr-FR" dirty="0" smtClean="0"/>
+              <a:t>Fonctionnalité</a:t>
+            </a:r>
+            <a:endParaRPr lang="fr-FR" dirty="0"/>
+          </a:p>
+        </p:txBody>
+      </p:sp>
+      <p:sp>
+        <p:nvSpPr>
+          <p:cNvPr id="4" name="Espace réservé du pied de page 3"/>
+          <p:cNvSpPr>
+            <a:spLocks noGrp="1"/>
+          </p:cNvSpPr>
+          <p:nvPr>
+            <p:ph type="ftr" sz="quarter" idx="11"/>
+          </p:nvPr>
+        </p:nvSpPr>
+        <p:spPr>
+          <a:xfrm>
+            <a:off x="1043608" y="6381328"/>
+            <a:ext cx="8100392" cy="400472"/>
+          </a:xfrm>
+        </p:spPr>
+        <p:txBody>
+          <a:bodyPr/>
+          <a:lstStyle/>
+          <a:p>
+            <a:pPr algn="ctr"/>
+            <a:r>
+              <a:rPr lang="fr-FR" sz="1400" dirty="0" smtClean="0"/>
+              <a:t>Jacques LEMOINE –</a:t>
+            </a:r>
+            <a:r>
+              <a:rPr lang="fr-FR" sz="1400" dirty="0" err="1" smtClean="0"/>
+              <a:t>Arinfo</a:t>
+            </a:r>
+            <a:r>
+              <a:rPr lang="fr-FR" sz="1400" dirty="0" smtClean="0"/>
+              <a:t> – Promotion Novembre 2021 - Avril 2022</a:t>
+            </a:r>
+            <a:endParaRPr lang="fr-FR" sz="1400" dirty="0"/>
+          </a:p>
+        </p:txBody>
+      </p:sp>
+      <p:pic>
+        <p:nvPicPr>
+          <p:cNvPr id="7" name="image2.png"/>
+          <p:cNvPicPr/>
+          <p:nvPr/>
+        </p:nvPicPr>
+        <p:blipFill>
+          <a:blip r:embed="rId3" cstate="print"/>
+          <a:srcRect/>
+          <a:stretch>
+            <a:fillRect/>
+          </a:stretch>
+        </p:blipFill>
+        <p:spPr>
+          <a:xfrm>
+            <a:off x="8045746" y="171953"/>
+            <a:ext cx="952500" cy="866775"/>
+          </a:xfrm>
+          <a:prstGeom prst="rect">
+            <a:avLst/>
+          </a:prstGeom>
+          <a:ln/>
+        </p:spPr>
+      </p:pic>
+      <p:sp>
+        <p:nvSpPr>
+          <p:cNvPr id="9" name="Espace réservé du contenu 10"/>
+          <p:cNvSpPr txBox="1">
+            <a:spLocks noGrp="1"/>
+          </p:cNvSpPr>
+          <p:nvPr>
+            <p:ph idx="1"/>
+          </p:nvPr>
+        </p:nvSpPr>
+        <p:spPr>
+          <a:xfrm>
+            <a:off x="1403648" y="1628800"/>
+            <a:ext cx="7498080" cy="723275"/>
+          </a:xfrm>
+          <a:prstGeom prst="rect">
+            <a:avLst/>
+          </a:prstGeom>
+          <a:noFill/>
+        </p:spPr>
+        <p:txBody>
+          <a:bodyPr wrap="square" rtlCol="0">
+            <a:spAutoFit/>
+          </a:bodyPr>
+          <a:lstStyle/>
+          <a:p>
+            <a:pPr>
+              <a:buNone/>
+            </a:pPr>
+            <a:r>
+              <a:rPr lang="fr-FR" sz="1800" dirty="0" smtClean="0">
+                <a:latin typeface="+mj-lt"/>
+              </a:rPr>
+              <a:t>J’avais besoin de générer le Bureau de l’association dans un ordre précis.</a:t>
+            </a:r>
+          </a:p>
+          <a:p>
+            <a:pPr>
+              <a:buNone/>
+            </a:pPr>
+            <a:r>
+              <a:rPr lang="fr-FR" sz="1800" dirty="0" smtClean="0">
+                <a:latin typeface="+mj-lt"/>
+              </a:rPr>
+              <a:t>Dans le </a:t>
+            </a:r>
+            <a:r>
+              <a:rPr lang="fr-FR" sz="1800" dirty="0" err="1" smtClean="0">
+                <a:latin typeface="+mj-lt"/>
+              </a:rPr>
+              <a:t>repository</a:t>
+            </a:r>
+            <a:r>
+              <a:rPr lang="fr-FR" sz="1800" dirty="0" smtClean="0">
+                <a:latin typeface="+mj-lt"/>
+              </a:rPr>
+              <a:t>, </a:t>
+            </a:r>
+            <a:r>
+              <a:rPr lang="fr-FR" sz="1800" dirty="0" err="1" smtClean="0">
+                <a:latin typeface="+mj-lt"/>
+              </a:rPr>
+              <a:t>users</a:t>
+            </a:r>
+            <a:r>
+              <a:rPr lang="fr-FR" sz="1800" dirty="0" smtClean="0">
+                <a:latin typeface="+mj-lt"/>
+              </a:rPr>
+              <a:t> j’ai installé cette méthode</a:t>
+            </a:r>
+            <a:endParaRPr lang="fr-FR" sz="1800" dirty="0">
+              <a:latin typeface="+mj-lt"/>
+            </a:endParaRPr>
+          </a:p>
+        </p:txBody>
+      </p:sp>
+      <p:pic>
+        <p:nvPicPr>
+          <p:cNvPr id="10" name="Image 9" descr="P10-Capture.JPG"/>
+          <p:cNvPicPr>
+            <a:picLocks noChangeAspect="1"/>
+          </p:cNvPicPr>
+          <p:nvPr/>
+        </p:nvPicPr>
+        <p:blipFill>
+          <a:blip r:embed="rId4" cstate="print"/>
+          <a:stretch>
+            <a:fillRect/>
+          </a:stretch>
+        </p:blipFill>
+        <p:spPr>
+          <a:xfrm>
+            <a:off x="1907704" y="2492896"/>
+            <a:ext cx="5791200" cy="3257550"/>
+          </a:xfrm>
+          <a:prstGeom prst="rect">
+            <a:avLst/>
+          </a:prstGeom>
+        </p:spPr>
+      </p:pic>
+    </p:spTree>
+  </p:cSld>
+  <p:clrMapOvr>
+    <a:masterClrMapping/>
+  </p:clrMapOvr>
+  <p:timing>
+    <p:tnLst>
+      <p:par>
+        <p:cTn id="1" dur="indefinite" restart="never" nodeType="tmRoot"/>
+      </p:par>
+    </p:tnLst>
+  </p:timing>
+</p:sld>
+</file>
+
+<file path=ppt/slides/slide33.xml><?xml version="1.0" encoding="utf-8"?>
+<p:sld xmlns:a="http://schemas.openxmlformats.org/drawingml/2006/main" xmlns:r="http://schemas.openxmlformats.org/officeDocument/2006/relationships" xmlns:p="http://schemas.openxmlformats.org/presentationml/2006/main">
+  <p:cSld>
+    <p:spTree>
+      <p:nvGrpSpPr>
+        <p:cNvPr id="1" name=""/>
+        <p:cNvGrpSpPr/>
+        <p:nvPr/>
+      </p:nvGrpSpPr>
+      <p:grpSpPr>
+        <a:xfrm>
+          <a:off x="0" y="0"/>
+          <a:ext cx="0" cy="0"/>
+          <a:chOff x="0" y="0"/>
+          <a:chExt cx="0" cy="0"/>
+        </a:xfrm>
+      </p:grpSpPr>
+      <p:pic>
+        <p:nvPicPr>
+          <p:cNvPr id="5" name="Image 4" descr="logo_PaulGreen_2a.jpeg"/>
+          <p:cNvPicPr/>
+          <p:nvPr/>
+        </p:nvPicPr>
+        <p:blipFill>
+          <a:blip r:embed="rId2" cstate="print"/>
+          <a:stretch>
+            <a:fillRect/>
+          </a:stretch>
+        </p:blipFill>
+        <p:spPr>
+          <a:xfrm>
+            <a:off x="1000100" y="0"/>
+            <a:ext cx="1643074" cy="1643074"/>
+          </a:xfrm>
+          <a:prstGeom prst="rect">
+            <a:avLst/>
+          </a:prstGeom>
+        </p:spPr>
+      </p:pic>
+      <p:sp>
+        <p:nvSpPr>
+          <p:cNvPr id="2" name="Titre 1"/>
+          <p:cNvSpPr>
+            <a:spLocks noGrp="1"/>
+          </p:cNvSpPr>
+          <p:nvPr>
+            <p:ph type="title"/>
+          </p:nvPr>
+        </p:nvSpPr>
+        <p:spPr>
+          <a:xfrm>
+            <a:off x="2772000" y="252000"/>
+            <a:ext cx="5040000" cy="720000"/>
+          </a:xfrm>
+          <a:solidFill>
+            <a:srgbClr val="C65806"/>
+          </a:solidFill>
+        </p:spPr>
+        <p:txBody>
+          <a:bodyPr>
+            <a:normAutofit fontScale="90000"/>
+          </a:bodyPr>
+          <a:lstStyle/>
+          <a:p>
+            <a:pPr algn="ctr"/>
+            <a:r>
+              <a:rPr lang="fr-FR" dirty="0" smtClean="0"/>
+              <a:t>Fonctionnalité</a:t>
+            </a:r>
+            <a:endParaRPr lang="fr-FR" dirty="0"/>
+          </a:p>
+        </p:txBody>
+      </p:sp>
+      <p:sp>
+        <p:nvSpPr>
+          <p:cNvPr id="4" name="Espace réservé du pied de page 3"/>
+          <p:cNvSpPr>
+            <a:spLocks noGrp="1"/>
+          </p:cNvSpPr>
+          <p:nvPr>
+            <p:ph type="ftr" sz="quarter" idx="11"/>
+          </p:nvPr>
+        </p:nvSpPr>
+        <p:spPr>
+          <a:xfrm>
+            <a:off x="1043608" y="6381328"/>
+            <a:ext cx="8100392" cy="400472"/>
+          </a:xfrm>
+        </p:spPr>
+        <p:txBody>
+          <a:bodyPr/>
+          <a:lstStyle/>
+          <a:p>
+            <a:pPr algn="ctr"/>
+            <a:r>
+              <a:rPr lang="fr-FR" sz="1400" dirty="0" smtClean="0"/>
+              <a:t>Jacques LEMOINE –</a:t>
+            </a:r>
+            <a:r>
+              <a:rPr lang="fr-FR" sz="1400" dirty="0" err="1" smtClean="0"/>
+              <a:t>Arinfo</a:t>
+            </a:r>
+            <a:r>
+              <a:rPr lang="fr-FR" sz="1400" dirty="0" smtClean="0"/>
+              <a:t> – Promotion Novembre 2021 - Avril 2022</a:t>
+            </a:r>
+            <a:endParaRPr lang="fr-FR" sz="1400" dirty="0"/>
+          </a:p>
+        </p:txBody>
+      </p:sp>
+      <p:pic>
+        <p:nvPicPr>
+          <p:cNvPr id="7" name="image2.png"/>
+          <p:cNvPicPr/>
+          <p:nvPr/>
+        </p:nvPicPr>
+        <p:blipFill>
+          <a:blip r:embed="rId3" cstate="print"/>
+          <a:srcRect/>
+          <a:stretch>
+            <a:fillRect/>
+          </a:stretch>
+        </p:blipFill>
+        <p:spPr>
+          <a:xfrm>
+            <a:off x="8045746" y="171953"/>
+            <a:ext cx="952500" cy="866775"/>
+          </a:xfrm>
+          <a:prstGeom prst="rect">
+            <a:avLst/>
+          </a:prstGeom>
+          <a:ln/>
+        </p:spPr>
+      </p:pic>
+      <p:pic>
+        <p:nvPicPr>
+          <p:cNvPr id="11" name="Image 10" descr="P11-Capture.JPG"/>
+          <p:cNvPicPr>
+            <a:picLocks noChangeAspect="1"/>
+          </p:cNvPicPr>
+          <p:nvPr/>
+        </p:nvPicPr>
+        <p:blipFill>
+          <a:blip r:embed="rId4" cstate="print"/>
+          <a:stretch>
+            <a:fillRect/>
+          </a:stretch>
+        </p:blipFill>
+        <p:spPr>
+          <a:xfrm>
+            <a:off x="2123728" y="1484784"/>
+            <a:ext cx="6120929" cy="4941411"/>
+          </a:xfrm>
+          <a:prstGeom prst="rect">
+            <a:avLst/>
+          </a:prstGeom>
         </p:spPr>
       </p:pic>
     </p:spTree>
@@ -8419,23 +14766,17 @@
             </a:r>
           </a:p>
           <a:p>
+            <a:pPr algn="just"/>
             <a:r>
               <a:rPr lang="fr-FR" sz="2200" dirty="0" smtClean="0"/>
-              <a:t>L’idée de ce projet est née après une discussion avec ma fille étudiante en master GE à l’université Paul Valéry de Montpellier 3 qui évoque le problème d’une association  d’étudiants qui mène des projets environnementaux et qui renseigne sur le MASTER GE qui manque de visibilité et de notoriété auprès de la communauté universitaire.</a:t>
-            </a:r>
-          </a:p>
-          <a:p>
-            <a:r>
-              <a:rPr lang="fr-FR" sz="2400" dirty="0" smtClean="0"/>
-              <a:t>Cette démarche s’inscrit dans l’idée de moderniser l’image de l’association , d’attirer de nouveaux adhérents, d’augmenter la visibilité du </a:t>
-            </a:r>
-            <a:r>
-              <a:rPr lang="fr-FR" sz="2400" dirty="0" smtClean="0"/>
-              <a:t>Master, de l’association </a:t>
-            </a:r>
-            <a:r>
-              <a:rPr lang="fr-FR" sz="2400" dirty="0" smtClean="0"/>
-              <a:t>et de pérenniser les supports dans le temps.</a:t>
+              <a:t>L’idée de ce projet est née après une discussion avec ma fille étudiante en master GE à l’université de Montpellier qui m’évoque le problème de manque de visibilité auprès de la communauté universitaire de l’association d’étudiants Paul Green qui mène des projets environnementaux.</a:t>
+            </a:r>
+          </a:p>
+          <a:p>
+            <a:pPr algn="just"/>
+            <a:r>
+              <a:rPr lang="fr-FR" sz="2200" dirty="0" smtClean="0"/>
+              <a:t>Cette démarche s’inscrit dans l’idée de moderniser l’image de l’association , d’attirer de nouveaux adhérents, d’augmenter la visibilité du Master, de l’association et de pérenniser les supports de projets dans le temps.</a:t>
             </a:r>
           </a:p>
           <a:p>
@@ -8453,16 +14794,30 @@
             <p:ph type="ftr" sz="quarter" idx="11"/>
           </p:nvPr>
         </p:nvSpPr>
-        <p:spPr/>
+        <p:spPr>
+          <a:xfrm>
+            <a:off x="1000100" y="6500834"/>
+            <a:ext cx="8143900" cy="280966"/>
+          </a:xfrm>
+        </p:spPr>
         <p:txBody>
           <a:bodyPr/>
           <a:lstStyle/>
           <a:p>
-            <a:r>
-              <a:rPr lang="fr-FR" smtClean="0"/>
-              <a:t>Jacques LEMOINE –Arinfo – Promotion Novembre 2021 - Avril 2022</a:t>
-            </a:r>
-            <a:endParaRPr lang="fr-FR"/>
+            <a:pPr algn="ctr"/>
+            <a:r>
+              <a:rPr lang="fr-FR" dirty="0" smtClean="0"/>
+              <a:t>Jacques LEMOINE –</a:t>
+            </a:r>
+            <a:r>
+              <a:rPr lang="fr-FR" dirty="0" err="1" smtClean="0"/>
+              <a:t>Arinfo</a:t>
+            </a:r>
+            <a:r>
+              <a:rPr lang="fr-FR" dirty="0" smtClean="0"/>
+              <a:t> – Promotion Novembre 2021 - Avril 2022</a:t>
+            </a:r>
+            <a:endParaRPr lang="fr-FR" dirty="0"/>
           </a:p>
         </p:txBody>
       </p:sp>
@@ -8495,7 +14850,7 @@
           <p:nvPr/>
         </p:nvPicPr>
         <p:blipFill>
-          <a:blip r:embed="rId3"/>
+          <a:blip r:embed="rId3" cstate="print"/>
           <a:srcRect/>
           <a:stretch>
             <a:fillRect/>
@@ -8684,7 +15039,15 @@
             </a:br>
             <a:r>
               <a:rPr lang="fr-FR" sz="2400" dirty="0" smtClean="0"/>
-              <a:t>- Présentation de l’association</a:t>
+              <a:t>- </a:t>
+            </a:r>
+            <a:r>
+              <a:rPr lang="fr-FR" sz="2400" b="1" dirty="0" smtClean="0"/>
+              <a:t>Présentation de l’association </a:t>
+            </a:r>
+            <a:r>
+              <a:rPr lang="fr-FR" sz="2400" dirty="0" smtClean="0"/>
+              <a:t>et de ses actions, des propositions de stage, le bureau, un journal de l’environnement…</a:t>
             </a:r>
           </a:p>
           <a:p>
@@ -8693,47 +15056,29 @@
             </a:pPr>
             <a:r>
               <a:rPr lang="fr-FR" sz="2400" dirty="0" smtClean="0"/>
-              <a:t>	- Présentation du Master</a:t>
-            </a:r>
-          </a:p>
-          <a:p>
+              <a:t>	- </a:t>
+            </a:r>
+            <a:r>
+              <a:rPr lang="fr-FR" sz="2400" b="1" dirty="0" smtClean="0"/>
+              <a:t>Présentation du Master GE </a:t>
+            </a:r>
             <a:r>
               <a:rPr lang="fr-FR" sz="2400" dirty="0" smtClean="0"/>
-              <a:t>Présentation des partenaires</a:t>
-            </a:r>
-          </a:p>
-          <a:p>
+              <a:t>de ses projets et des sorties pédagogiques …</a:t>
+            </a:r>
+          </a:p>
+          <a:p>
+            <a:pPr>
+              <a:buNone/>
+            </a:pPr>
             <a:r>
               <a:rPr lang="fr-FR" sz="2400" dirty="0" smtClean="0"/>
-              <a:t>Une rubrique actualité</a:t>
+              <a:t/>
             </a:r>
             <a:br>
               <a:rPr lang="fr-FR" sz="2400" dirty="0" smtClean="0"/>
             </a:br>
             <a:endParaRPr lang="fr-FR" sz="2200" dirty="0"/>
-          </a:p>
-        </p:txBody>
-      </p:sp>
-      <p:sp>
-        <p:nvSpPr>
-          <p:cNvPr id="4" name="Espace réservé du pied de page 3"/>
-          <p:cNvSpPr>
-            <a:spLocks noGrp="1"/>
-          </p:cNvSpPr>
-          <p:nvPr>
-            <p:ph type="ftr" sz="quarter" idx="11"/>
-          </p:nvPr>
-        </p:nvSpPr>
-        <p:spPr/>
-        <p:txBody>
-          <a:bodyPr/>
-          <a:lstStyle/>
-          <a:p>
-            <a:r>
-              <a:rPr lang="fr-FR" smtClean="0"/>
-              <a:t>Jacques LEMOINE –Arinfo – Promotion Novembre 2021 - Avril 2022</a:t>
-            </a:r>
-            <a:endParaRPr lang="fr-FR"/>
           </a:p>
         </p:txBody>
       </p:sp>
@@ -8766,7 +15111,7 @@
           <p:nvPr/>
         </p:nvPicPr>
         <p:blipFill>
-          <a:blip r:embed="rId3"/>
+          <a:blip r:embed="rId3" cstate="print"/>
           <a:srcRect/>
           <a:stretch>
             <a:fillRect/>
@@ -8828,6 +15173,43 @@
           <a:p>
             <a:pPr algn="ctr"/>
             <a:endParaRPr lang="fr-FR"/>
+          </a:p>
+        </p:txBody>
+      </p:sp>
+      <p:sp>
+        <p:nvSpPr>
+          <p:cNvPr id="9" name="Espace réservé du pied de page 3"/>
+          <p:cNvSpPr>
+            <a:spLocks noGrp="1"/>
+          </p:cNvSpPr>
+          <p:nvPr>
+            <p:ph type="ftr" sz="quarter" idx="11"/>
+          </p:nvPr>
+        </p:nvSpPr>
+        <p:spPr>
+          <a:xfrm>
+            <a:off x="1000100" y="6500834"/>
+            <a:ext cx="8143900" cy="280966"/>
+          </a:xfrm>
+        </p:spPr>
+        <p:txBody>
+          <a:bodyPr/>
+          <a:lstStyle/>
+          <a:p>
+            <a:pPr algn="ctr"/>
+            <a:r>
+              <a:rPr lang="fr-FR" dirty="0" smtClean="0"/>
+              <a:t>Jacques LEMOINE –</a:t>
+            </a:r>
+            <a:r>
+              <a:rPr lang="fr-FR" dirty="0" err="1" smtClean="0"/>
+              <a:t>Arinfo</a:t>
+            </a:r>
+            <a:r>
+              <a:rPr lang="fr-FR" dirty="0" smtClean="0"/>
+              <a:t> – Promotion Novembre 2021 - Avril 2022</a:t>
+            </a:r>
+            <a:endParaRPr lang="fr-FR" dirty="0"/>
           </a:p>
         </p:txBody>
       </p:sp>
@@ -8939,16 +15321,14 @@
           <a:p>
             <a:r>
               <a:rPr lang="fr-FR" sz="2200" dirty="0" smtClean="0"/>
-              <a:t>L’étude du </a:t>
-            </a:r>
-            <a:r>
-              <a:rPr lang="fr-FR" sz="2200" dirty="0" smtClean="0"/>
-              <a:t>logo </a:t>
-            </a:r>
-            <a:r>
-              <a:rPr lang="fr-FR" sz="2200" dirty="0" smtClean="0"/>
-              <a:t>m’a servi de référence pour choisir la typographie du site pour le texte et pour les titres en me rapprochant des polices utilisées par les étudiants à l’origine de la refonte du logo.</a:t>
-            </a:r>
+              <a:t>L’étude du logo m’a servi de référence pour choisir la typographie du site.</a:t>
+            </a:r>
+          </a:p>
+          <a:p>
+            <a:pPr>
+              <a:buNone/>
+            </a:pPr>
+            <a:endParaRPr lang="fr-FR" sz="2200" dirty="0" smtClean="0"/>
           </a:p>
           <a:p>
             <a:pPr fontAlgn="base">
@@ -8960,11 +15340,15 @@
             </a:r>
             <a:r>
               <a:rPr lang="fr-FR" sz="2000" b="1" dirty="0" smtClean="0"/>
-              <a:t>		</a:t>
+              <a:t>			</a:t>
             </a:r>
             <a:r>
               <a:rPr lang="fr-FR" sz="2000" b="1" u="sng" dirty="0" smtClean="0"/>
-              <a:t>Pour les titres</a:t>
+              <a:t>Pour </a:t>
+            </a:r>
+            <a:r>
+              <a:rPr lang="fr-FR" sz="2000" b="1" u="sng" dirty="0" smtClean="0"/>
+              <a:t>les titres</a:t>
             </a:r>
             <a:endParaRPr lang="fr-FR" sz="2000" b="1" dirty="0" smtClean="0"/>
           </a:p>
@@ -8973,29 +15357,6 @@
               <a:buNone/>
             </a:pPr>
             <a:endParaRPr lang="fr-FR" sz="2200" dirty="0"/>
-          </a:p>
-        </p:txBody>
-      </p:sp>
-      <p:sp>
-        <p:nvSpPr>
-          <p:cNvPr id="4" name="Espace réservé du pied de page 3"/>
-          <p:cNvSpPr>
-            <a:spLocks noGrp="1"/>
-          </p:cNvSpPr>
-          <p:nvPr>
-            <p:ph type="ftr" sz="quarter" idx="11"/>
-          </p:nvPr>
-        </p:nvSpPr>
-        <p:spPr/>
-        <p:txBody>
-          <a:bodyPr/>
-          <a:lstStyle/>
-          <a:p>
-            <a:r>
-              <a:rPr lang="fr-FR" smtClean="0"/>
-              <a:t>Jacques LEMOINE –Arinfo – Promotion Novembre 2021 - Avril 2022</a:t>
-            </a:r>
-            <a:endParaRPr lang="fr-FR"/>
           </a:p>
         </p:txBody>
       </p:sp>
@@ -9028,7 +15389,7 @@
           <p:nvPr/>
         </p:nvPicPr>
         <p:blipFill>
-          <a:blip r:embed="rId3"/>
+          <a:blip r:embed="rId3" cstate="print"/>
           <a:srcRect/>
           <a:stretch>
             <a:fillRect/>
@@ -9100,7 +15461,7 @@
           <p:nvPr/>
         </p:nvPicPr>
         <p:blipFill>
-          <a:blip r:embed="rId4"/>
+          <a:blip r:embed="rId4" cstate="print"/>
           <a:srcRect/>
           <a:stretch>
             <a:fillRect/>
@@ -9108,7 +15469,7 @@
         </p:blipFill>
         <p:spPr>
           <a:xfrm>
-            <a:off x="1785918" y="4000504"/>
+            <a:off x="1259632" y="4005064"/>
             <a:ext cx="2447925" cy="2228850"/>
           </a:xfrm>
           <a:prstGeom prst="rect">
@@ -9124,7 +15485,7 @@
           <p:nvPr/>
         </p:nvPicPr>
         <p:blipFill>
-          <a:blip r:embed="rId5"/>
+          <a:blip r:embed="rId5" cstate="print"/>
           <a:srcRect/>
           <a:stretch>
             <a:fillRect/>
@@ -9132,7 +15493,7 @@
         </p:blipFill>
         <p:spPr>
           <a:xfrm>
-            <a:off x="4286248" y="4000504"/>
+            <a:off x="3851920" y="4005064"/>
             <a:ext cx="2447925" cy="2228850"/>
           </a:xfrm>
           <a:prstGeom prst="rect">
@@ -9148,7 +15509,7 @@
           <p:nvPr/>
         </p:nvPicPr>
         <p:blipFill>
-          <a:blip r:embed="rId6"/>
+          <a:blip r:embed="rId6" cstate="print"/>
           <a:srcRect/>
           <a:stretch>
             <a:fillRect/>
@@ -9156,8 +15517,8 @@
         </p:blipFill>
         <p:spPr>
           <a:xfrm>
-            <a:off x="6715125" y="3929066"/>
-            <a:ext cx="2428875" cy="2495550"/>
+            <a:off x="6372200" y="4005064"/>
+            <a:ext cx="2357422" cy="2214578"/>
           </a:xfrm>
           <a:prstGeom prst="rect">
             <a:avLst/>
@@ -9244,7 +15605,7 @@
         <p:spPr>
           <a:xfrm>
             <a:off x="1619098" y="1484784"/>
-            <a:ext cx="7498080" cy="4885068"/>
+            <a:ext cx="7498080" cy="1587026"/>
           </a:xfrm>
         </p:spPr>
         <p:txBody>
@@ -9276,13 +15637,8 @@
             </a:pPr>
             <a:r>
               <a:rPr lang="fr-FR" sz="2200" dirty="0" smtClean="0"/>
-              <a:t>Un dégradé de couleur peut être effectué en partant de ces couleurs principales rappelant les thématiques de l’environnement (nature, eau</a:t>
-            </a:r>
-            <a:r>
-              <a:rPr lang="fr-FR" sz="2200" dirty="0" smtClean="0"/>
-              <a:t>) et du logo.</a:t>
-            </a:r>
-            <a:endParaRPr lang="fr-FR" sz="2200" dirty="0" smtClean="0"/>
+              <a:t>Des couleurs principales rappelant les thématiques de l’environnement (nature, eau) et du logo.</a:t>
+            </a:r>
           </a:p>
           <a:p>
             <a:pPr>
@@ -9308,10 +15664,18 @@
           <a:lstStyle/>
           <a:p>
             <a:r>
-              <a:rPr lang="fr-FR" smtClean="0"/>
-              <a:t>Jacques LEMOINE –Arinfo – Promotion Novembre 2021 - Avril 2022</a:t>
-            </a:r>
-            <a:endParaRPr lang="fr-FR"/>
+              <a:rPr lang="fr-FR" dirty="0" smtClean="0"/>
+              <a:t>Jacques LEMOINE –</a:t>
+            </a:r>
+            <a:r>
+              <a:rPr lang="fr-FR" dirty="0" err="1" smtClean="0"/>
+              <a:t>Arinfo</a:t>
+            </a:r>
+            <a:r>
+              <a:rPr lang="fr-FR" dirty="0" smtClean="0"/>
+              <a:t> – Promotion Novembre 2021 - Avril 2022</a:t>
+            </a:r>
+            <a:endParaRPr lang="fr-FR" dirty="0"/>
           </a:p>
         </p:txBody>
       </p:sp>
@@ -9344,7 +15708,7 @@
           <p:nvPr/>
         </p:nvPicPr>
         <p:blipFill>
-          <a:blip r:embed="rId3"/>
+          <a:blip r:embed="rId3" cstate="print"/>
           <a:srcRect/>
           <a:stretch>
             <a:fillRect/>
@@ -9416,7 +15780,7 @@
           <p:nvPr/>
         </p:nvPicPr>
         <p:blipFill>
-          <a:blip r:embed="rId4"/>
+          <a:blip r:embed="rId4" cstate="print"/>
           <a:srcRect/>
           <a:stretch>
             <a:fillRect/>
@@ -9424,8 +15788,8 @@
         </p:blipFill>
         <p:spPr>
           <a:xfrm>
-            <a:off x="1500166" y="3357562"/>
-            <a:ext cx="1533525" cy="3762375"/>
+            <a:off x="1500166" y="2857496"/>
+            <a:ext cx="1500197" cy="3429024"/>
           </a:xfrm>
           <a:prstGeom prst="rect">
             <a:avLst/>
@@ -9440,7 +15804,7 @@
           <p:nvPr/>
         </p:nvPicPr>
         <p:blipFill>
-          <a:blip r:embed="rId5"/>
+          <a:blip r:embed="rId5" cstate="print"/>
           <a:srcRect/>
           <a:stretch>
             <a:fillRect/>
@@ -9448,8 +15812,8 @@
         </p:blipFill>
         <p:spPr>
           <a:xfrm>
-            <a:off x="3143240" y="3357562"/>
-            <a:ext cx="1609725" cy="3895725"/>
+            <a:off x="3214678" y="2857496"/>
+            <a:ext cx="1643073" cy="3500461"/>
           </a:xfrm>
           <a:prstGeom prst="rect">
             <a:avLst/>
@@ -9464,7 +15828,7 @@
           <p:nvPr/>
         </p:nvPicPr>
         <p:blipFill>
-          <a:blip r:embed="rId6"/>
+          <a:blip r:embed="rId6" cstate="print"/>
           <a:srcRect/>
           <a:stretch>
             <a:fillRect/>
@@ -9472,8 +15836,8 @@
         </p:blipFill>
         <p:spPr>
           <a:xfrm>
-            <a:off x="4857752" y="3357562"/>
-            <a:ext cx="1619250" cy="3895725"/>
+            <a:off x="4929190" y="2857496"/>
+            <a:ext cx="1500198" cy="3500461"/>
           </a:xfrm>
           <a:prstGeom prst="rect">
             <a:avLst/>
@@ -9488,7 +15852,7 @@
           <p:nvPr/>
         </p:nvPicPr>
         <p:blipFill>
-          <a:blip r:embed="rId7"/>
+          <a:blip r:embed="rId7" cstate="print"/>
           <a:srcRect/>
           <a:stretch>
             <a:fillRect/>
@@ -9496,8 +15860,8 @@
         </p:blipFill>
         <p:spPr>
           <a:xfrm>
-            <a:off x="6572264" y="3357562"/>
-            <a:ext cx="1628775" cy="3895725"/>
+            <a:off x="6572264" y="2857497"/>
+            <a:ext cx="1700213" cy="3500462"/>
           </a:xfrm>
           <a:prstGeom prst="rect">
             <a:avLst/>
@@ -9583,13 +15947,13 @@
         </p:nvSpPr>
         <p:spPr>
           <a:xfrm>
-            <a:off x="3995936" y="1479347"/>
-            <a:ext cx="3155911" cy="4800600"/>
+            <a:off x="3286116" y="1000108"/>
+            <a:ext cx="3929090" cy="500066"/>
           </a:xfrm>
         </p:spPr>
         <p:txBody>
           <a:bodyPr>
-            <a:normAutofit/>
+            <a:normAutofit fontScale="92500"/>
           </a:bodyPr>
           <a:lstStyle/>
           <a:p>
@@ -9597,36 +15961,13 @@
               <a:buNone/>
             </a:pPr>
             <a:r>
-              <a:rPr lang="fr-FR" b="1" dirty="0" smtClean="0"/>
-              <a:t>	</a:t>
-            </a:r>
-            <a:r>
-              <a:rPr lang="fr-FR" dirty="0" err="1" smtClean="0"/>
+              <a:rPr lang="fr-FR" sz="2800" b="1" dirty="0" err="1" smtClean="0"/>
               <a:t>Wireframe</a:t>
             </a:r>
-            <a:endParaRPr lang="fr-FR" dirty="0" smtClean="0"/>
-          </a:p>
-          <a:p>
-            <a:r>
-              <a:rPr lang="fr-FR" dirty="0" smtClean="0"/>
-              <a:t>Réalisation d’une maquette avec </a:t>
-            </a:r>
-            <a:r>
-              <a:rPr lang="fr-FR" dirty="0" smtClean="0"/>
-              <a:t>draw.io</a:t>
-            </a:r>
-            <a:endParaRPr lang="fr-FR" dirty="0" smtClean="0"/>
-          </a:p>
-          <a:p>
-            <a:pPr>
-              <a:buNone/>
-            </a:pPr>
-            <a:endParaRPr lang="fr-FR" dirty="0" smtClean="0"/>
-          </a:p>
-          <a:p>
-            <a:pPr>
-              <a:buNone/>
-            </a:pPr>
+            <a:r>
+              <a:rPr lang="fr-FR" sz="2800" b="1" dirty="0" smtClean="0"/>
+              <a:t>/maquettage </a:t>
+            </a:r>
             <a:endParaRPr lang="fr-FR" dirty="0" smtClean="0"/>
           </a:p>
           <a:p>
@@ -9634,42 +15975,6 @@
               <a:buNone/>
             </a:pPr>
             <a:endParaRPr lang="fr-FR" sz="2200" dirty="0"/>
-          </a:p>
-        </p:txBody>
-      </p:sp>
-      <p:sp>
-        <p:nvSpPr>
-          <p:cNvPr id="4" name="Espace réservé du pied de page 3"/>
-          <p:cNvSpPr>
-            <a:spLocks noGrp="1"/>
-          </p:cNvSpPr>
-          <p:nvPr>
-            <p:ph type="ftr" sz="quarter" idx="11"/>
-          </p:nvPr>
-        </p:nvSpPr>
-        <p:spPr>
-          <a:xfrm>
-            <a:off x="1857356" y="6305550"/>
-            <a:ext cx="6753244" cy="476250"/>
-          </a:xfrm>
-        </p:spPr>
-        <p:txBody>
-          <a:bodyPr/>
-          <a:lstStyle/>
-          <a:p>
-            <a:r>
-              <a:rPr lang="fr-FR" sz="1400" dirty="0" smtClean="0"/>
-              <a:t>Jacques LEMOINE –</a:t>
-            </a:r>
-            <a:r>
-              <a:rPr lang="fr-FR" sz="1400" dirty="0" err="1" smtClean="0"/>
-              <a:t>Arinfo</a:t>
-            </a:r>
-            <a:r>
-              <a:rPr lang="fr-FR" sz="1400" dirty="0" smtClean="0"/>
-              <a:t> – Promotion Novembre 2021 - Avril 2022</a:t>
-            </a:r>
-            <a:endParaRPr lang="fr-FR" sz="1400" dirty="0"/>
           </a:p>
         </p:txBody>
       </p:sp>
@@ -9702,7 +16007,7 @@
           <p:nvPr/>
         </p:nvPicPr>
         <p:blipFill>
-          <a:blip r:embed="rId3"/>
+          <a:blip r:embed="rId3" cstate="print"/>
           <a:srcRect/>
           <a:stretch>
             <a:fillRect/>
@@ -9727,7 +16032,7 @@
         </p:nvSpPr>
         <p:spPr>
           <a:xfrm>
-            <a:off x="3797506" y="1629382"/>
+            <a:off x="2643174" y="1071546"/>
             <a:ext cx="571504" cy="357190"/>
           </a:xfrm>
           <a:prstGeom prst="rightArrow">
@@ -9782,8 +16087,8 @@
         </p:blipFill>
         <p:spPr>
           <a:xfrm>
-            <a:off x="1140020" y="1486134"/>
-            <a:ext cx="2999932" cy="7210425"/>
+            <a:off x="1285852" y="1500174"/>
+            <a:ext cx="4000528" cy="7067549"/>
           </a:xfrm>
           <a:prstGeom prst="rect">
             <a:avLst/>
@@ -9798,7 +16103,7 @@
           <p:nvPr/>
         </p:nvPicPr>
         <p:blipFill>
-          <a:blip r:embed="rId5"/>
+          <a:blip r:embed="rId5" cstate="print"/>
           <a:srcRect/>
           <a:stretch>
             <a:fillRect/>
@@ -9806,7 +16111,7 @@
         </p:blipFill>
         <p:spPr>
           <a:xfrm>
-            <a:off x="7262033" y="1109827"/>
+            <a:off x="7215206" y="1071546"/>
             <a:ext cx="1638300" cy="8734425"/>
           </a:xfrm>
           <a:prstGeom prst="rect">
@@ -9815,6 +16120,37 @@
           <a:ln/>
         </p:spPr>
       </p:pic>
+      <p:sp>
+        <p:nvSpPr>
+          <p:cNvPr id="10" name="ZoneTexte 9"/>
+          <p:cNvSpPr txBox="1"/>
+          <p:nvPr/>
+        </p:nvSpPr>
+        <p:spPr>
+          <a:xfrm>
+            <a:off x="5357818" y="3214686"/>
+            <a:ext cx="1643074" cy="369332"/>
+          </a:xfrm>
+          <a:prstGeom prst="rect">
+            <a:avLst/>
+          </a:prstGeom>
+          <a:noFill/>
+        </p:spPr>
+        <p:txBody>
+          <a:bodyPr wrap="square" rtlCol="0">
+            <a:spAutoFit/>
+          </a:bodyPr>
+          <a:lstStyle/>
+          <a:p>
+            <a:pPr algn="ctr"/>
+            <a:r>
+              <a:rPr lang="fr-FR" dirty="0" smtClean="0"/>
+              <a:t>Avec Draw.io</a:t>
+            </a:r>
+            <a:endParaRPr lang="fr-FR" dirty="0"/>
+          </a:p>
+        </p:txBody>
+      </p:sp>
     </p:spTree>
   </p:cSld>
   <p:clrMapOvr>
@@ -9847,6 +16183,36 @@
           <a:chExt cx="0" cy="0"/>
         </a:xfrm>
       </p:grpSpPr>
+      <p:pic>
+        <p:nvPicPr>
+          <p:cNvPr id="9" name="Image 8"/>
+          <p:cNvPicPr>
+            <a:picLocks noChangeAspect="1"/>
+          </p:cNvPicPr>
+          <p:nvPr/>
+        </p:nvPicPr>
+        <p:blipFill>
+          <a:blip r:embed="rId2" cstate="print">
+            <a:extLst>
+              <a:ext uri="{28A0092B-C50C-407E-A947-70E740481C1C}">
+                <a14:useLocalDpi xmlns="" xmlns:a14="http://schemas.microsoft.com/office/drawing/2010/main" val="0"/>
+              </a:ext>
+            </a:extLst>
+          </a:blip>
+          <a:stretch>
+            <a:fillRect/>
+          </a:stretch>
+        </p:blipFill>
+        <p:spPr>
+          <a:xfrm>
+            <a:off x="1571604" y="1785926"/>
+            <a:ext cx="6686550" cy="4533900"/>
+          </a:xfrm>
+          <a:prstGeom prst="rect">
+            <a:avLst/>
+          </a:prstGeom>
+        </p:spPr>
+      </p:pic>
       <p:sp>
         <p:nvSpPr>
           <p:cNvPr id="2" name="Titre 1"/>
@@ -9967,7 +16333,7 @@
           <p:nvPr/>
         </p:nvPicPr>
         <p:blipFill>
-          <a:blip r:embed="rId2" cstate="print"/>
+          <a:blip r:embed="rId3" cstate="print"/>
           <a:stretch>
             <a:fillRect/>
           </a:stretch>
@@ -9989,7 +16355,7 @@
           <p:nvPr/>
         </p:nvPicPr>
         <p:blipFill>
-          <a:blip r:embed="rId3"/>
+          <a:blip r:embed="rId4" cstate="print"/>
           <a:srcRect/>
           <a:stretch>
             <a:fillRect/>
@@ -10054,36 +16420,6 @@
           </a:p>
         </p:txBody>
       </p:sp>
-      <p:pic>
-        <p:nvPicPr>
-          <p:cNvPr id="9" name="Image 8"/>
-          <p:cNvPicPr>
-            <a:picLocks noChangeAspect="1"/>
-          </p:cNvPicPr>
-          <p:nvPr/>
-        </p:nvPicPr>
-        <p:blipFill>
-          <a:blip r:embed="rId4">
-            <a:extLst>
-              <a:ext uri="{28A0092B-C50C-407E-A947-70E740481C1C}">
-                <a14:useLocalDpi xmlns:a14="http://schemas.microsoft.com/office/drawing/2010/main" val="0"/>
-              </a:ext>
-            </a:extLst>
-          </a:blip>
-          <a:stretch>
-            <a:fillRect/>
-          </a:stretch>
-        </p:blipFill>
-        <p:spPr>
-          <a:xfrm>
-            <a:off x="1566393" y="2324100"/>
-            <a:ext cx="6686550" cy="4533900"/>
-          </a:xfrm>
-          <a:prstGeom prst="rect">
-            <a:avLst/>
-          </a:prstGeom>
-        </p:spPr>
-      </p:pic>
     </p:spTree>
   </p:cSld>
   <p:clrMapOvr>
